--- a/Design and Implement Azure App Service Apps.pptx
+++ b/Design and Implement Azure App Service Apps.pptx
@@ -15,6 +15,11 @@
     <p:sldId id="262" r:id="rId9"/>
     <p:sldId id="264" r:id="rId10"/>
     <p:sldId id="263" r:id="rId11"/>
+    <p:sldId id="265" r:id="rId12"/>
+    <p:sldId id="266" r:id="rId13"/>
+    <p:sldId id="267" r:id="rId14"/>
+    <p:sldId id="268" r:id="rId15"/>
+    <p:sldId id="269" r:id="rId16"/>
   </p:sldIdLst>
   <p:sldSz cx="12192000" cy="6858000"/>
   <p:notesSz cx="6858000" cy="9144000"/>
@@ -2111,60 +2116,6 @@
           <inkml:channelProperty channel="F" name="resolution" value="0" units="1/dev"/>
         </inkml:channelProperties>
       </inkml:inkSource>
-      <inkml:timestamp xml:id="ts0" timeString="2024-03-31T06:42:06.423"/>
-    </inkml:context>
-    <inkml:brush xml:id="br0">
-      <inkml:brushProperty name="width" value="0.035" units="cm"/>
-      <inkml:brushProperty name="height" value="0.035" units="cm"/>
-    </inkml:brush>
-  </inkml:definitions>
-  <inkml:trace contextRef="#ctx0" brushRef="#br0">129 283 1632,'-14'3'1318,"1"1"-1,-1 1 1,1 0-1,0 1 0,0 0 1,-14 10-1,26-15-627,-2 0-385,-7 5-24,8-5-23,-3 1 4,12-2 1017,61-9-1073,0-3 0,88-28-1,-122 31-180,439-127 403,-332 104-346,-139 32-78,48-9 125,-48 9-8,1-1-1,-1 0 1,1 1 0,-1-1-1,0 0 1,1 0-1,-1 0 1,0 0 0,0-1-1,2-1 1,-3 2 328,-3-2-369,-8-8 4,7 9-15,-11-5 147,1-1 14,0 2 1,0-1-1,-17-4 0,-6-4 261,34 14-425,-22-7 419,32 9-476,53 3-3,-12-1 17,-46-3-19,15 3 88,-11-2-105,-5-1 44,-1 0-1,1 0 0,-1-1 1,1 2-1,-1-1 1,1 0-1,-1 0 1,0 0-1,1 1 1,-1-1-1,0 0 0,1 1 1,-1 0-1,0-1 1,1 1-1,-1 0 1,0-1-1,0 1 1,0 0-1,0 0 1,0 0-1,0 0 0,0 0 1,0 0-1,0 1 1,1 0-1,-2 0 28,0 2-4,-1 1 1,1-1 0,-1 1 0,-1-1 0,1 1 0,-2 3 0,-11 13-72,0-1 0,-1 0 0,-1-1 0,-1-1-1,-1-1 1,-30 24 0,4-2-2766,30-34-52</inkml:trace>
-</inkml:ink>
-</file>
-
-<file path=ppt/ink/ink166.xml><?xml version="1.0" encoding="utf-8"?>
-<inkml:ink xmlns:inkml="http://www.w3.org/2003/InkML">
-  <inkml:definitions>
-    <inkml:context xml:id="ctx0">
-      <inkml:inkSource xml:id="inkSrc0">
-        <inkml:traceFormat>
-          <inkml:channel name="X" type="integer" min="-2.14748E9" max="2.14748E9" units="cm"/>
-          <inkml:channel name="Y" type="integer" min="-2.14748E9" max="2.14748E9" units="cm"/>
-          <inkml:channel name="F" type="integer" max="32767" units="dev"/>
-        </inkml:traceFormat>
-        <inkml:channelProperties>
-          <inkml:channelProperty channel="X" name="resolution" value="1000" units="1/cm"/>
-          <inkml:channelProperty channel="Y" name="resolution" value="1000" units="1/cm"/>
-          <inkml:channelProperty channel="F" name="resolution" value="0" units="1/dev"/>
-        </inkml:channelProperties>
-      </inkml:inkSource>
-      <inkml:timestamp xml:id="ts0" timeString="2024-03-31T06:42:07.917"/>
-    </inkml:context>
-    <inkml:brush xml:id="br0">
-      <inkml:brushProperty name="width" value="0.035" units="cm"/>
-      <inkml:brushProperty name="height" value="0.035" units="cm"/>
-    </inkml:brush>
-  </inkml:definitions>
-  <inkml:trace contextRef="#ctx0" brushRef="#br0">47 472 1180,'0'0'9992,"-7"2"-9512,-33 6 3467,330-123-3227,19 21-287,110-17 558,-185 52 629,-214 54-1508,-1 0 54,0-1 0,36-15 0,-3 4 296,-50 16-273,15-12 1948,-80-1-1528,3 1 51,24 5 412,148 31-993,-43-12 41,-66-11-91,-2 0-24,0 0 1,0 0 0,-1 0 0,1 0 0,0 0 0,0 0 0,0 0-1,-1 0 1,1 0 0,0 0 0,0 0 0,-1 0 0,1 1-1,0-1 1,0 0 0,-1 1 0,1-1 0,0 0 0,-1 1 0,1-1-1,0 1 1,-1-1 0,1 1 0,-1-1 0,1 1 0,-1-1-1,1 1 1,-1 0 0,1 0 0,-1 0 2,0 1 0,0-1 0,0 0 0,0 0 0,-1 1 0,1-1 0,0 0 0,-1 0 0,1 0 0,-1 1 0,0-1 0,1 0 0,-1 0 0,0 0 0,-1 2 1,-5 5-172,-1 0 1,0-1 0,-9 8 0,-4 1-1139,-3 2-2485,10-7-4142</inkml:trace>
-</inkml:ink>
-</file>
-
-<file path=ppt/ink/ink167.xml><?xml version="1.0" encoding="utf-8"?>
-<inkml:ink xmlns:inkml="http://www.w3.org/2003/InkML">
-  <inkml:definitions>
-    <inkml:context xml:id="ctx0">
-      <inkml:inkSource xml:id="inkSrc0">
-        <inkml:traceFormat>
-          <inkml:channel name="X" type="integer" min="-2.14748E9" max="2.14748E9" units="cm"/>
-          <inkml:channel name="Y" type="integer" min="-2.14748E9" max="2.14748E9" units="cm"/>
-          <inkml:channel name="F" type="integer" max="32767" units="dev"/>
-        </inkml:traceFormat>
-        <inkml:channelProperties>
-          <inkml:channelProperty channel="X" name="resolution" value="1000" units="1/cm"/>
-          <inkml:channelProperty channel="Y" name="resolution" value="1000" units="1/cm"/>
-          <inkml:channelProperty channel="F" name="resolution" value="0" units="1/dev"/>
-        </inkml:channelProperties>
-      </inkml:inkSource>
       <inkml:timestamp xml:id="ts0" timeString="2022-07-30T06:16:03.772"/>
     </inkml:context>
     <inkml:brush xml:id="br0">
@@ -2176,7 +2127,7 @@
 </inkml:ink>
 </file>
 
-<file path=ppt/ink/ink168.xml><?xml version="1.0" encoding="utf-8"?>
+<file path=ppt/ink/ink166.xml><?xml version="1.0" encoding="utf-8"?>
 <inkml:ink xmlns:inkml="http://www.w3.org/2003/InkML">
   <inkml:definitions>
     <inkml:context xml:id="ctx0">
@@ -2203,7 +2154,7 @@
 </inkml:ink>
 </file>
 
-<file path=ppt/ink/ink169.xml><?xml version="1.0" encoding="utf-8"?>
+<file path=ppt/ink/ink167.xml><?xml version="1.0" encoding="utf-8"?>
 <inkml:ink xmlns:inkml="http://www.w3.org/2003/InkML">
   <inkml:definitions>
     <inkml:context xml:id="ctx0">
@@ -2227,6 +2178,60 @@
     </inkml:brush>
   </inkml:definitions>
   <inkml:trace contextRef="#ctx0" brushRef="#br0">1 192 2044,'9'-5'3579,"30"-13"-2444,1 1 0,1 3 0,71-16 0,-45 12-625,-11 3-231,78-23-89,-115 32-565,20-6-243,-17-2-4072,-15 9 2291</inkml:trace>
+</inkml:ink>
+</file>
+
+<file path=ppt/ink/ink168.xml><?xml version="1.0" encoding="utf-8"?>
+<inkml:ink xmlns:inkml="http://www.w3.org/2003/InkML">
+  <inkml:definitions>
+    <inkml:context xml:id="ctx0">
+      <inkml:inkSource xml:id="inkSrc0">
+        <inkml:traceFormat>
+          <inkml:channel name="X" type="integer" min="-2.14748E9" max="2.14748E9" units="cm"/>
+          <inkml:channel name="Y" type="integer" min="-2.14748E9" max="2.14748E9" units="cm"/>
+          <inkml:channel name="F" type="integer" max="32767" units="dev"/>
+        </inkml:traceFormat>
+        <inkml:channelProperties>
+          <inkml:channelProperty channel="X" name="resolution" value="1000" units="1/cm"/>
+          <inkml:channelProperty channel="Y" name="resolution" value="1000" units="1/cm"/>
+          <inkml:channelProperty channel="F" name="resolution" value="0" units="1/dev"/>
+        </inkml:channelProperties>
+      </inkml:inkSource>
+      <inkml:timestamp xml:id="ts0" timeString="2022-07-30T06:16:05.165"/>
+    </inkml:context>
+    <inkml:brush xml:id="br0">
+      <inkml:brushProperty name="width" value="0.05" units="cm"/>
+      <inkml:brushProperty name="height" value="0.05" units="cm"/>
+    </inkml:brush>
+  </inkml:definitions>
+  <inkml:trace contextRef="#ctx0" brushRef="#br0">104 1 952,'-4'1'713,"-8"3"-373,6-3 435,1 1 1,-1 0 0,1 0 0,-9 5 0,12-6-602,0 1 0,0-1 0,0 1-1,0 0 1,0-1 0,1 1 0,-1 0 0,1 0 0,-1 0-1,1 0 1,0 1 0,0-1 0,0 0 0,0 0 0,-1 5-1,-6 29 779,1 0-1,-2 60 1,7 77 445,2-110-941,14 240 861,-12-278-1375,-1-12-518,1-3-1480,-2-4-3232</inkml:trace>
+</inkml:ink>
+</file>
+
+<file path=ppt/ink/ink169.xml><?xml version="1.0" encoding="utf-8"?>
+<inkml:ink xmlns:inkml="http://www.w3.org/2003/InkML">
+  <inkml:definitions>
+    <inkml:context xml:id="ctx0">
+      <inkml:inkSource xml:id="inkSrc0">
+        <inkml:traceFormat>
+          <inkml:channel name="X" type="integer" min="-2.14748E9" max="2.14748E9" units="cm"/>
+          <inkml:channel name="Y" type="integer" min="-2.14748E9" max="2.14748E9" units="cm"/>
+          <inkml:channel name="F" type="integer" max="32767" units="dev"/>
+        </inkml:traceFormat>
+        <inkml:channelProperties>
+          <inkml:channelProperty channel="X" name="resolution" value="1000" units="1/cm"/>
+          <inkml:channelProperty channel="Y" name="resolution" value="1000" units="1/cm"/>
+          <inkml:channelProperty channel="F" name="resolution" value="0" units="1/dev"/>
+        </inkml:channelProperties>
+      </inkml:inkSource>
+      <inkml:timestamp xml:id="ts0" timeString="2022-07-30T06:16:05.540"/>
+    </inkml:context>
+    <inkml:brush xml:id="br0">
+      <inkml:brushProperty name="width" value="0.05" units="cm"/>
+      <inkml:brushProperty name="height" value="0.05" units="cm"/>
+    </inkml:brush>
+  </inkml:definitions>
+  <inkml:trace contextRef="#ctx0" brushRef="#br0">72 226 1004,'0'0'4915,"2"1"-4390,1 1-380,0-1 0,1 0 0,-1 1 0,0-1 0,1-1 0,-1 1 0,0 0 0,1-1 0,-1 0 0,1 0 0,-1 0-1,0 0 1,1 0 0,-1-1 0,1 1 0,-1-1 0,0 0 0,1 0 0,-1 0 0,0-1 0,0 1 0,0-1 0,0 1 0,0-1 0,5-5 0,-3 3-95,-1-1 0,1-1 0,-1 1 0,0 0 0,0-1 0,-1 0 0,0 0 0,0 0 0,0 0 0,-1-1 0,0 1 0,2-9 0,-1 2 93,-1-1-1,-1 1 1,0-1-1,-1 1 1,-1-14-1,0 25-84,1 0-1,-1 0 0,1 0 0,-1 0 0,0 0 0,0 0 0,0 0 1,0 1-1,0-1 0,0 0 0,0 1 0,0-1 0,-1 1 0,1-1 1,-1 1-1,-2-2 0,3 2-15,0 0 0,0 0 1,0 1-1,0-1 0,-1 0 1,1 1-1,0-1 0,0 1 0,-1-1 1,1 1-1,0 0 0,-1 0 1,1-1-1,-1 1 0,1 0 0,0 0 1,-1 0-1,1 1 0,0-1 1,-1 0-1,1 0 0,-1 1 0,1-1 1,0 1-1,-2 0 0,-7 5 47,2 0 0,-1 1 0,1 0-1,0 1 1,0-1 0,1 2 0,0-1 0,1 1-1,-1 0 1,-5 11 0,-1 4 66,0 1-1,2 0 1,-10 32 0,18-47-109,0 0 0,1 0 1,0 0-1,1 0 0,0 1 1,0-1-1,1 0 0,1 0 1,-1 1-1,2-1 0,-1 0 0,5 11 1,-4-16-29,0 0 0,1 0 1,-1 0-1,1 0 0,1-1 1,-1 1-1,1-1 0,-1 0 1,1 0-1,1 0 1,-1-1-1,0 1 0,1-1 1,0 0-1,4 2 0,5 2 9,0-1-1,0-1 0,0 0 1,20 4-1,-13-5-44,0-1-1,1-1 0,38 0 1,-45-3-207,0 0 1,0-1-1,0-1 1,-1 0 0,1-1-1,19-7 1,-22 5-585,23-13 0,-31 17 185,0-1 0,-1 1-1,0-1 1,1 0 0,-1 0 0,0-1-1,-1 1 1,1 0 0,4-8 0,-1-2-2499</inkml:trace>
 </inkml:ink>
 </file>
 
@@ -2273,60 +2278,6 @@
           <inkml:channelProperty channel="F" name="resolution" value="0" units="1/dev"/>
         </inkml:channelProperties>
       </inkml:inkSource>
-      <inkml:timestamp xml:id="ts0" timeString="2022-07-30T06:16:05.165"/>
-    </inkml:context>
-    <inkml:brush xml:id="br0">
-      <inkml:brushProperty name="width" value="0.05" units="cm"/>
-      <inkml:brushProperty name="height" value="0.05" units="cm"/>
-    </inkml:brush>
-  </inkml:definitions>
-  <inkml:trace contextRef="#ctx0" brushRef="#br0">104 1 952,'-4'1'713,"-8"3"-373,6-3 435,1 1 1,-1 0 0,1 0 0,-9 5 0,12-6-602,0 1 0,0-1 0,0 1-1,0 0 1,0-1 0,1 1 0,-1 0 0,1 0 0,-1 0-1,1 0 1,0 1 0,0-1 0,0 0 0,0 0 0,-1 5-1,-6 29 779,1 0-1,-2 60 1,7 77 445,2-110-941,14 240 861,-12-278-1375,-1-12-518,1-3-1480,-2-4-3232</inkml:trace>
-</inkml:ink>
-</file>
-
-<file path=ppt/ink/ink171.xml><?xml version="1.0" encoding="utf-8"?>
-<inkml:ink xmlns:inkml="http://www.w3.org/2003/InkML">
-  <inkml:definitions>
-    <inkml:context xml:id="ctx0">
-      <inkml:inkSource xml:id="inkSrc0">
-        <inkml:traceFormat>
-          <inkml:channel name="X" type="integer" min="-2.14748E9" max="2.14748E9" units="cm"/>
-          <inkml:channel name="Y" type="integer" min="-2.14748E9" max="2.14748E9" units="cm"/>
-          <inkml:channel name="F" type="integer" max="32767" units="dev"/>
-        </inkml:traceFormat>
-        <inkml:channelProperties>
-          <inkml:channelProperty channel="X" name="resolution" value="1000" units="1/cm"/>
-          <inkml:channelProperty channel="Y" name="resolution" value="1000" units="1/cm"/>
-          <inkml:channelProperty channel="F" name="resolution" value="0" units="1/dev"/>
-        </inkml:channelProperties>
-      </inkml:inkSource>
-      <inkml:timestamp xml:id="ts0" timeString="2022-07-30T06:16:05.540"/>
-    </inkml:context>
-    <inkml:brush xml:id="br0">
-      <inkml:brushProperty name="width" value="0.05" units="cm"/>
-      <inkml:brushProperty name="height" value="0.05" units="cm"/>
-    </inkml:brush>
-  </inkml:definitions>
-  <inkml:trace contextRef="#ctx0" brushRef="#br0">72 226 1004,'0'0'4915,"2"1"-4390,1 1-380,0-1 0,1 0 0,-1 1 0,0-1 0,1-1 0,-1 1 0,0 0 0,1-1 0,-1 0 0,1 0 0,-1 0-1,0 0 1,1 0 0,-1-1 0,1 1 0,-1-1 0,0 0 0,1 0 0,-1 0 0,0-1 0,0 1 0,0-1 0,0 1 0,0-1 0,5-5 0,-3 3-95,-1-1 0,1-1 0,-1 1 0,0 0 0,0-1 0,-1 0 0,0 0 0,0 0 0,0 0 0,-1-1 0,0 1 0,2-9 0,-1 2 93,-1-1-1,-1 1 1,0-1-1,-1 1 1,-1-14-1,0 25-84,1 0-1,-1 0 0,1 0 0,-1 0 0,0 0 0,0 0 0,0 0 1,0 1-1,0-1 0,0 0 0,0 1 0,0-1 0,-1 1 0,1-1 1,-1 1-1,-2-2 0,3 2-15,0 0 0,0 0 1,0 1-1,0-1 0,-1 0 1,1 1-1,0-1 0,0 1 0,-1-1 1,1 1-1,0 0 0,-1 0 1,1-1-1,-1 1 0,1 0 0,0 0 1,-1 0-1,1 1 0,0-1 1,-1 0-1,1 0 0,-1 1 0,1-1 1,0 1-1,-2 0 0,-7 5 47,2 0 0,-1 1 0,1 0-1,0 1 1,0-1 0,1 2 0,0-1 0,1 1-1,-1 0 1,-5 11 0,-1 4 66,0 1-1,2 0 1,-10 32 0,18-47-109,0 0 0,1 0 1,0 0-1,1 0 0,0 1 1,0-1-1,1 0 0,1 0 1,-1 1-1,2-1 0,-1 0 0,5 11 1,-4-16-29,0 0 0,1 0 1,-1 0-1,1 0 0,1-1 1,-1 1-1,1-1 0,-1 0 1,1 0-1,1 0 1,-1-1-1,0 1 0,1-1 1,0 0-1,4 2 0,5 2 9,0-1-1,0-1 0,0 0 1,20 4-1,-13-5-44,0-1-1,1-1 0,38 0 1,-45-3-207,0 0 1,0-1-1,0-1 1,-1 0 0,1-1-1,19-7 1,-22 5-585,23-13 0,-31 17 185,0-1 0,-1 1-1,0-1 1,1 0 0,-1 0 0,0-1-1,-1 1 1,1 0 0,4-8 0,-1-2-2499</inkml:trace>
-</inkml:ink>
-</file>
-
-<file path=ppt/ink/ink172.xml><?xml version="1.0" encoding="utf-8"?>
-<inkml:ink xmlns:inkml="http://www.w3.org/2003/InkML">
-  <inkml:definitions>
-    <inkml:context xml:id="ctx0">
-      <inkml:inkSource xml:id="inkSrc0">
-        <inkml:traceFormat>
-          <inkml:channel name="X" type="integer" min="-2.14748E9" max="2.14748E9" units="cm"/>
-          <inkml:channel name="Y" type="integer" min="-2.14748E9" max="2.14748E9" units="cm"/>
-          <inkml:channel name="F" type="integer" max="32767" units="dev"/>
-        </inkml:traceFormat>
-        <inkml:channelProperties>
-          <inkml:channelProperty channel="X" name="resolution" value="1000" units="1/cm"/>
-          <inkml:channelProperty channel="Y" name="resolution" value="1000" units="1/cm"/>
-          <inkml:channelProperty channel="F" name="resolution" value="0" units="1/dev"/>
-        </inkml:channelProperties>
-      </inkml:inkSource>
       <inkml:timestamp xml:id="ts0" timeString="2022-07-30T06:16:05.918"/>
     </inkml:context>
     <inkml:brush xml:id="br0">
@@ -2339,7 +2290,7 @@
 </inkml:ink>
 </file>
 
-<file path=ppt/ink/ink173.xml><?xml version="1.0" encoding="utf-8"?>
+<file path=ppt/ink/ink171.xml><?xml version="1.0" encoding="utf-8"?>
 <inkml:ink xmlns:inkml="http://www.w3.org/2003/InkML">
   <inkml:definitions>
     <inkml:context xml:id="ctx0">
@@ -2366,7 +2317,7 @@
 </inkml:ink>
 </file>
 
-<file path=ppt/ink/ink174.xml><?xml version="1.0" encoding="utf-8"?>
+<file path=ppt/ink/ink172.xml><?xml version="1.0" encoding="utf-8"?>
 <inkml:ink xmlns:inkml="http://www.w3.org/2003/InkML">
   <inkml:definitions>
     <inkml:context xml:id="ctx0">
@@ -2393,7 +2344,7 @@
 </inkml:ink>
 </file>
 
-<file path=ppt/ink/ink175.xml><?xml version="1.0" encoding="utf-8"?>
+<file path=ppt/ink/ink173.xml><?xml version="1.0" encoding="utf-8"?>
 <inkml:ink xmlns:inkml="http://www.w3.org/2003/InkML">
   <inkml:definitions>
     <inkml:context xml:id="ctx0">
@@ -2421,7 +2372,7 @@
 </inkml:ink>
 </file>
 
-<file path=ppt/ink/ink176.xml><?xml version="1.0" encoding="utf-8"?>
+<file path=ppt/ink/ink174.xml><?xml version="1.0" encoding="utf-8"?>
 <inkml:ink xmlns:inkml="http://www.w3.org/2003/InkML">
   <inkml:definitions>
     <inkml:context xml:id="ctx0">
@@ -2448,7 +2399,7 @@
 </inkml:ink>
 </file>
 
-<file path=ppt/ink/ink177.xml><?xml version="1.0" encoding="utf-8"?>
+<file path=ppt/ink/ink175.xml><?xml version="1.0" encoding="utf-8"?>
 <inkml:ink xmlns:inkml="http://www.w3.org/2003/InkML">
   <inkml:definitions>
     <inkml:context xml:id="ctx0">
@@ -2475,7 +2426,7 @@
 </inkml:ink>
 </file>
 
-<file path=ppt/ink/ink178.xml><?xml version="1.0" encoding="utf-8"?>
+<file path=ppt/ink/ink176.xml><?xml version="1.0" encoding="utf-8"?>
 <inkml:ink xmlns:inkml="http://www.w3.org/2003/InkML">
   <inkml:definitions>
     <inkml:context xml:id="ctx0">
@@ -2502,7 +2453,7 @@
 </inkml:ink>
 </file>
 
-<file path=ppt/ink/ink179.xml><?xml version="1.0" encoding="utf-8"?>
+<file path=ppt/ink/ink177.xml><?xml version="1.0" encoding="utf-8"?>
 <inkml:ink xmlns:inkml="http://www.w3.org/2003/InkML">
   <inkml:definitions>
     <inkml:context xml:id="ctx0">
@@ -2526,6 +2477,60 @@
     </inkml:brush>
   </inkml:definitions>
   <inkml:trace contextRef="#ctx0" brushRef="#br0">36 102 1600,'0'0'2480,"-1"-2"-1792,-11-7 2382,-10-9 4792,24 15-7852,7-11 3,-7 10 159,8-4 172,3-6-309,-11 12 46,-1 1-70,2-1-56,1-2 160,1-1 1,0 1 0,0 1-1,7-5 1,-10 7 41,0 4 27,2 5-72,-1-1 0,1 1 0,-1 0-1,-1 1 1,1-1 0,-1 0 0,-1 1-1,1 8 1,2 76 413,-4-71-399,0 106 416,1 68 123,1-148-389,19 96 1,-20-137-236,0 0-1,1 0 0,0-1 0,0 1 1,1 0-1,0-1 0,0 1 0,1-1 1,0 0-1,0 0 0,8 8 1,-9-11-28,0-1 1,0 0-1,0-1 1,0 1-1,0-1 1,1 1 0,-1-1-1,0 0 1,1 0-1,-1 0 1,1-1-1,0 1 1,-1-1 0,1 0-1,5 0 1,1-1-30,-1 0 0,1 0 0,-1-1 0,13-5 0,-7 2-342,-1-2 0,0 1-1,0-2 1,-1 0 0,0-1 0,0 0 0,17-16 0,22-28-2746,-4-3-3555,-29 31 2661</inkml:trace>
+</inkml:ink>
+</file>
+
+<file path=ppt/ink/ink178.xml><?xml version="1.0" encoding="utf-8"?>
+<inkml:ink xmlns:inkml="http://www.w3.org/2003/InkML">
+  <inkml:definitions>
+    <inkml:context xml:id="ctx0">
+      <inkml:inkSource xml:id="inkSrc0">
+        <inkml:traceFormat>
+          <inkml:channel name="X" type="integer" min="-2.14748E9" max="2.14748E9" units="cm"/>
+          <inkml:channel name="Y" type="integer" min="-2.14748E9" max="2.14748E9" units="cm"/>
+          <inkml:channel name="F" type="integer" max="32767" units="dev"/>
+        </inkml:traceFormat>
+        <inkml:channelProperties>
+          <inkml:channelProperty channel="X" name="resolution" value="1000" units="1/cm"/>
+          <inkml:channelProperty channel="Y" name="resolution" value="1000" units="1/cm"/>
+          <inkml:channelProperty channel="F" name="resolution" value="0" units="1/dev"/>
+        </inkml:channelProperties>
+      </inkml:inkSource>
+      <inkml:timestamp xml:id="ts0" timeString="2022-07-30T06:16:10.853"/>
+    </inkml:context>
+    <inkml:brush xml:id="br0">
+      <inkml:brushProperty name="width" value="0.05" units="cm"/>
+      <inkml:brushProperty name="height" value="0.05" units="cm"/>
+    </inkml:brush>
+  </inkml:definitions>
+  <inkml:trace contextRef="#ctx0" brushRef="#br0">67 0 1780,'0'0'5725,"-5"5"-5047,1-2-554,2-2-55,-1 1 0,1 0 0,0 0 0,0 0 0,0 0 0,1 0 0,-1 0 0,0 1 0,1-1 0,0 1 0,-1-1 0,1 1 1,0-1-1,0 1 0,-1 5 0,1-1 105,-2 6 94,1 0 1,1 0 0,0 0-1,0 0 1,2 0 0,-1 0-1,2 1 1,3 14 0,-2-14-86,1-1 0,1 0 0,0 0 1,1 0-1,0-1 0,1 0 0,10 14 0,-16-25-143,1 1-1,-1-1 0,1 0 0,0 1 1,-1-1-1,1 0 0,0 0 0,0-1 1,-1 1-1,1 0 0,0 0 0,0-1 1,0 1-1,0-1 0,0 0 0,0 0 1,0 1-1,0-1 0,3-1 1,-5 1-30,2 0 14,-1 0-1,1 0 1,-1-1-1,1 1 1,-1 0-1,1-1 1,-1 0-1,1 1 1,-1-1-1,1 0 1,2-1-1,-1-1 34,4-2 146,-4 0-115,-1 0 0,1 0 0,-1 0 1,-1-1-1,1 1 0,-1-1 0,0 1 0,0-1 1,0 1-1,-1-1 0,0 0 0,0 1 0,0-1 1,-1 0-1,0 1 0,0-1 0,0 1 0,-1-1 1,1 1-1,-1 0 0,-1-1 0,-2-4 1,-3-3 48,0 1 0,-1 0 0,0 1 0,-1 0 0,0 0 0,0 1 0,-1 1 0,-20-15 0,20 17-124,0-1 183,-5 0-4202,8 4 1261</inkml:trace>
+</inkml:ink>
+</file>
+
+<file path=ppt/ink/ink179.xml><?xml version="1.0" encoding="utf-8"?>
+<inkml:ink xmlns:inkml="http://www.w3.org/2003/InkML">
+  <inkml:definitions>
+    <inkml:context xml:id="ctx0">
+      <inkml:inkSource xml:id="inkSrc0">
+        <inkml:traceFormat>
+          <inkml:channel name="X" type="integer" min="-2.14748E9" max="2.14748E9" units="cm"/>
+          <inkml:channel name="Y" type="integer" min="-2.14748E9" max="2.14748E9" units="cm"/>
+          <inkml:channel name="F" type="integer" max="32767" units="dev"/>
+        </inkml:traceFormat>
+        <inkml:channelProperties>
+          <inkml:channelProperty channel="X" name="resolution" value="1000" units="1/cm"/>
+          <inkml:channelProperty channel="Y" name="resolution" value="1000" units="1/cm"/>
+          <inkml:channelProperty channel="F" name="resolution" value="0" units="1/dev"/>
+        </inkml:channelProperties>
+      </inkml:inkSource>
+      <inkml:timestamp xml:id="ts0" timeString="2022-07-30T06:16:11.249"/>
+    </inkml:context>
+    <inkml:brush xml:id="br0">
+      <inkml:brushProperty name="width" value="0.05" units="cm"/>
+      <inkml:brushProperty name="height" value="0.05" units="cm"/>
+    </inkml:brush>
+  </inkml:definitions>
+  <inkml:trace contextRef="#ctx0" brushRef="#br0">1 94 1480,'0'0'3922,"2"-2"-3375,-2 2-444,1 0 0,-1 0 0,1 0-1,-1-1 1,1 1 0,-1 0 0,1 0-1,-1 0 1,1 0 0,0 0 0,-1 0-1,1 0 1,-1 0 0,1 0 0,-1 0-1,1 0 1,-1 1 0,1-1 0,-1 0-1,1 0 1,-1 0 0,1 1 0,-1-1 0,1 0-1,-1 1 1,1-1 0,-1 0 0,1 1-1,-1-1 1,0 1 0,1-1 0,-1 1-1,0-1 1,1 0 0,-1 1 0,0 0-1,16 26 495,-15-25-427,4 8 89,0-1-1,1 0 0,0 0 0,13 13 1,-18-21-167,12 5 70,-10-6-138,1 0-1,-1 1 0,1-1 1,0-1-1,-1 1 0,1 0 0,-1-1 1,1 0-1,-1 0 0,0 0 1,6-2-1,-4 1-8,36-12 122,-39 14-122,-2-1-8,1 1-5,0 0 1,0-1-1,0 1 1,1-1-1,-1 1 1,0 0-1,0 0 1,0 0-1,0-1 0,0 1 1,1 0-1,1 1 1,38 16 41,-38-15-42,1 0 1,0 0-1,-1 0 0,1-1 1,0 0-1,0 0 1,0 0-1,0 0 0,0 0 1,0-1-1,0 0 1,0 0-1,0 0 1,0 0-1,8-2 0,-7 1 42,-1 0 0,1 0-1,0-1 1,-1 0-1,0 0 1,1 0-1,-1 0 1,0 0 0,0-1-1,0 0 1,7-6-1,-10 7 0,1 1 0,0-1-1,-1 0 1,1 0 0,-1-1 0,0 1-1,0 0 1,1 0 0,-1-1-1,-1 1 1,1 0 0,0-1 0,-1 1-1,1-1 1,-1 1 0,0-1 0,0 1-1,0-1 1,0 1 0,0-1-1,0 1 1,-1-1 0,1 1 0,-1-1-1,-1-3 1,-32-68-3625,27 59 217,3 2 30</inkml:trace>
 </inkml:ink>
 </file>
 
@@ -2572,60 +2577,6 @@
           <inkml:channelProperty channel="F" name="resolution" value="0" units="1/dev"/>
         </inkml:channelProperties>
       </inkml:inkSource>
-      <inkml:timestamp xml:id="ts0" timeString="2022-07-30T06:16:10.853"/>
-    </inkml:context>
-    <inkml:brush xml:id="br0">
-      <inkml:brushProperty name="width" value="0.05" units="cm"/>
-      <inkml:brushProperty name="height" value="0.05" units="cm"/>
-    </inkml:brush>
-  </inkml:definitions>
-  <inkml:trace contextRef="#ctx0" brushRef="#br0">67 0 1780,'0'0'5725,"-5"5"-5047,1-2-554,2-2-55,-1 1 0,1 0 0,0 0 0,0 0 0,0 0 0,1 0 0,-1 0 0,0 1 0,1-1 0,0 1 0,-1-1 0,1 1 1,0-1-1,0 1 0,-1 5 0,1-1 105,-2 6 94,1 0 1,1 0 0,0 0-1,0 0 1,2 0 0,-1 0-1,2 1 1,3 14 0,-2-14-86,1-1 0,1 0 0,0 0 1,1 0-1,0-1 0,1 0 0,10 14 0,-16-25-143,1 1-1,-1-1 0,1 0 0,0 1 1,-1-1-1,1 0 0,0 0 0,0-1 1,-1 1-1,1 0 0,0 0 0,0-1 1,0 1-1,0-1 0,0 0 0,0 0 1,0 1-1,0-1 0,3-1 1,-5 1-30,2 0 14,-1 0-1,1 0 1,-1-1-1,1 1 1,-1 0-1,1-1 1,-1 0-1,1 1 1,-1-1-1,1 0 1,2-1-1,-1-1 34,4-2 146,-4 0-115,-1 0 0,1 0 0,-1 0 1,-1-1-1,1 1 0,-1-1 0,0 1 0,0-1 1,0 1-1,-1-1 0,0 0 0,0 1 0,0-1 1,-1 0-1,0 1 0,0-1 0,0 1 0,-1-1 1,1 1-1,-1 0 0,-1-1 0,-2-4 1,-3-3 48,0 1 0,-1 0 0,0 1 0,-1 0 0,0 0 0,0 1 0,-1 1 0,-20-15 0,20 17-124,0-1 183,-5 0-4202,8 4 1261</inkml:trace>
-</inkml:ink>
-</file>
-
-<file path=ppt/ink/ink181.xml><?xml version="1.0" encoding="utf-8"?>
-<inkml:ink xmlns:inkml="http://www.w3.org/2003/InkML">
-  <inkml:definitions>
-    <inkml:context xml:id="ctx0">
-      <inkml:inkSource xml:id="inkSrc0">
-        <inkml:traceFormat>
-          <inkml:channel name="X" type="integer" min="-2.14748E9" max="2.14748E9" units="cm"/>
-          <inkml:channel name="Y" type="integer" min="-2.14748E9" max="2.14748E9" units="cm"/>
-          <inkml:channel name="F" type="integer" max="32767" units="dev"/>
-        </inkml:traceFormat>
-        <inkml:channelProperties>
-          <inkml:channelProperty channel="X" name="resolution" value="1000" units="1/cm"/>
-          <inkml:channelProperty channel="Y" name="resolution" value="1000" units="1/cm"/>
-          <inkml:channelProperty channel="F" name="resolution" value="0" units="1/dev"/>
-        </inkml:channelProperties>
-      </inkml:inkSource>
-      <inkml:timestamp xml:id="ts0" timeString="2022-07-30T06:16:11.249"/>
-    </inkml:context>
-    <inkml:brush xml:id="br0">
-      <inkml:brushProperty name="width" value="0.05" units="cm"/>
-      <inkml:brushProperty name="height" value="0.05" units="cm"/>
-    </inkml:brush>
-  </inkml:definitions>
-  <inkml:trace contextRef="#ctx0" brushRef="#br0">1 94 1480,'0'0'3922,"2"-2"-3375,-2 2-444,1 0 0,-1 0 0,1 0-1,-1-1 1,1 1 0,-1 0 0,1 0-1,-1 0 1,1 0 0,0 0 0,-1 0-1,1 0 1,-1 0 0,1 0 0,-1 0-1,1 0 1,-1 1 0,1-1 0,-1 0-1,1 0 1,-1 0 0,1 1 0,-1-1 0,1 0-1,-1 1 1,1-1 0,-1 0 0,1 1-1,-1-1 1,0 1 0,1-1 0,-1 1-1,0-1 1,1 0 0,-1 1 0,0 0-1,16 26 495,-15-25-427,4 8 89,0-1-1,1 0 0,0 0 0,13 13 1,-18-21-167,12 5 70,-10-6-138,1 0-1,-1 1 0,1-1 1,0-1-1,-1 1 0,1 0 0,-1-1 1,1 0-1,-1 0 0,0 0 1,6-2-1,-4 1-8,36-12 122,-39 14-122,-2-1-8,1 1-5,0 0 1,0-1-1,0 1 1,1-1-1,-1 1 1,0 0-1,0 0 1,0 0-1,0-1 0,0 1 1,1 0-1,1 1 1,38 16 41,-38-15-42,1 0 1,0 0-1,-1 0 0,1-1 1,0 0-1,0 0 1,0 0-1,0 0 0,0 0 1,0-1-1,0 0 1,0 0-1,0 0 1,0 0-1,8-2 0,-7 1 42,-1 0 0,1 0-1,0-1 1,-1 0-1,0 0 1,1 0-1,-1 0 1,0 0 0,0-1-1,0 0 1,7-6-1,-10 7 0,1 1 0,0-1-1,-1 0 1,1 0 0,-1-1 0,0 1-1,0 0 1,1 0 0,-1-1-1,-1 1 1,1 0 0,0-1 0,-1 1-1,1-1 1,-1 1 0,0-1 0,0 1-1,0-1 1,0 1 0,0-1-1,0 1 1,-1-1 0,1 1 0,-1-1-1,-1-3 1,-32-68-3625,27 59 217,3 2 30</inkml:trace>
-</inkml:ink>
-</file>
-
-<file path=ppt/ink/ink182.xml><?xml version="1.0" encoding="utf-8"?>
-<inkml:ink xmlns:inkml="http://www.w3.org/2003/InkML">
-  <inkml:definitions>
-    <inkml:context xml:id="ctx0">
-      <inkml:inkSource xml:id="inkSrc0">
-        <inkml:traceFormat>
-          <inkml:channel name="X" type="integer" min="-2.14748E9" max="2.14748E9" units="cm"/>
-          <inkml:channel name="Y" type="integer" min="-2.14748E9" max="2.14748E9" units="cm"/>
-          <inkml:channel name="F" type="integer" max="32767" units="dev"/>
-        </inkml:traceFormat>
-        <inkml:channelProperties>
-          <inkml:channelProperty channel="X" name="resolution" value="1000" units="1/cm"/>
-          <inkml:channelProperty channel="Y" name="resolution" value="1000" units="1/cm"/>
-          <inkml:channelProperty channel="F" name="resolution" value="0" units="1/dev"/>
-        </inkml:channelProperties>
-      </inkml:inkSource>
       <inkml:timestamp xml:id="ts0" timeString="2022-07-30T06:16:11.750"/>
     </inkml:context>
     <inkml:brush xml:id="br0">
@@ -2637,7 +2588,7 @@
 </inkml:ink>
 </file>
 
-<file path=ppt/ink/ink183.xml><?xml version="1.0" encoding="utf-8"?>
+<file path=ppt/ink/ink181.xml><?xml version="1.0" encoding="utf-8"?>
 <inkml:ink xmlns:inkml="http://www.w3.org/2003/InkML">
   <inkml:definitions>
     <inkml:context xml:id="ctx0">
@@ -2664,7 +2615,7 @@
 </inkml:ink>
 </file>
 
-<file path=ppt/ink/ink184.xml><?xml version="1.0" encoding="utf-8"?>
+<file path=ppt/ink/ink182.xml><?xml version="1.0" encoding="utf-8"?>
 <inkml:ink xmlns:inkml="http://www.w3.org/2003/InkML">
   <inkml:definitions>
     <inkml:context xml:id="ctx0">
@@ -2691,7 +2642,7 @@
 </inkml:ink>
 </file>
 
-<file path=ppt/ink/ink185.xml><?xml version="1.0" encoding="utf-8"?>
+<file path=ppt/ink/ink183.xml><?xml version="1.0" encoding="utf-8"?>
 <inkml:ink xmlns:inkml="http://www.w3.org/2003/InkML">
   <inkml:definitions>
     <inkml:context xml:id="ctx0">
@@ -2718,7 +2669,7 @@
 </inkml:ink>
 </file>
 
-<file path=ppt/ink/ink186.xml><?xml version="1.0" encoding="utf-8"?>
+<file path=ppt/ink/ink184.xml><?xml version="1.0" encoding="utf-8"?>
 <inkml:ink xmlns:inkml="http://www.w3.org/2003/InkML">
   <inkml:definitions>
     <inkml:context xml:id="ctx0">
@@ -2746,7 +2697,7 @@
 </inkml:ink>
 </file>
 
-<file path=ppt/ink/ink187.xml><?xml version="1.0" encoding="utf-8"?>
+<file path=ppt/ink/ink185.xml><?xml version="1.0" encoding="utf-8"?>
 <inkml:ink xmlns:inkml="http://www.w3.org/2003/InkML">
   <inkml:definitions>
     <inkml:context xml:id="ctx0">
@@ -2774,7 +2725,7 @@
 </inkml:ink>
 </file>
 
-<file path=ppt/ink/ink188.xml><?xml version="1.0" encoding="utf-8"?>
+<file path=ppt/ink/ink186.xml><?xml version="1.0" encoding="utf-8"?>
 <inkml:ink xmlns:inkml="http://www.w3.org/2003/InkML">
   <inkml:definitions>
     <inkml:context xml:id="ctx0">
@@ -2801,7 +2752,7 @@
 </inkml:ink>
 </file>
 
-<file path=ppt/ink/ink189.xml><?xml version="1.0" encoding="utf-8"?>
+<file path=ppt/ink/ink187.xml><?xml version="1.0" encoding="utf-8"?>
 <inkml:ink xmlns:inkml="http://www.w3.org/2003/InkML">
   <inkml:definitions>
     <inkml:context xml:id="ctx0">
@@ -2825,6 +2776,60 @@
     </inkml:brush>
   </inkml:definitions>
   <inkml:trace contextRef="#ctx0" brushRef="#br0">1 363 1916,'0'0'1067,"2"-1"-101,71-31 4038,-6 1-4291,308-100 1109,-325 114-1647,52-14 347,-98 30-423,-1-1 0,0 1 0,1 0 0,-1-1 1,0 0-1,1 0 0,3-3 0,-5 4 117,3-13 742,-7 9-759,-2-6 79,-1 1-1,0 0 0,-8-13 0,1 2 263,9 15-419,2 4 719,7 10-786,2 0-34,-5-5-11,0 0 0,0 0 0,0 1 0,-1-1 0,1 1 1,-1 0-1,0 0 0,0 0 0,0 0 0,-1 0 0,1 0 0,1 7 1,0 13-3,0 0 0,-2 0 0,-1 0 0,0 0 1,-2 0-1,-1 0 0,-1-1 0,-1 1 0,-8 23 1,3-22-325,-1 1-1070,8-9-5788</inkml:trace>
+</inkml:ink>
+</file>
+
+<file path=ppt/ink/ink188.xml><?xml version="1.0" encoding="utf-8"?>
+<inkml:ink xmlns:inkml="http://www.w3.org/2003/InkML">
+  <inkml:definitions>
+    <inkml:context xml:id="ctx0">
+      <inkml:inkSource xml:id="inkSrc0">
+        <inkml:traceFormat>
+          <inkml:channel name="X" type="integer" min="-2.14748E9" max="2.14748E9" units="cm"/>
+          <inkml:channel name="Y" type="integer" min="-2.14748E9" max="2.14748E9" units="cm"/>
+          <inkml:channel name="F" type="integer" max="32767" units="dev"/>
+        </inkml:traceFormat>
+        <inkml:channelProperties>
+          <inkml:channelProperty channel="X" name="resolution" value="1000" units="1/cm"/>
+          <inkml:channelProperty channel="Y" name="resolution" value="1000" units="1/cm"/>
+          <inkml:channelProperty channel="F" name="resolution" value="0" units="1/dev"/>
+        </inkml:channelProperties>
+      </inkml:inkSource>
+      <inkml:timestamp xml:id="ts0" timeString="2022-07-30T06:16:15.771"/>
+    </inkml:context>
+    <inkml:brush xml:id="br0">
+      <inkml:brushProperty name="width" value="0.05" units="cm"/>
+      <inkml:brushProperty name="height" value="0.05" units="cm"/>
+    </inkml:brush>
+  </inkml:definitions>
+  <inkml:trace contextRef="#ctx0" brushRef="#br0">57 292 1668,'0'0'3238,"1"9"-2588,16 249 2633,-4-126-2235,-3-30-69,-10-89-325,0-14-629,0 1-1,0 0 1,0 0-1,0 0 0,0 0 1,-1 0-1,1 0 0,0 0 1,0 0-1,0 0 1,0 0-1,0 0 0,0 0 1,0 0-1,-1 0 0,1 0 1,0 0-1,0 0 1,0 0-1,0 0 0,0 0 1,0 0-1,-1 0 0,1 0 1,0 0-1,0 0 1,0 0-1,0 0 0,0 0 1,0 0-1,0 0 0,0 0 1,-1 0-1,1 0 1,0 0-1,0 0 0,0 0 1,0 1-1,0-1 0,0 0 1,0 0-1,0 0 0,-23-69 416,-15-84-1,26 97-97,3 1-1,-2-67 0,10 97-212,1 1-1,2-1 0,0 1 1,1-1-1,2 1 0,0 0 1,14-35-1,-13 44-28,1 0-1,12-18 1,-15 27-50,1 0 1,-1 0-1,1 0 1,0 1-1,1-1 1,-1 1-1,7-4 1,-11 8-31,0 0 0,0 0 1,0 0-1,1 1 0,-1-1 1,0 1-1,0-1 0,0 1 1,0-1-1,1 1 0,-1-1 0,0 1 1,0 0-1,1 0 0,-1 0 1,0 0-1,1 0 0,-1 0 1,0 0-1,0 0 0,1 0 0,-1 1 1,0-1-1,0 0 0,1 1 1,-1-1-1,0 1 0,0-1 1,0 1-1,0 0 0,0 0 0,0-1 1,0 1-1,0 0 0,0 0 1,0 0-1,0 0 0,1 2 1,0 1 11,1 1 0,-1-1 0,0 1 0,-1-1 0,1 1 0,-1 0 0,0 0 0,0-1 0,0 8 0,-1 4 17,-1 0 0,0 0 0,-1 0 1,0 0-1,-6 20 0,-30 79 25,26-81-154,-69 170-2702,63-162 323,11-23-1470,4-5 41</inkml:trace>
+</inkml:ink>
+</file>
+
+<file path=ppt/ink/ink189.xml><?xml version="1.0" encoding="utf-8"?>
+<inkml:ink xmlns:inkml="http://www.w3.org/2003/InkML">
+  <inkml:definitions>
+    <inkml:context xml:id="ctx0">
+      <inkml:inkSource xml:id="inkSrc0">
+        <inkml:traceFormat>
+          <inkml:channel name="X" type="integer" min="-2.14748E9" max="2.14748E9" units="cm"/>
+          <inkml:channel name="Y" type="integer" min="-2.14748E9" max="2.14748E9" units="cm"/>
+          <inkml:channel name="F" type="integer" max="32767" units="dev"/>
+        </inkml:traceFormat>
+        <inkml:channelProperties>
+          <inkml:channelProperty channel="X" name="resolution" value="1000" units="1/cm"/>
+          <inkml:channelProperty channel="Y" name="resolution" value="1000" units="1/cm"/>
+          <inkml:channelProperty channel="F" name="resolution" value="0" units="1/dev"/>
+        </inkml:channelProperties>
+      </inkml:inkSource>
+      <inkml:timestamp xml:id="ts0" timeString="2022-07-30T06:16:16.243"/>
+    </inkml:context>
+    <inkml:brush xml:id="br0">
+      <inkml:brushProperty name="width" value="0.05" units="cm"/>
+      <inkml:brushProperty name="height" value="0.05" units="cm"/>
+    </inkml:brush>
+  </inkml:definitions>
+  <inkml:trace contextRef="#ctx0" brushRef="#br0">132 420 1764,'0'0'6079,"4"-5"-5569,2-3-295,0 0-1,-1 0 0,0 0 0,0-1 0,-1 0 0,0 0 1,0 0-1,1-11 0,0 0 23,-1 0-1,-1 0 1,-1 0 0,0-1 0,-2 0 0,-1 1-1,-3-26 1,3 41-132,0 0 1,0 1-1,-1-1 0,0 0 0,0 0 1,0 1-1,-1-1 0,1 1 1,-1 0-1,0 0 0,-7-8 0,8 11-66,0-1-1,0 0 1,0 1-1,0-1 0,0 1 1,-1 0-1,1 0 1,0 0-1,-1 0 0,1 0 1,-1 0-1,0 1 1,1-1-1,-1 1 0,1 0 1,-1-1-1,0 1 1,1 1-1,-1-1 0,1 0 1,-1 0-1,0 1 0,1 0 1,-1-1-1,-2 3 1,-2-1 21,1 1 0,-1-1 0,1 1 0,0 1 0,0-1 0,0 1 0,1 0 0,-1 1 0,1-1 0,0 1 0,0 0 0,1 0 0,0 1 0,-5 6 0,8-11-48,1 0-1,-1 0 1,0 0-1,1 0 1,-1 0-1,1 1 0,-1-1 1,1 0-1,0 0 1,0 0-1,-1 0 1,1 0-1,0 1 1,0-1-1,0 0 0,0 0 1,0 0-1,0 0 1,1 1-1,-1-1 1,0 0-1,1 0 1,-1 0-1,0 0 0,1 0 1,-1 0-1,1 0 1,0 0-1,-1 0 1,1 0-1,0 0 1,0 0-1,-1 0 0,3 1 1,-1-1-1,1 0 1,0 1-1,0-1 1,0 0-1,0 0 0,0-1 1,0 1-1,0-1 1,0 1-1,3-1 0,6-1 6,-1 0 0,1-1 0,0 0 0,-1-1 0,1 0-1,-1-1 1,0 0 0,14-7 0,18-12 70,0-2 1,-1-1-1,48-41 1,-90 66-77,1 0 1,0 1-1,-1-1 1,1 1-1,-1-1 1,1 1-1,0-1 1,-1 1-1,1-1 1,0 1-1,0 0 1,-1-1-1,1 1 1,0 0-1,0-1 1,0 1-1,-1 0 1,1 0-1,0 0 1,0 0-1,0 0 0,0 0 1,0 0-1,-1 0 1,1 0-1,0 0 1,0 1-1,0-1 1,-1 0-1,1 0 1,0 1-1,0-1 1,-1 1-1,1-1 1,0 1-1,-1-1 1,1 1-1,0-1 1,-1 1-1,1-1 1,-1 1-1,2 1 1,0 2 22,0 0 0,0 1 0,0-1 1,-1 1-1,1-1 0,0 5 1,0-1-34,25 131 256,-9-40-244,-15-88-326,0 0 0,1-1 1,0 0-1,10 18 0,-14-27 176,1-1-1,0 1 1,-1 0-1,1 0 1,0-1-1,0 1 1,-1 0-1,1-1 1,0 1-1,0-1 1,0 1-1,0-1 1,0 1-1,0-1 1,0 0 0,0 1-1,0-1 1,0 0-1,0 0 1,0 0-1,0 1 1,0-1-1,1-1 1,9-2-4717,7-7 1357</inkml:trace>
 </inkml:ink>
 </file>
 
@@ -2871,60 +2876,6 @@
           <inkml:channelProperty channel="F" name="resolution" value="0" units="1/dev"/>
         </inkml:channelProperties>
       </inkml:inkSource>
-      <inkml:timestamp xml:id="ts0" timeString="2022-07-30T06:16:15.771"/>
-    </inkml:context>
-    <inkml:brush xml:id="br0">
-      <inkml:brushProperty name="width" value="0.05" units="cm"/>
-      <inkml:brushProperty name="height" value="0.05" units="cm"/>
-    </inkml:brush>
-  </inkml:definitions>
-  <inkml:trace contextRef="#ctx0" brushRef="#br0">57 292 1668,'0'0'3238,"1"9"-2588,16 249 2633,-4-126-2235,-3-30-69,-10-89-325,0-14-629,0 1-1,0 0 1,0 0-1,0 0 0,0 0 1,-1 0-1,1 0 0,0 0 1,0 0-1,0 0 1,0 0-1,0 0 0,0 0 1,0 0-1,-1 0 0,1 0 1,0 0-1,0 0 1,0 0-1,0 0 0,0 0 1,0 0-1,-1 0 0,1 0 1,0 0-1,0 0 1,0 0-1,0 0 0,0 0 1,0 0-1,0 0 0,0 0 1,-1 0-1,1 0 1,0 0-1,0 0 0,0 0 1,0 1-1,0-1 0,0 0 1,0 0-1,0 0 0,-23-69 416,-15-84-1,26 97-97,3 1-1,-2-67 0,10 97-212,1 1-1,2-1 0,0 1 1,1-1-1,2 1 0,0 0 1,14-35-1,-13 44-28,1 0-1,12-18 1,-15 27-50,1 0 1,-1 0-1,1 0 1,0 1-1,1-1 1,-1 1-1,7-4 1,-11 8-31,0 0 0,0 0 1,0 0-1,1 1 0,-1-1 1,0 1-1,0-1 0,0 1 1,0-1-1,1 1 0,-1-1 0,0 1 1,0 0-1,1 0 0,-1 0 1,0 0-1,1 0 0,-1 0 1,0 0-1,0 0 0,1 0 0,-1 1 1,0-1-1,0 0 0,1 1 1,-1-1-1,0 1 0,0-1 1,0 1-1,0 0 0,0 0 0,0-1 1,0 1-1,0 0 0,0 0 1,0 0-1,0 0 0,1 2 1,0 1 11,1 1 0,-1-1 0,0 1 0,-1-1 0,1 1 0,-1 0 0,0 0 0,0-1 0,0 8 0,-1 4 17,-1 0 0,0 0 0,-1 0 1,0 0-1,-6 20 0,-30 79 25,26-81-154,-69 170-2702,63-162 323,11-23-1470,4-5 41</inkml:trace>
-</inkml:ink>
-</file>
-
-<file path=ppt/ink/ink191.xml><?xml version="1.0" encoding="utf-8"?>
-<inkml:ink xmlns:inkml="http://www.w3.org/2003/InkML">
-  <inkml:definitions>
-    <inkml:context xml:id="ctx0">
-      <inkml:inkSource xml:id="inkSrc0">
-        <inkml:traceFormat>
-          <inkml:channel name="X" type="integer" min="-2.14748E9" max="2.14748E9" units="cm"/>
-          <inkml:channel name="Y" type="integer" min="-2.14748E9" max="2.14748E9" units="cm"/>
-          <inkml:channel name="F" type="integer" max="32767" units="dev"/>
-        </inkml:traceFormat>
-        <inkml:channelProperties>
-          <inkml:channelProperty channel="X" name="resolution" value="1000" units="1/cm"/>
-          <inkml:channelProperty channel="Y" name="resolution" value="1000" units="1/cm"/>
-          <inkml:channelProperty channel="F" name="resolution" value="0" units="1/dev"/>
-        </inkml:channelProperties>
-      </inkml:inkSource>
-      <inkml:timestamp xml:id="ts0" timeString="2022-07-30T06:16:16.243"/>
-    </inkml:context>
-    <inkml:brush xml:id="br0">
-      <inkml:brushProperty name="width" value="0.05" units="cm"/>
-      <inkml:brushProperty name="height" value="0.05" units="cm"/>
-    </inkml:brush>
-  </inkml:definitions>
-  <inkml:trace contextRef="#ctx0" brushRef="#br0">132 420 1764,'0'0'6079,"4"-5"-5569,2-3-295,0 0-1,-1 0 0,0 0 0,0-1 0,-1 0 0,0 0 1,0 0-1,1-11 0,0 0 23,-1 0-1,-1 0 1,-1 0 0,0-1 0,-2 0 0,-1 1-1,-3-26 1,3 41-132,0 0 1,0 1-1,-1-1 0,0 0 0,0 0 1,0 1-1,-1-1 0,1 1 1,-1 0-1,0 0 0,-7-8 0,8 11-66,0-1-1,0 0 1,0 1-1,0-1 0,0 1 1,-1 0-1,1 0 1,0 0-1,-1 0 0,1 0 1,-1 0-1,0 1 1,1-1-1,-1 1 0,1 0 1,-1-1-1,0 1 1,1 1-1,-1-1 0,1 0 1,-1 0-1,0 1 0,1 0 1,-1-1-1,-2 3 1,-2-1 21,1 1 0,-1-1 0,1 1 0,0 1 0,0-1 0,0 1 0,1 0 0,-1 1 0,1-1 0,0 1 0,0 0 0,1 0 0,0 1 0,-5 6 0,8-11-48,1 0-1,-1 0 1,0 0-1,1 0 1,-1 0-1,1 1 0,-1-1 1,1 0-1,0 0 1,0 0-1,-1 0 1,1 0-1,0 1 1,0-1-1,0 0 0,0 0 1,0 0-1,0 0 1,1 1-1,-1-1 1,0 0-1,1 0 1,-1 0-1,0 0 0,1 0 1,-1 0-1,1 0 1,0 0-1,-1 0 1,1 0-1,0 0 1,0 0-1,-1 0 0,3 1 1,-1-1-1,1 0 1,0 1-1,0-1 1,0 0-1,0 0 0,0-1 1,0 1-1,0-1 1,0 1-1,3-1 0,6-1 6,-1 0 0,1-1 0,0 0 0,-1-1 0,1 0-1,-1-1 1,0 0 0,14-7 0,18-12 70,0-2 1,-1-1-1,48-41 1,-90 66-77,1 0 1,0 1-1,-1-1 1,1 1-1,-1-1 1,1 1-1,0-1 1,-1 1-1,1-1 1,0 1-1,0 0 1,-1-1-1,1 1 1,0 0-1,0-1 1,0 1-1,-1 0 1,1 0-1,0 0 1,0 0-1,0 0 0,0 0 1,0 0-1,-1 0 1,1 0-1,0 0 1,0 1-1,0-1 1,-1 0-1,1 0 1,0 1-1,0-1 1,-1 1-1,1-1 1,0 1-1,-1-1 1,1 1-1,0-1 1,-1 1-1,1-1 1,-1 1-1,2 1 1,0 2 22,0 0 0,0 1 0,0-1 1,-1 1-1,1-1 0,0 5 1,0-1-34,25 131 256,-9-40-244,-15-88-326,0 0 0,1-1 1,0 0-1,10 18 0,-14-27 176,1-1-1,0 1 1,-1 0-1,1 0 1,0-1-1,0 1 1,-1 0-1,1-1 1,0 1-1,0-1 1,0 1-1,0-1 1,0 1-1,0-1 1,0 0 0,0 1-1,0-1 1,0 0-1,0 0 1,0 0-1,0 1 1,0-1-1,1-1 1,9-2-4717,7-7 1357</inkml:trace>
-</inkml:ink>
-</file>
-
-<file path=ppt/ink/ink192.xml><?xml version="1.0" encoding="utf-8"?>
-<inkml:ink xmlns:inkml="http://www.w3.org/2003/InkML">
-  <inkml:definitions>
-    <inkml:context xml:id="ctx0">
-      <inkml:inkSource xml:id="inkSrc0">
-        <inkml:traceFormat>
-          <inkml:channel name="X" type="integer" min="-2.14748E9" max="2.14748E9" units="cm"/>
-          <inkml:channel name="Y" type="integer" min="-2.14748E9" max="2.14748E9" units="cm"/>
-          <inkml:channel name="F" type="integer" max="32767" units="dev"/>
-        </inkml:traceFormat>
-        <inkml:channelProperties>
-          <inkml:channelProperty channel="X" name="resolution" value="1000" units="1/cm"/>
-          <inkml:channelProperty channel="Y" name="resolution" value="1000" units="1/cm"/>
-          <inkml:channelProperty channel="F" name="resolution" value="0" units="1/dev"/>
-        </inkml:channelProperties>
-      </inkml:inkSource>
       <inkml:timestamp xml:id="ts0" timeString="2022-07-30T06:16:16.723"/>
     </inkml:context>
     <inkml:brush xml:id="br0">
@@ -2936,7 +2887,7 @@
 </inkml:ink>
 </file>
 
-<file path=ppt/ink/ink193.xml><?xml version="1.0" encoding="utf-8"?>
+<file path=ppt/ink/ink191.xml><?xml version="1.0" encoding="utf-8"?>
 <inkml:ink xmlns:inkml="http://www.w3.org/2003/InkML">
   <inkml:definitions>
     <inkml:context xml:id="ctx0">
@@ -2963,7 +2914,7 @@
 </inkml:ink>
 </file>
 
-<file path=ppt/ink/ink194.xml><?xml version="1.0" encoding="utf-8"?>
+<file path=ppt/ink/ink192.xml><?xml version="1.0" encoding="utf-8"?>
 <inkml:ink xmlns:inkml="http://www.w3.org/2003/InkML">
   <inkml:definitions>
     <inkml:context xml:id="ctx0">
@@ -2991,7 +2942,7 @@
 </inkml:ink>
 </file>
 
-<file path=ppt/ink/ink195.xml><?xml version="1.0" encoding="utf-8"?>
+<file path=ppt/ink/ink193.xml><?xml version="1.0" encoding="utf-8"?>
 <inkml:ink xmlns:inkml="http://www.w3.org/2003/InkML">
   <inkml:definitions>
     <inkml:context xml:id="ctx0">
@@ -3019,7 +2970,7 @@
 </inkml:ink>
 </file>
 
-<file path=ppt/ink/ink196.xml><?xml version="1.0" encoding="utf-8"?>
+<file path=ppt/ink/ink194.xml><?xml version="1.0" encoding="utf-8"?>
 <inkml:ink xmlns:inkml="http://www.w3.org/2003/InkML">
   <inkml:definitions>
     <inkml:context xml:id="ctx0">
@@ -3046,7 +2997,7 @@
 </inkml:ink>
 </file>
 
-<file path=ppt/ink/ink197.xml><?xml version="1.0" encoding="utf-8"?>
+<file path=ppt/ink/ink195.xml><?xml version="1.0" encoding="utf-8"?>
 <inkml:ink xmlns:inkml="http://www.w3.org/2003/InkML">
   <inkml:definitions>
     <inkml:context xml:id="ctx0">
@@ -3070,6 +3021,114 @@
     </inkml:brush>
   </inkml:definitions>
   <inkml:trace contextRef="#ctx0" brushRef="#br0">49 1 1632,'0'0'8587,"-3"4"-7912,-12 13-57,11-7-39,-1 21 52,-3 11 592,-2 66 0,9-57-716,0-24-62,2 29-1,-2-39-162,0-13-226,0 0 121,1-1 4,0 10-3,0-10 716,4-12-810,60-153 204,-53 137-203,23-39 0,-29 57-61,-1 0 0,1 1 0,1-1 0,-1 1 0,1 0 0,0 0 0,0 1 0,1 0 0,-1 0 0,9-4 0,-13 8-11,0 0 0,0 0 0,0 1-1,-1-1 1,1 1 0,0-1-1,0 1 1,0 0 0,0 0-1,0 0 1,0 0 0,0 0-1,0 0 1,0 0 0,0 1-1,3 0 1,-1 1 4,0 0 0,0 0-1,0 0 1,0 0 0,-1 0-1,1 1 1,3 4 0,3 2 20,-2 1 1,1 0 0,12 21-1,1 5-144,21 50-1,-8-2-5585,-28-72 1307</inkml:trace>
+</inkml:ink>
+</file>
+
+<file path=ppt/ink/ink196.xml><?xml version="1.0" encoding="utf-8"?>
+<inkml:ink xmlns:inkml="http://www.w3.org/2003/InkML">
+  <inkml:definitions>
+    <inkml:context xml:id="ctx0">
+      <inkml:inkSource xml:id="inkSrc0">
+        <inkml:traceFormat>
+          <inkml:channel name="X" type="integer" min="-2.14748E9" max="2.14748E9" units="cm"/>
+          <inkml:channel name="Y" type="integer" min="-2.14748E9" max="2.14748E9" units="cm"/>
+          <inkml:channel name="F" type="integer" max="32767" units="dev"/>
+        </inkml:traceFormat>
+        <inkml:channelProperties>
+          <inkml:channelProperty channel="X" name="resolution" value="1000" units="1/cm"/>
+          <inkml:channelProperty channel="Y" name="resolution" value="1000" units="1/cm"/>
+          <inkml:channelProperty channel="F" name="resolution" value="0" units="1/dev"/>
+        </inkml:channelProperties>
+      </inkml:inkSource>
+      <inkml:timestamp xml:id="ts0" timeString="2022-07-31T05:06:43.155"/>
+    </inkml:context>
+    <inkml:brush xml:id="br0">
+      <inkml:brushProperty name="width" value="0.05" units="cm"/>
+      <inkml:brushProperty name="height" value="0.05" units="cm"/>
+    </inkml:brush>
+  </inkml:definitions>
+  <inkml:trace contextRef="#ctx0" brushRef="#br0">243 106 940,'10'-7'3344,"2"-4"-2497,-4 3 255,-7 7-837,5-8 831,-3-12-48,-3 19-887,-5-13 376,5 13-515,-1 0-1,0 0 1,0 1 0,0-1-1,0 0 1,0 1 0,0-1-1,-1 0 1,1 1-1,0 0 1,-1-1 0,1 1-1,-1 0 1,0 0 0,1 0-1,-1 0 1,0 0 0,0 0-1,1 0 1,-1 0-1,0 1 1,0-1 0,0 1-1,0-1 1,0 1 0,0 0-1,0 0 1,-4 0-1,-1 1 2,0 1 0,0-1 1,0 1-1,1 0 0,-1 1 0,0 0 0,-7 4 0,-1 2-2,1 0 0,0 1 1,0 1-1,1 0 1,1 1-1,0 0 0,0 1 1,1 0-1,-11 18 1,18-24-16,1-1 0,-1 1 0,1 0 0,0 1 1,0-1-1,1 1 0,0-1 0,1 1 0,0-1 1,0 1-1,0 0 0,1 0 0,0 0 0,0-1 1,2 9-1,-1-10-3,1 0 1,-1 0-1,1 0 1,0 0-1,1-1 1,-1 1 0,1-1-1,0 0 1,0 0-1,1 0 1,-1 0-1,1 0 1,0-1-1,1 1 1,-1-1-1,1-1 1,0 1 0,0 0-1,8 4 1,-9-6-1,0 0 0,1 0 0,-1-1 0,1 1 0,-1-1 0,1 0 1,0 0-1,-1 0 0,1-1 0,6 0 0,-8 0 15,0 0 0,0-1 0,-1 0 0,1 1 0,0-1-1,-1 0 1,1 0 0,-1-1 0,1 1 0,-1 0 0,1-1 0,-1 0 0,0 1 0,0-1 0,0 0 0,0 0 0,0 0-1,3-5 1,2-3 97,-1-1 0,0 0-1,-1-1 1,0 1 0,5-20-1,11-63 751,-5-4 750,-16 96-1170,1 9-389,16 101 113,-7-48-97,16 65 62,49 146 0,-47-179-78,15 84-125,-39-150 11,-1 0-1,-1 0 1,-1 1 0,-5 47-1,4-69 35,-1 1-1,-1 0 0,1-1 1,-1 1-1,0-1 0,0 1 1,0-1-1,-1 0 0,0 0 1,0 0-1,0 0 0,-7 6 1,7-8 11,0 0 0,0-1 1,0 1-1,-1-1 0,1 0 1,-1 0-1,1 0 0,-1 0 0,0-1 1,1 1-1,-1-1 0,0 0 1,0 0-1,0-1 0,0 1 0,0-1 1,0 0-1,-8 0 0,0-2 17,1 0-1,-1-1 0,1 0 1,-1-1-1,1 0 0,0-1 1,1 0-1,-1-1 0,1 0 1,0 0-1,0-1 0,1 0 1,0-1-1,-9-10 0,4 4 57,1 0-1,0-1 0,1 0 1,1 0-1,0-2 0,1 1 1,1-1-1,-13-35 0,18 38-24,0 1 0,1-1 0,0 0 0,1 0 0,1 0 0,1 0-1,-1 0 1,2-1 0,0 1 0,1 0 0,0 0 0,1 1 0,5-15-1,2 2-159,1-1-1,2 2 0,0 0 1,1 0-1,2 2 0,23-30 1,124-118-4719,-134 142 1849,-1 1 36</inkml:trace>
+</inkml:ink>
+</file>
+
+<file path=ppt/ink/ink197.xml><?xml version="1.0" encoding="utf-8"?>
+<inkml:ink xmlns:inkml="http://www.w3.org/2003/InkML">
+  <inkml:definitions>
+    <inkml:context xml:id="ctx0">
+      <inkml:inkSource xml:id="inkSrc0">
+        <inkml:traceFormat>
+          <inkml:channel name="X" type="integer" min="-2.14748E9" max="2.14748E9" units="cm"/>
+          <inkml:channel name="Y" type="integer" min="-2.14748E9" max="2.14748E9" units="cm"/>
+          <inkml:channel name="F" type="integer" max="32767" units="dev"/>
+        </inkml:traceFormat>
+        <inkml:channelProperties>
+          <inkml:channelProperty channel="X" name="resolution" value="1000" units="1/cm"/>
+          <inkml:channelProperty channel="Y" name="resolution" value="1000" units="1/cm"/>
+          <inkml:channelProperty channel="F" name="resolution" value="0" units="1/dev"/>
+        </inkml:channelProperties>
+      </inkml:inkSource>
+      <inkml:timestamp xml:id="ts0" timeString="2022-07-31T05:06:43.600"/>
+    </inkml:context>
+    <inkml:brush xml:id="br0">
+      <inkml:brushProperty name="width" value="0.05" units="cm"/>
+      <inkml:brushProperty name="height" value="0.05" units="cm"/>
+    </inkml:brush>
+  </inkml:definitions>
+  <inkml:trace contextRef="#ctx0" brushRef="#br0">108 1 904,'0'0'762,"-5"5"-38,-1 4-420,1 0 1,-1 1 0,1-1 0,1 1 0,-4 11 0,-4 16 393,2-9-75,1 1 1,-6 44-1,13-64-514,2 0 0,-1 0 0,1-1 0,0 1 0,1 0 1,0-1-1,1 1 0,-1 0 0,2-1 0,-1 0 0,1 1 0,0-1 1,6 9-1,-7-14-40,0 0 0,0 0 1,0-1-1,0 1 0,0-1 1,1 1-1,-1-1 0,1 0 0,5 4 1,-6-5-27,-1 0 1,1-1-1,0 1 0,0 0 1,0-1-1,0 1 0,0-1 1,0 0-1,0 1 1,0-1-1,0 0 0,0 0 1,-1 0-1,1-1 1,0 1-1,0 0 0,0-1 1,0 1-1,0-1 0,0 0 1,3-1-1,-1-1 51,1 1 0,0-2 0,-1 1 0,1 0 0,-1-1-1,0 0 1,-1 0 0,1 0 0,0-1 0,-1 1 0,0-1 0,0 1-1,-1-1 1,1 0 0,-1 0 0,0-1 0,2-6 0,-3 5 21,1 1 1,-1 0 0,0-1-1,-1 0 1,0 1-1,0-1 1,0 1 0,-1-1-1,0 1 1,0-1 0,-1 1-1,0-1 1,0 1-1,0 0 1,-1 0 0,1 0-1,-2 0 1,1 1-1,-1-1 1,1 1 0,-2 0-1,1 0 1,0 0 0,-1 0-1,0 1 1,0 0-1,0 0 1,-1 0 0,1 1-1,-1 0 1,0 0 0,0 0-1,-7-2 1,4 3-315,-1-1 0,-18 0 0,-6 2-4065</inkml:trace>
+</inkml:ink>
+</file>
+
+<file path=ppt/ink/ink198.xml><?xml version="1.0" encoding="utf-8"?>
+<inkml:ink xmlns:inkml="http://www.w3.org/2003/InkML">
+  <inkml:definitions>
+    <inkml:context xml:id="ctx0">
+      <inkml:inkSource xml:id="inkSrc0">
+        <inkml:traceFormat>
+          <inkml:channel name="X" type="integer" min="-2.14748E9" max="2.14748E9" units="cm"/>
+          <inkml:channel name="Y" type="integer" min="-2.14748E9" max="2.14748E9" units="cm"/>
+          <inkml:channel name="F" type="integer" max="32767" units="dev"/>
+        </inkml:traceFormat>
+        <inkml:channelProperties>
+          <inkml:channelProperty channel="X" name="resolution" value="1000" units="1/cm"/>
+          <inkml:channelProperty channel="Y" name="resolution" value="1000" units="1/cm"/>
+          <inkml:channelProperty channel="F" name="resolution" value="0" units="1/dev"/>
+        </inkml:channelProperties>
+      </inkml:inkSource>
+      <inkml:timestamp xml:id="ts0" timeString="2022-07-31T05:06:44.021"/>
+    </inkml:context>
+    <inkml:brush xml:id="br0">
+      <inkml:brushProperty name="width" value="0.05" units="cm"/>
+      <inkml:brushProperty name="height" value="0.05" units="cm"/>
+    </inkml:brush>
+  </inkml:definitions>
+  <inkml:trace contextRef="#ctx0" brushRef="#br0">79 0 1384,'0'0'1456,"1"4"-870,9 35 922,-7-27-1241,0 1-1,1 0 1,8 16 0,-2-9 203,2 0 1,21 25 0,-33-44-397,1 0-1,-1 0 0,1 0 0,0-1 1,-1 1-1,1 0 0,0-1 0,0 1 1,-1-1-1,1 1 0,0 0 1,0-1-1,0 0 0,0 1 0,0-1 1,0 0-1,0 1 0,-1-1 0,1 0 1,0 0-1,0 0 0,0 0 0,0 0 1,0 0-1,0 0 0,0 0 1,0 0-1,0 0 0,0-1 0,0 1 1,0 0-1,0 0 0,0-1 0,0 1 1,0-1-1,-1 1 0,1-1 0,0 0 1,0 1-1,-1-1 0,1 1 1,0-1-1,-1 0 0,2-1 0,-1 1-42,-1 1 1,0-1-1,1 1 0,-1-1 0,0 0 0,1 1 1,-1-1-1,0 1 0,0-1 0,1 0 0,-1 1 0,0-1 1,0 0-1,0 1 0,0-1 0,0 0 0,0 1 0,0-1 1,0 0-1,0 1 0,0-1 0,0 0 0,-1 1 0,1-2 1,0 2 53,-1-6 57,1 0 1,-1 0-1,-1 1 0,1-1 0,-1 0 1,0 1-1,0-1 0,0 1 0,-5-8 1,-3-3 365,-17-21 1,25 34-493,0 0 0,-1 0 1,1 1-1,-1-1 1,1 1-1,-1 0 1,0 0-1,0 0 1,0 0-1,0 0 0,0 1 1,0-1-1,0 1 1,0 0-1,-1 0 1,1 0-1,0 0 0,-1 1 1,-3-1-1,-4 2-650,0 0 0,0 1 0,-19 5-1,26-6 137,-1 0-256,0 3-2946,-7 6 598</inkml:trace>
+</inkml:ink>
+</file>
+
+<file path=ppt/ink/ink199.xml><?xml version="1.0" encoding="utf-8"?>
+<inkml:ink xmlns:inkml="http://www.w3.org/2003/InkML">
+  <inkml:definitions>
+    <inkml:context xml:id="ctx0">
+      <inkml:inkSource xml:id="inkSrc0">
+        <inkml:traceFormat>
+          <inkml:channel name="X" type="integer" min="-2.14748E9" max="2.14748E9" units="cm"/>
+          <inkml:channel name="Y" type="integer" min="-2.14748E9" max="2.14748E9" units="cm"/>
+          <inkml:channel name="F" type="integer" max="32767" units="dev"/>
+        </inkml:traceFormat>
+        <inkml:channelProperties>
+          <inkml:channelProperty channel="X" name="resolution" value="1000" units="1/cm"/>
+          <inkml:channelProperty channel="Y" name="resolution" value="1000" units="1/cm"/>
+          <inkml:channelProperty channel="F" name="resolution" value="0" units="1/dev"/>
+        </inkml:channelProperties>
+      </inkml:inkSource>
+      <inkml:timestamp xml:id="ts0" timeString="2022-07-31T05:06:44.451"/>
+    </inkml:context>
+    <inkml:brush xml:id="br0">
+      <inkml:brushProperty name="width" value="0.05" units="cm"/>
+      <inkml:brushProperty name="height" value="0.05" units="cm"/>
+    </inkml:brush>
+  </inkml:definitions>
+  <inkml:trace contextRef="#ctx0" brushRef="#br0">161 459 1076,'-2'-2'1092,"0"1"-932,0 0-1,0-1 1,1 1-1,-1 0 1,-1 0-1,1 0 1,0 0-1,0 1 1,0-1-1,0 0 0,-1 1 1,1-1-1,0 1 1,0 0-1,-1 0 1,1 0-1,0 0 1,-1 0-1,1 1 1,0-1-1,0 1 1,-1-1-1,1 1 1,0 0-1,0 0 1,0 0-1,0 0 1,0 0-1,-3 3 1,-3 2-26,0 0 0,1 0 0,0 1 1,0 1-1,1-1 0,0 1 0,0 0 1,0 0-1,1 0 0,1 1 1,-1 0-1,2 0 0,-1 0 0,1 1 1,-3 14-1,6-21-63,0 1-15,1-2-36,0 1 1,0 0-1,0 0 1,0 0-1,0-1 1,3 4 0,-3-4 16,0-2-28,-1 0-1,0 1 1,1-1 0,-1 0-1,1 0 1,-1 0 0,1 1 0,-1-1-1,1 0 1,-1 0 0,1 0-1,-1 0 1,1 0 0,-1 0 0,1 0-1,-1 0 1,1 0 0,-1 0-1,1 0 1,-1-1 0,1 1 0,-1 0-1,0 0 1,1 0 0,-1-1-1,1 1 1,0-1 0,5-4 84,-1 0 0,1-1 0,-1 0 0,0 0 0,8-14 0,18-39 782,-30 58-854,-1 0 0,1 0 0,-1 0 0,1 0 0,-1 0 1,1 0-1,0 1 0,-1-1 0,1 0 0,0 0 0,0 0 1,-1 1-1,1-1 0,0 0 0,0 1 0,1-1 0,-1 1-10,-1 0-1,1 0 0,-1 0 0,1 0 0,-1 0 0,1 0 1,0 0-1,-1 0 0,1 0 0,-1 0 0,1 0 0,-1 0 1,1 1-1,-1-1 0,1 0 0,-1 0 0,1 1 0,-1-1 1,1 0-1,-1 1 0,1-1 0,-1 1 0,4 3 22,-1 1 0,1-1 0,-1 1 0,-1 0-1,4 5 1,-1 1-23,68 131 131,9 14-200,-68-127-77,-1 0 1,-1 1-1,-2 0 0,-1 0 1,-1 1-1,5 41 0,-12-57 8,1-1 0,-2 1 0,0 0 0,-1 0 1,0 0-1,-1-1 0,0 1 0,-2-1 0,0 1 0,0-1 0,-1 0 0,-1-1 0,-14 27 0,16-36 94,1 0 1,0 0-1,-1 0 1,0 0 0,0 0-1,0-1 1,0 1-1,-1-1 1,0-1-1,1 1 1,-1 0-1,0-1 1,-7 3-1,8-5 68,1 1 0,0 0-1,-1-1 1,1 1 0,-1-1-1,1 0 1,-1 0 0,1 0-1,0-1 1,-1 1 0,1-1-1,-1 0 1,1 0 0,0 0-1,0 0 1,0-1 0,0 1-1,0-1 1,0 0 0,0 0-1,-4-3 1,-2-3 90,1-1-1,0 0 1,1 0-1,0-1 1,0 0 0,1 0-1,0 0 1,1-1 0,0 0-1,0 0 1,2-1 0,-5-18-1,4 12-7,2 0 0,0 0-1,1 1 1,1-1 0,0 0 0,1 0-1,7-32 1,0 20-3,1 1-1,1 0 0,1 1 1,19-33-1,72-100 113,-60 101-579,49-95 0,-82 136 236,-1-1-1,-1-1 0,-1 1 0,-1-1 1,-1 0-1,0 0 0,0-37 0,-4 20 37,-1 0 0,-2 0-1,-12-54 1,-6 14 896,20 76-378,-1 7-414,0-1-1,1 0 1,-1 1-1,1-1 1,0 1-1,-1 7 1,0 1 5,-2 6 16,2 0-1,1-1 1,0 1 0,4 33 0,16 72 99,-13-92-108,8 40 284,32 98 0,-33-133-858,22 42 0,-22-54-1360,2 0 0,22 30 0,-24-40-958</inkml:trace>
 </inkml:ink>
 </file>
 
@@ -3127,6 +3186,277 @@
 </inkml:ink>
 </file>
 
+<file path=ppt/ink/ink200.xml><?xml version="1.0" encoding="utf-8"?>
+<inkml:ink xmlns:inkml="http://www.w3.org/2003/InkML">
+  <inkml:definitions>
+    <inkml:context xml:id="ctx0">
+      <inkml:inkSource xml:id="inkSrc0">
+        <inkml:traceFormat>
+          <inkml:channel name="X" type="integer" min="-2.14748E9" max="2.14748E9" units="cm"/>
+          <inkml:channel name="Y" type="integer" min="-2.14748E9" max="2.14748E9" units="cm"/>
+          <inkml:channel name="F" type="integer" max="32767" units="dev"/>
+        </inkml:traceFormat>
+        <inkml:channelProperties>
+          <inkml:channelProperty channel="X" name="resolution" value="1000" units="1/cm"/>
+          <inkml:channelProperty channel="Y" name="resolution" value="1000" units="1/cm"/>
+          <inkml:channelProperty channel="F" name="resolution" value="0" units="1/dev"/>
+        </inkml:channelProperties>
+      </inkml:inkSource>
+      <inkml:timestamp xml:id="ts0" timeString="2022-07-31T05:06:44.843"/>
+    </inkml:context>
+    <inkml:brush xml:id="br0">
+      <inkml:brushProperty name="width" value="0.05" units="cm"/>
+      <inkml:brushProperty name="height" value="0.05" units="cm"/>
+    </inkml:brush>
+  </inkml:definitions>
+  <inkml:trace contextRef="#ctx0" brushRef="#br0">74 366 1400,'-13'-3'5024,"16"0"-4658,38-34 398,-30 28-618,0-1 0,-1 0 0,0 0-1,0-1 1,8-12 0,-9 8-28,-1 0-1,0 0 1,-1 0 0,7-27 0,-12 36-43,0-1 0,-1 1 0,0-1 0,0 1 0,-1-1 0,0 0 0,0 0 1,0 1-1,-1-1 0,0 0 0,0 1 0,-1-1 0,0 1 0,-3-9 0,3 12-24,1 0-1,-1 1 1,1-1-1,-1 1 1,0-1-1,0 1 1,0 0 0,-1 0-1,1 0 1,0 0-1,-1 0 1,1 0-1,-1 1 1,0-1-1,1 1 1,-1-1-1,0 1 1,0 0-1,0 0 1,0 1-1,0-1 1,0 1 0,0-1-1,0 1 1,0 0-1,-4 0 1,1 1 3,1-1 0,0 1 0,0 0 1,0 1-1,0-1 0,0 1 0,1 0 1,-1 0-1,0 0 0,1 1 0,0 0 1,-1 0-1,1 0 0,-7 7 0,4-2-8,0 0 0,1 1-1,0 0 1,0 0 0,1 0-1,0 1 1,0-1 0,1 1-1,1 1 1,0-1 0,0 0-1,1 1 1,0 0 0,1-1-1,0 1 1,1 0 0,0-1-1,0 1 1,1 0 0,1 0-1,0-1 1,6 18 0,-4-17-36,0-1 0,1 1 0,0-1 1,1 0-1,1-1 0,-1 1 0,1-1 0,1 0 1,0-1-1,0 0 0,11 9 0,-6-8 67,0-1 0,0 0 0,0-1 0,1-1 0,0 0 0,0-1 0,27 7 0,-18-7-375,1-1 1,0-2-1,-1 0 0,37-3 0,-33-1-1249,0-1-1,0-1 0,39-12 0,-40 8-1339</inkml:trace>
+</inkml:ink>
+</file>
+
+<file path=ppt/ink/ink201.xml><?xml version="1.0" encoding="utf-8"?>
+<inkml:ink xmlns:inkml="http://www.w3.org/2003/InkML">
+  <inkml:definitions>
+    <inkml:context xml:id="ctx0">
+      <inkml:inkSource xml:id="inkSrc0">
+        <inkml:traceFormat>
+          <inkml:channel name="X" type="integer" min="-2.14748E9" max="2.14748E9" units="cm"/>
+          <inkml:channel name="Y" type="integer" min="-2.14748E9" max="2.14748E9" units="cm"/>
+          <inkml:channel name="F" type="integer" max="32767" units="dev"/>
+        </inkml:traceFormat>
+        <inkml:channelProperties>
+          <inkml:channelProperty channel="X" name="resolution" value="1000" units="1/cm"/>
+          <inkml:channelProperty channel="Y" name="resolution" value="1000" units="1/cm"/>
+          <inkml:channelProperty channel="F" name="resolution" value="0" units="1/dev"/>
+        </inkml:channelProperties>
+      </inkml:inkSource>
+      <inkml:timestamp xml:id="ts0" timeString="2022-07-31T05:06:45.206"/>
+    </inkml:context>
+    <inkml:brush xml:id="br0">
+      <inkml:brushProperty name="width" value="0.05" units="cm"/>
+      <inkml:brushProperty name="height" value="0.05" units="cm"/>
+    </inkml:brush>
+  </inkml:definitions>
+  <inkml:trace contextRef="#ctx0" brushRef="#br0">17 81 1200,'2'-1'950,"0"-1"-473,-1-1 1,1 1-1,-1 0 1,0 0-1,1-1 1,-1 1-1,1-5 2749,-4 3-2378,-5-10-57,5 11-59,-7-8 1938,0-11-3130,7 20-510</inkml:trace>
+</inkml:ink>
+</file>
+
+<file path=ppt/ink/ink202.xml><?xml version="1.0" encoding="utf-8"?>
+<inkml:ink xmlns:inkml="http://www.w3.org/2003/InkML">
+  <inkml:definitions>
+    <inkml:context xml:id="ctx0">
+      <inkml:inkSource xml:id="inkSrc0">
+        <inkml:traceFormat>
+          <inkml:channel name="X" type="integer" min="-2.14748E9" max="2.14748E9" units="cm"/>
+          <inkml:channel name="Y" type="integer" min="-2.14748E9" max="2.14748E9" units="cm"/>
+          <inkml:channel name="F" type="integer" max="32767" units="dev"/>
+        </inkml:traceFormat>
+        <inkml:channelProperties>
+          <inkml:channelProperty channel="X" name="resolution" value="1000" units="1/cm"/>
+          <inkml:channelProperty channel="Y" name="resolution" value="1000" units="1/cm"/>
+          <inkml:channelProperty channel="F" name="resolution" value="0" units="1/dev"/>
+        </inkml:channelProperties>
+      </inkml:inkSource>
+      <inkml:timestamp xml:id="ts0" timeString="2022-07-31T05:06:45.633"/>
+    </inkml:context>
+    <inkml:brush xml:id="br0">
+      <inkml:brushProperty name="width" value="0.05" units="cm"/>
+      <inkml:brushProperty name="height" value="0.05" units="cm"/>
+    </inkml:brush>
+  </inkml:definitions>
+  <inkml:trace contextRef="#ctx0" brushRef="#br0">194 39 1920,'-14'-25'3522,"13"24"-3279,1 0 0,-2 0 0,1 0 1,0 0-1,0 0 0,0 0 1,0 0-1,-1 0 0,1 0 0,0 1 1,-1-1-1,1 0 0,0 1 0,-1-1 1,1 1-1,-1 0 0,1-1 0,-1 1 1,-1 0-1,0 1-133,1-1 0,-1 1 1,1-1-1,-1 1 0,1 0 0,-1 0 0,1 0 0,0 1 1,-1-1-1,1 0 0,0 1 0,0 0 0,0-1 1,0 1-1,-3 4 0,-3 3 215,1 0 0,-9 13 0,4-2-16,0 0 0,1 1 0,2 0 0,0 0 0,-12 45-1,18-57-241,2-1-1,-1 0 1,1 1-1,1 0 0,0-1 1,0 1-1,0-1 1,1 1-1,0-1 0,1 0 1,0 1-1,0-1 0,1 0 1,0 0-1,0 0 1,1 0-1,0-1 0,0 1 1,10 11-1,-10-15-137,0 0 0,1 0 0,-1-1 0,1 0 0,0 1 0,0-1 0,0-1 0,0 1 0,0-1 0,1 0 0,-1 0 0,1-1 0,-1 1 0,1-1 0,0 0-1,0-1 1,-1 0 0,8 0 0,-1 0-751,0-1 0,0-1-1,-1 0 1,1-1-1,-1 0 1,1 0 0,-1-1-1,12-7 1,10-5-2589</inkml:trace>
+</inkml:ink>
+</file>
+
+<file path=ppt/ink/ink203.xml><?xml version="1.0" encoding="utf-8"?>
+<inkml:ink xmlns:inkml="http://www.w3.org/2003/InkML">
+  <inkml:definitions>
+    <inkml:context xml:id="ctx0">
+      <inkml:inkSource xml:id="inkSrc0">
+        <inkml:traceFormat>
+          <inkml:channel name="X" type="integer" min="-2.14748E9" max="2.14748E9" units="cm"/>
+          <inkml:channel name="Y" type="integer" min="-2.14748E9" max="2.14748E9" units="cm"/>
+          <inkml:channel name="F" type="integer" max="32767" units="dev"/>
+        </inkml:traceFormat>
+        <inkml:channelProperties>
+          <inkml:channelProperty channel="X" name="resolution" value="1000" units="1/cm"/>
+          <inkml:channelProperty channel="Y" name="resolution" value="1000" units="1/cm"/>
+          <inkml:channelProperty channel="F" name="resolution" value="0" units="1/dev"/>
+        </inkml:channelProperties>
+      </inkml:inkSource>
+      <inkml:timestamp xml:id="ts0" timeString="2022-07-31T05:06:46.032"/>
+    </inkml:context>
+    <inkml:brush xml:id="br0">
+      <inkml:brushProperty name="width" value="0.05" units="cm"/>
+      <inkml:brushProperty name="height" value="0.05" units="cm"/>
+    </inkml:brush>
+  </inkml:definitions>
+  <inkml:trace contextRef="#ctx0" brushRef="#br0">148 30 1648,'0'-4'997,"-3"-12"-75,3 13-76,-1 1-48,0 1-685,1 1 0,0 0 0,-1-1 0,1 1 0,0 0 0,0 0 0,-1-1 0,1 1 0,-1 0 0,1 0 0,0-1 0,-1 1 0,1 0 0,-1 0 0,1 0 1,0 0-1,-1-1 0,1 1 0,-1 0 0,1 0 0,-1 0 0,1 0 0,0 0 0,-1 0 0,1 0 0,-1 0 0,1 0 0,-1 1 0,1-1 0,0 0 0,-1 0 0,1 0 0,-1 0 0,1 1 0,0-1 0,-1 0 0,1 0 0,0 1 0,-1-1 0,-14 14-540,12-11 840,-1 1-303,1 0 1,0 0-1,0 1 1,0-1-1,0 1 1,1 0-1,-1-1 1,1 1 0,1 0-1,-1 0 1,1 1-1,-1-1 1,1 9-1,0-2 79,0 1-1,2-1 0,0 0 0,3 18 0,-3-25-140,0 0 0,0-1-1,1 1 1,-1 0 0,1 0-1,0-1 1,1 1 0,-1-1-1,1 0 1,0 0 0,0 0-1,0 0 1,1 0 0,-1-1-1,1 1 1,0-1-1,7 5 1,-4-4 8,0-1 0,-1 0-1,1 0 1,1 0 0,-1-1 0,0 0-1,0-1 1,1 1 0,-1-2 0,13 1-1,-18-1-23,0 0-1,0 0 1,0 0 0,0 0-1,0-1 1,-1 1-1,1-1 1,0 1 0,0-1-1,-1 0 1,1 0-1,0 0 1,-1 0-1,1 0 1,-1 0 0,1 0-1,-1 0 1,1-1-1,-1 1 1,0-1 0,0 1-1,0-1 1,0 1-1,0-1 1,0 0 0,0 1-1,0-1 1,0-3-1,1 1 30,-1 0-1,-1 0 1,1 1-1,-1-1 1,1 0-1,-1 0 0,0 0 1,-1 0-1,1 0 1,-1 0-1,-1-4 1,0 1-10,-1 0-1,-1 0 1,0 0 0,0 1 0,0-1 0,-1 1-1,1 0 1,-1 1 0,-1-1 0,1 1 0,-1 0-1,0 0 1,0 1 0,-1 0 0,1 0 0,-1 0 0,-12-4-1,8 3-251,-1 1-1,1 1 1,-1 0 0,-16-2-1,18 4-560,0 0 1,0 1-1,1 0 0,-1 1 0,-11 1 1,16 0-2598,-11 3 38</inkml:trace>
+</inkml:ink>
+</file>
+
+<file path=ppt/ink/ink204.xml><?xml version="1.0" encoding="utf-8"?>
+<inkml:ink xmlns:inkml="http://www.w3.org/2003/InkML">
+  <inkml:definitions>
+    <inkml:context xml:id="ctx0">
+      <inkml:inkSource xml:id="inkSrc0">
+        <inkml:traceFormat>
+          <inkml:channel name="X" type="integer" min="-2.14748E9" max="2.14748E9" units="cm"/>
+          <inkml:channel name="Y" type="integer" min="-2.14748E9" max="2.14748E9" units="cm"/>
+          <inkml:channel name="F" type="integer" max="32767" units="dev"/>
+        </inkml:traceFormat>
+        <inkml:channelProperties>
+          <inkml:channelProperty channel="X" name="resolution" value="1000" units="1/cm"/>
+          <inkml:channelProperty channel="Y" name="resolution" value="1000" units="1/cm"/>
+          <inkml:channelProperty channel="F" name="resolution" value="0" units="1/dev"/>
+        </inkml:channelProperties>
+      </inkml:inkSource>
+      <inkml:timestamp xml:id="ts0" timeString="2022-07-31T05:06:46.422"/>
+    </inkml:context>
+    <inkml:brush xml:id="br0">
+      <inkml:brushProperty name="width" value="0.05" units="cm"/>
+      <inkml:brushProperty name="height" value="0.05" units="cm"/>
+    </inkml:brush>
+  </inkml:definitions>
+  <inkml:trace contextRef="#ctx0" brushRef="#br0">0 117 1024,'0'0'1984,"2"2"-1181,6 3-72,-6-4-77,-2 2-58,20 141 3008,-16-112-2666,-4-30-542,1 0 263,0 4-841,-1-6 230,0 0 0,0 0 0,1 0 0,-1 0 0,0 0 0,0 0 0,0 0 0,0 0 0,0 0 0,0 0 0,0 1 0,0-1 0,0 0 0,0 0 0,0 0 0,0 0 0,1 0 0,-1 0 0,0 0 0,0 0 0,0 0 0,0 0-1,0 0 1,0 0 0,0 0 0,0 0 0,0 0 0,1 0 0,-1 0 0,0 0 0,0 0 0,0 0 0,0 0 0,0 0 0,0 0 0,0 0 0,0 0 0,0 0 0,0 0 0,1-1 0,-1 1 0,0 0 0,0 0 0,0 0 0,0 0 0,0 0 0,0 0 0,0 0 0,0 0 0,0 0 0,0 0 0,0 0 0,0 0-1,0-1 1,0 1 0,0 0 0,0 0 0,0 0 0,0 0 0,0 0 0,44-81 2126,-32 57-1635,-10 20-490,0 1 1,1-1 0,-1 1-1,1 0 1,0-1-1,0 1 1,0 1 0,0-1-1,0 0 1,0 1 0,1-1-1,-1 1 1,1 0 0,0 0-1,0 1 1,-1-1 0,1 1-1,0 0 1,5-1 0,1 0-4,-1 1 0,1 1 0,-1 0-1,1 0 1,-1 0 0,17 4 0,-22-3-25,0-1 0,1 0 0,-1 0 0,0-1-1,0 1 1,0-1 0,6-1 0,-3 0-20,0-1 14,-1 1 1,1-1-1,-1-1 0,0 1 0,0-1 0,-1 0 0,9-7 0,3-2 4,28-22 6,-30 23-18,-1 1 0,2 0 0,17-9 0,-28 17-14,1 0-1,1 1 1,-1 0 0,0 0-1,0 0 1,1 1 0,-1 0-1,1 1 1,-1-1 0,1 1-1,-1 0 1,13 2 0,-13-1-152,1 1 0,-1 0 1,1 0-1,-1 0 0,1 1 0,-1 0 1,0 0-1,0 0 0,-1 1 0,1 0 1,-1 0-1,8 8 0,-9-8-738,0 1 0,0 0-1,-1 0 1,1 0-1,-1 1 1,0-1 0,0 1-1,3 10 1,-1 4-2917</inkml:trace>
+</inkml:ink>
+</file>
+
+<file path=ppt/ink/ink205.xml><?xml version="1.0" encoding="utf-8"?>
+<inkml:ink xmlns:inkml="http://www.w3.org/2003/InkML">
+  <inkml:definitions>
+    <inkml:context xml:id="ctx0">
+      <inkml:inkSource xml:id="inkSrc0">
+        <inkml:traceFormat>
+          <inkml:channel name="X" type="integer" min="-2.14748E9" max="2.14748E9" units="cm"/>
+          <inkml:channel name="Y" type="integer" min="-2.14748E9" max="2.14748E9" units="cm"/>
+          <inkml:channel name="F" type="integer" max="32767" units="dev"/>
+        </inkml:traceFormat>
+        <inkml:channelProperties>
+          <inkml:channelProperty channel="X" name="resolution" value="1000" units="1/cm"/>
+          <inkml:channelProperty channel="Y" name="resolution" value="1000" units="1/cm"/>
+          <inkml:channelProperty channel="F" name="resolution" value="0" units="1/dev"/>
+        </inkml:channelProperties>
+      </inkml:inkSource>
+      <inkml:timestamp xml:id="ts0" timeString="2022-07-31T05:06:46.767"/>
+    </inkml:context>
+    <inkml:brush xml:id="br0">
+      <inkml:brushProperty name="width" value="0.05" units="cm"/>
+      <inkml:brushProperty name="height" value="0.05" units="cm"/>
+    </inkml:brush>
+  </inkml:definitions>
+  <inkml:trace contextRef="#ctx0" brushRef="#br0">9 24 1420,'-8'-24'10093,"59"229"-7969,6 18-1230,-47-189-1035,23 63-3442,-26-86 176,1-2 31</inkml:trace>
+</inkml:ink>
+</file>
+
+<file path=ppt/ink/ink206.xml><?xml version="1.0" encoding="utf-8"?>
+<inkml:ink xmlns:inkml="http://www.w3.org/2003/InkML">
+  <inkml:definitions>
+    <inkml:context xml:id="ctx0">
+      <inkml:inkSource xml:id="inkSrc0">
+        <inkml:traceFormat>
+          <inkml:channel name="X" type="integer" min="-2.14748E9" max="2.14748E9" units="cm"/>
+          <inkml:channel name="Y" type="integer" min="-2.14748E9" max="2.14748E9" units="cm"/>
+          <inkml:channel name="F" type="integer" max="32767" units="dev"/>
+        </inkml:traceFormat>
+        <inkml:channelProperties>
+          <inkml:channelProperty channel="X" name="resolution" value="1000" units="1/cm"/>
+          <inkml:channelProperty channel="Y" name="resolution" value="1000" units="1/cm"/>
+          <inkml:channelProperty channel="F" name="resolution" value="0" units="1/dev"/>
+        </inkml:channelProperties>
+      </inkml:inkSource>
+      <inkml:timestamp xml:id="ts0" timeString="2022-07-31T05:06:47.191"/>
+    </inkml:context>
+    <inkml:brush xml:id="br0">
+      <inkml:brushProperty name="width" value="0.05" units="cm"/>
+      <inkml:brushProperty name="height" value="0.05" units="cm"/>
+    </inkml:brush>
+  </inkml:definitions>
+  <inkml:trace contextRef="#ctx0" brushRef="#br0">293 44 2208,'-4'-4'404,"0"-1"0,-1 1 0,1 0 0,-1 1 0,0-1 0,0 1 1,-1 0-1,1 0 0,-6-2 0,7 4-233,1 0 1,-1 0-1,0 0 1,1 0-1,-1 1 1,0 0-1,1 0 1,-1 0-1,0 0 1,1 0-1,-1 1 1,0-1-1,1 1 1,-1 0-1,1 0 1,-4 2-1,-4 3 4,0 1 1,1-1-1,0 2 0,0-1 1,1 1-1,0 1 0,0 0 0,1 0 1,0 0-1,1 1 0,-8 14 1,7-10-54,0 0 1,1 1 0,0 0 0,1 1-1,1-1 1,1 1 0,0 0 0,-2 17-1,5-20-42,1 1 0,0-1 1,1 0-1,4 26 0,-4-33-82,0-1 0,1 1 0,0-1 1,0 0-1,0 0 0,0 0 1,1 0-1,0 0 0,0 0 1,0 0-1,0-1 0,1 0 1,0 0-1,5 4 0,-8-7 3,0 0 0,0 0-1,1 0 1,-1-1 0,0 1-1,1 0 1,-1-1 0,1 1-1,-1-1 1,1 0 0,-1 1 0,1-1-1,-1 0 1,1 0 0,-1 0-1,1 0 1,-1 0 0,1 0-1,-1-1 1,1 1 0,-1 0 0,0-1-1,1 1 1,-1-1 0,1 0-1,-1 1 1,0-1 0,1 0-1,-1 0 1,0 0 0,0 0-1,2-1 1,0-1 25,1-1 0,-1 0 1,0 0-1,0 0 0,0 0 0,0-1 0,-1 1 0,4-9 0,9-32 306,12-63 0,0 1 374,-23 91-567,10-27 182,-13 40-289,0 1 0,0 0-1,1-1 1,-1 1 0,1 0 0,-1 0 0,1 0-1,0 0 1,0 0 0,0 0 0,0 0 0,0 0-1,4-1 1,-5 2-20,1 1-1,0-1 1,0 1 0,0 0 0,-1 0-1,1 0 1,0 0 0,0 0-1,0 0 1,-1 0 0,1 1-1,0-1 1,0 1 0,-1-1 0,1 1-1,0 0 1,-1-1 0,1 1-1,2 2 1,30 22 95,-33-25-105,20 19 47,0 0 0,-2 2-1,30 39 1,-39-47-19,-2 0 1,0 1-1,0 0 0,-2 0 1,0 0-1,0 1 0,-1 0 1,4 22-1,-8-28 16,0-1 1,-1 1 0,0 0-1,-1 0 1,1-1 0,-2 1-1,1-1 1,-1 1-1,-1-1 1,1 1 0,-1-1-1,-1 0 1,0 0 0,0-1-1,0 1 1,-1-1-1,0 0 1,-10 11 0,-2-1 45,-1 0-1,-1-1 1,0 0 0,-1-2 0,-30 16 0,31-19-182,-2-1-1,1-1 1,-1 0 0,0-2 0,-1-1 0,-29 6 0,30-12-1035,-6-5-5900</inkml:trace>
+</inkml:ink>
+</file>
+
+<file path=ppt/ink/ink207.xml><?xml version="1.0" encoding="utf-8"?>
+<inkml:ink xmlns:inkml="http://www.w3.org/2003/InkML">
+  <inkml:definitions>
+    <inkml:context xml:id="ctx0">
+      <inkml:inkSource xml:id="inkSrc0">
+        <inkml:traceFormat>
+          <inkml:channel name="X" type="integer" min="-2.14748E9" max="2.14748E9" units="cm"/>
+          <inkml:channel name="Y" type="integer" min="-2.14748E9" max="2.14748E9" units="cm"/>
+          <inkml:channel name="F" type="integer" max="32767" units="dev"/>
+        </inkml:traceFormat>
+        <inkml:channelProperties>
+          <inkml:channelProperty channel="X" name="resolution" value="1000" units="1/cm"/>
+          <inkml:channelProperty channel="Y" name="resolution" value="1000" units="1/cm"/>
+          <inkml:channelProperty channel="F" name="resolution" value="0" units="1/dev"/>
+        </inkml:channelProperties>
+      </inkml:inkSource>
+      <inkml:timestamp xml:id="ts0" timeString="2022-07-31T05:06:47.569"/>
+    </inkml:context>
+    <inkml:brush xml:id="br0">
+      <inkml:brushProperty name="width" value="0.05" units="cm"/>
+      <inkml:brushProperty name="height" value="0.05" units="cm"/>
+    </inkml:brush>
+  </inkml:definitions>
+  <inkml:trace contextRef="#ctx0" brushRef="#br0">1 52 1012,'1'-2'1506,"0"-2"-1048,0 1 74,0 0 1,0-1-1,0 1 1,0 0-1,0 0 0,1 0 1,0 1-1,-1-1 0,1 0 1,4-4-1,-3 5-403,0 1-1,0 0 1,0 0-1,0 0 1,0 1-1,0-1 1,0 0 0,1 1-1,-1 0 1,0 0-1,0 0 1,0 0-1,0 1 1,1-1-1,-1 1 1,0 0 0,0 0-1,0 0 1,0 0-1,2 1 1,6 4-8,0 0 0,0 1 0,-1 0 0,0 0 0,0 1-1,-1 0 1,0 1 0,0 0 0,-1 0 0,0 1 0,-1 0 0,0 0 0,10 22 0,-9-15-28,-1 0 1,-1 0-1,-1 0 0,0 1 1,-2-1-1,0 1 0,0 0 0,-1 36 1,-5-23-8,0 0-1,-2 0 1,-2 0 0,0-1 0,-2 0 0,-2 0 0,0-1 0,-2-1 0,-1 0 0,-2 0-1,-20 28 1,4-9 2930,40-51-2913,163-82-1913,-153 78 1053,47-25-6097,-44 19 2785</inkml:trace>
+</inkml:ink>
+</file>
+
+<file path=ppt/ink/ink208.xml><?xml version="1.0" encoding="utf-8"?>
+<inkml:ink xmlns:inkml="http://www.w3.org/2003/InkML">
+  <inkml:definitions>
+    <inkml:context xml:id="ctx0">
+      <inkml:inkSource xml:id="inkSrc0">
+        <inkml:traceFormat>
+          <inkml:channel name="X" type="integer" min="-2.14748E9" max="2.14748E9" units="cm"/>
+          <inkml:channel name="Y" type="integer" min="-2.14748E9" max="2.14748E9" units="cm"/>
+          <inkml:channel name="F" type="integer" max="32767" units="dev"/>
+        </inkml:traceFormat>
+        <inkml:channelProperties>
+          <inkml:channelProperty channel="X" name="resolution" value="1000" units="1/cm"/>
+          <inkml:channelProperty channel="Y" name="resolution" value="1000" units="1/cm"/>
+          <inkml:channelProperty channel="F" name="resolution" value="0" units="1/dev"/>
+        </inkml:channelProperties>
+      </inkml:inkSource>
+      <inkml:timestamp xml:id="ts0" timeString="2022-07-31T05:06:47.901"/>
+    </inkml:context>
+    <inkml:brush xml:id="br0">
+      <inkml:brushProperty name="width" value="0.05" units="cm"/>
+      <inkml:brushProperty name="height" value="0.05" units="cm"/>
+    </inkml:brush>
+  </inkml:definitions>
+  <inkml:trace contextRef="#ctx0" brushRef="#br0">20 469 2840,'0'0'9738,"-2"-6"-8797,-7-20-108,7 19 1054,-3-9-1602,4 13-571,0-16-11408</inkml:trace>
+  <inkml:trace contextRef="#ctx0" brushRef="#br0" timeOffset="1">165 0 2368,'0'0'6197,"1"6"-5445,36 188 1980,9 55-1246,-45-238-1663,19 123 115,-5-45-6364,-11-76 3320</inkml:trace>
+</inkml:ink>
+</file>
+
+<file path=ppt/ink/ink209.xml><?xml version="1.0" encoding="utf-8"?>
+<inkml:ink xmlns:inkml="http://www.w3.org/2003/InkML">
+  <inkml:definitions>
+    <inkml:context xml:id="ctx0">
+      <inkml:inkSource xml:id="inkSrc0">
+        <inkml:traceFormat>
+          <inkml:channel name="X" type="integer" min="-2.14748E9" max="2.14748E9" units="cm"/>
+          <inkml:channel name="Y" type="integer" min="-2.14748E9" max="2.14748E9" units="cm"/>
+          <inkml:channel name="F" type="integer" max="32767" units="dev"/>
+        </inkml:traceFormat>
+        <inkml:channelProperties>
+          <inkml:channelProperty channel="X" name="resolution" value="1000" units="1/cm"/>
+          <inkml:channelProperty channel="Y" name="resolution" value="1000" units="1/cm"/>
+          <inkml:channelProperty channel="F" name="resolution" value="0" units="1/dev"/>
+        </inkml:channelProperties>
+      </inkml:inkSource>
+      <inkml:timestamp xml:id="ts0" timeString="2022-07-31T05:06:48.312"/>
+    </inkml:context>
+    <inkml:brush xml:id="br0">
+      <inkml:brushProperty name="width" value="0.05" units="cm"/>
+      <inkml:brushProperty name="height" value="0.05" units="cm"/>
+    </inkml:brush>
+  </inkml:definitions>
+  <inkml:trace contextRef="#ctx0" brushRef="#br0">309 12 1588,'-12'-9'1116,"10"7"732,-2 5-1079,-1 0-625,1 1 0,0 0 0,0 0 0,1 0 0,-1 1-1,1-1 1,0 1 0,0 0 0,1 0 0,-1 0 0,-1 6 0,-22 70 749,21-61-690,-13 44 113,4 0 0,2 0-1,4 1 1,2 1 0,3-1 0,5 71-1,0-115-225,1 1-1,1-1 1,1 0 0,11 31-1,-12-42-57,0 0 0,1 0 0,0 0 0,1-1-1,0 1 1,0-1 0,1-1 0,0 1 0,1-1 0,13 11-1,-17-16-6,0-1 1,0 0-1,0 0 0,0 0 0,1 0 0,-1-1 0,0 0 0,1 0 0,0 0 0,-1 0 0,6 0 1,-6-1 71,-1 0 1,1 0 0,-1 0 0,1 0-1,-1-1 1,0 1 0,1-1 0,-1 0 0,1 0-1,-1 0 1,0-1 0,0 1 0,6-5 0,-7 5-25,-1-1 1,0 1 0,0-1-1,1 0 1,-1 1 0,-1-1-1,1 0 1,0 0 0,0 0-1,-1 0 1,1 0 0,-1 0 0,1 0-1,-1 0 1,0 0 0,0 0-1,0 0 1,0 0 0,0 0-1,-1 0 1,1 0 0,0 0-1,-1 0 1,0 0 0,0-2 0,-2-2 28,1 0 0,-1 0 0,1 1 0,-1-1 0,-1 1 0,-6-10 0,-1 4 16,-1 0-1,1 1 1,-2 0-1,1 1 1,-24-13-1,-74-29-219,0 0-2995,78 35-2373,20 10 2049</inkml:trace>
+</inkml:ink>
+</file>
+
 <file path=ppt/ink/ink21.xml><?xml version="1.0" encoding="utf-8"?>
 <inkml:ink xmlns:inkml="http://www.w3.org/2003/InkML">
   <inkml:definitions>
@@ -3151,6 +3481,278 @@
     </inkml:brush>
   </inkml:definitions>
   <inkml:trace contextRef="#ctx0" brushRef="#br0">1 502 1052,'2'-2'439,"15"-7"139,0 1 0,31-11 0,-30 13-177,1-2 1,29-16 0,-42 21-317,-1-1-1,0 0 1,0 0 0,0 0-1,0-1 1,-1 1-1,0-1 1,0 0 0,0-1-1,0 1 1,-1-1-1,4-8 1,0-3 126,-2-1 1,0 1-1,-1-1 1,0 0-1,-2 0 0,1-26 1,-3 1 1053,-9-65 1,8 97-774,-1 1 1,-1-1 0,-3-10-1,6 19 559,-2 9-854,-4 25 6,2-1-1,0 34 1,4-20-47,1 0 1,2 0-1,18 84 1,-10-80-322,3 12-973,0-19-4735,-7-26 2792</inkml:trace>
+</inkml:ink>
+</file>
+
+<file path=ppt/ink/ink210.xml><?xml version="1.0" encoding="utf-8"?>
+<inkml:ink xmlns:inkml="http://www.w3.org/2003/InkML">
+  <inkml:definitions>
+    <inkml:context xml:id="ctx0">
+      <inkml:inkSource xml:id="inkSrc0">
+        <inkml:traceFormat>
+          <inkml:channel name="X" type="integer" min="-2.14748E9" max="2.14748E9" units="cm"/>
+          <inkml:channel name="Y" type="integer" min="-2.14748E9" max="2.14748E9" units="cm"/>
+          <inkml:channel name="F" type="integer" max="32767" units="dev"/>
+        </inkml:traceFormat>
+        <inkml:channelProperties>
+          <inkml:channelProperty channel="X" name="resolution" value="1000" units="1/cm"/>
+          <inkml:channelProperty channel="Y" name="resolution" value="1000" units="1/cm"/>
+          <inkml:channelProperty channel="F" name="resolution" value="0" units="1/dev"/>
+        </inkml:channelProperties>
+      </inkml:inkSource>
+      <inkml:timestamp xml:id="ts0" timeString="2022-07-31T05:06:48.703"/>
+    </inkml:context>
+    <inkml:brush xml:id="br0">
+      <inkml:brushProperty name="width" value="0.05" units="cm"/>
+      <inkml:brushProperty name="height" value="0.05" units="cm"/>
+    </inkml:brush>
+  </inkml:definitions>
+  <inkml:trace contextRef="#ctx0" brushRef="#br0">137 48 2192,'-4'-6'888,"0"1"0,-1 0 0,1-1 0,-1 2 0,0-1 0,-1 1 0,-6-5 0,11 9-753,0-1 0,-1 0 0,1 1 0,-1 0-1,1-1 1,-1 1 0,1 0 0,-1 0 0,1 0 0,-1 0 0,1 0-1,-1 0 1,1 0 0,-1 1 0,1-1 0,-1 0 0,1 1 0,-1-1-1,-1 2 1,0-1-12,1 1 0,-1-1 0,1 0 0,-1 1 0,1 0 0,0-1 0,0 1 0,0 0 0,0 0 0,-2 3 0,0 2 17,-1 0 1,1 1-1,1 0 1,-1 0-1,2 0 0,-1 0 1,1 0-1,0 0 1,-1 11-1,2-4 5,1-1 0,0 1 0,0 0 0,6 26 0,3-6 36,1 0-1,1 0 0,24 48 1,-29-71-147,15 35-29,23 69 0,-40-103-42,0 0 0,-1 1 0,-1-1 0,0 1-1,-1 0 1,0 0 0,-1 0 0,-1 0 0,0-1 0,-5 20 0,5-28 27,0 0 0,-1-1 0,1 1 0,-1-1 1,-1 1-1,1-1 0,0 1 0,-1-1 0,0 0 0,0 0 0,0-1 1,-1 1-1,1-1 0,-1 1 0,0-1 0,0 0 0,0-1 1,0 1-1,0 0 0,-1-1 0,1 0 0,-1 0 0,1-1 0,-1 1 1,-8 0-1,12-2 8,0 0 0,0 0 0,0 0 1,0 0-1,0 0 0,-1-1 0,1 1 1,0 0-1,0-1 0,0 1 0,0-1 0,0 1 1,0-1-1,0 0 0,0 1 0,0-1 1,0 0-1,1 0 0,-1 1 0,0-1 1,-1-2-1,-8-16-19,8 8 19,0 0 0,1 0 0,0 0 0,1 0 0,1-16 0,12-53-6,-5 40 14,29-257 408,-35 156-36,-2 131-429,-1-1-1,0 1 0,-5-19 0,-1 9-2298,-2 2-3309,0 4 1948</inkml:trace>
+  <inkml:trace contextRef="#ctx0" brushRef="#br0" timeOffset="1">636 322 1192,'-10'8'5289,"-5"-7"4010,1-10-9972,11 7-480</inkml:trace>
+</inkml:ink>
+</file>
+
+<file path=ppt/ink/ink211.xml><?xml version="1.0" encoding="utf-8"?>
+<inkml:ink xmlns:inkml="http://www.w3.org/2003/InkML">
+  <inkml:definitions>
+    <inkml:context xml:id="ctx0">
+      <inkml:inkSource xml:id="inkSrc0">
+        <inkml:traceFormat>
+          <inkml:channel name="X" type="integer" min="-2.14748E9" max="2.14748E9" units="cm"/>
+          <inkml:channel name="Y" type="integer" min="-2.14748E9" max="2.14748E9" units="cm"/>
+          <inkml:channel name="F" type="integer" max="32767" units="dev"/>
+        </inkml:traceFormat>
+        <inkml:channelProperties>
+          <inkml:channelProperty channel="X" name="resolution" value="1000" units="1/cm"/>
+          <inkml:channelProperty channel="Y" name="resolution" value="1000" units="1/cm"/>
+          <inkml:channelProperty channel="F" name="resolution" value="0" units="1/dev"/>
+        </inkml:channelProperties>
+      </inkml:inkSource>
+      <inkml:timestamp xml:id="ts0" timeString="2022-07-31T05:06:49.138"/>
+    </inkml:context>
+    <inkml:brush xml:id="br0">
+      <inkml:brushProperty name="width" value="0.05" units="cm"/>
+      <inkml:brushProperty name="height" value="0.05" units="cm"/>
+    </inkml:brush>
+  </inkml:definitions>
+  <inkml:trace contextRef="#ctx0" brushRef="#br0">307 20 1552,'-6'-3'432,"-1"0"1,0 0-1,0 1 0,0 0 0,0 0 1,0 1-1,0-1 0,0 2 0,0-1 1,-1 1-1,1 0 0,0 0 0,-1 1 1,1 0-1,-12 4 0,10-2-210,-1 1 0,1 0 0,0 0 0,0 1 0,1 0 0,0 1 0,0 0 0,0 0 0,0 1 0,-11 13 0,10-9-53,0 0 0,1 1 0,0 0-1,1 1 1,0-1 0,-9 25 0,13-28-93,1 0 0,0 0 0,0 0 0,1 0 0,0 0 0,0 1 0,1 13 0,0-20-68,1 1 0,-1-1 0,1 1 0,0 0 0,0-1 0,0 1 0,0-1 0,1 0 0,-1 1 0,1-1 0,0 0 0,0 0 0,0 0 0,0 0 0,0-1 0,1 1 0,0 0 0,-1-1 0,1 0 0,0 1 0,4 1 0,-6-3-5,1-1 0,0 1 0,0-1 0,-1 0 0,1 1 0,0-1 0,0 0 0,0 0 0,-1 0 0,1 0 0,0 0-1,0-1 1,-1 1 0,1 0 0,0-1 0,0 1 0,-1-1 0,1 0 0,0 0 0,-1 1 0,1-1 0,-1 0 0,3-2 0,3-3 29,0 0 1,0 0-1,6-8 0,-12 14-26,54-64 333,26-26 89,-79 89-418,0-1 0,0 0 0,0 0 0,0 1 1,1-1-1,-1 1 0,1 0 0,-1-1 1,1 1-1,-1 0 0,1 1 0,0-1 0,-1 0 1,1 1-1,0 0 0,-1-1 0,1 1 0,0 0 1,0 0-1,-1 1 0,1-1 0,0 0 1,0 1-1,-1 0 0,1 0 0,-1 0 0,5 2 1,6 4 3,-1 0 1,1 1-1,-1 1 1,-1 0-1,0 1 1,0 0-1,-1 1 1,0 0-1,-1 0 0,10 16 1,-1 2 8,-1 0-1,-2 1 1,0 1 0,-3 0-1,0 1 1,12 54 0,-22-72-5,0 1 0,0-1 1,-1 1-1,-1-1 0,-1 1 1,0-1-1,0 1 0,-2-1 1,-4 18-1,5-27-34,1 0 0,-1 1 0,-1-1 0,1 0 0,-1 0 0,0 0 0,0 0 0,0-1 1,-1 1-1,0-1 0,1 0 0,-2 0 0,1 0 0,0-1 0,-1 1 0,0-1 0,1 0 0,-1 0 0,0-1 0,-1 0 0,1 1 0,0-2 0,-1 1 0,1-1 0,-1 0 0,-7 1 0,5-1-244,0-1 0,-1 0 1,1 0-1,-13-3 0,18 3-158,0-1 0,0 0 0,0 1 0,0-2 0,0 1 1,0 0-1,0 0 0,0-1 0,1 0 0,-1 1 0,0-1 1,1 0-1,-1 0 0,-3-5 0,0-4-2576</inkml:trace>
+</inkml:ink>
+</file>
+
+<file path=ppt/ink/ink212.xml><?xml version="1.0" encoding="utf-8"?>
+<inkml:ink xmlns:inkml="http://www.w3.org/2003/InkML">
+  <inkml:definitions>
+    <inkml:context xml:id="ctx0">
+      <inkml:inkSource xml:id="inkSrc0">
+        <inkml:traceFormat>
+          <inkml:channel name="X" type="integer" min="-2.14748E9" max="2.14748E9" units="cm"/>
+          <inkml:channel name="Y" type="integer" min="-2.14748E9" max="2.14748E9" units="cm"/>
+          <inkml:channel name="F" type="integer" max="32767" units="dev"/>
+        </inkml:traceFormat>
+        <inkml:channelProperties>
+          <inkml:channelProperty channel="X" name="resolution" value="1000" units="1/cm"/>
+          <inkml:channelProperty channel="Y" name="resolution" value="1000" units="1/cm"/>
+          <inkml:channelProperty channel="F" name="resolution" value="0" units="1/dev"/>
+        </inkml:channelProperties>
+      </inkml:inkSource>
+      <inkml:timestamp xml:id="ts0" timeString="2022-07-31T05:06:49.543"/>
+    </inkml:context>
+    <inkml:brush xml:id="br0">
+      <inkml:brushProperty name="width" value="0.05" units="cm"/>
+      <inkml:brushProperty name="height" value="0.05" units="cm"/>
+    </inkml:brush>
+  </inkml:definitions>
+  <inkml:trace contextRef="#ctx0" brushRef="#br0">306 37 2256,'0'-2'1364,"0"0"-1201,0 1 0,0 0 1,0 0-1,1 0 0,-2-1 1,1 1-1,0 0 0,0 0 1,0 0-1,0 0 0,-1 0 0,1-1 1,0 1-1,-1 0 0,1 0 1,-1 0-1,0 0 0,1 0 1,-1 0-1,0 0 0,1 0 1,-1 0-1,0 1 0,0-1 1,0 0-1,0 0 0,0 1 0,0-1 1,0 1-1,0-1 0,0 0 1,0 1-1,0 0 0,0-1 1,0 1-1,-2 0 0,-2-1 81,-1 1-1,1 0 1,0 0-1,0 0 0,-1 1 1,1 0-1,-9 2 1,-4 3 65,-1 0 0,1 1-1,0 1 1,0 0 0,-20 14 0,29-16-187,0 0-1,1 0 1,-1 1 0,1 1-1,1-1 1,-1 1-1,1 0 1,1 1-1,0 0 1,-11 19 0,16-26-124,0 0 0,0 1 0,0-1 0,0 0 0,0 1 0,0-1-1,1 1 1,-1-1 0,1 1 0,0-1 0,0 1 0,-1 0 0,2-1 0,-1 1 0,0-1 0,1 1 0,-1-1 0,1 1 0,-1-1 0,1 1 0,2 3 0,-2-6-3,0 1 0,1 0 0,-1-1 1,0 1-1,1-1 0,-1 0 0,0 1 0,1-1 0,-1 0 0,0 0 0,1 0 0,-1 0 1,1 0-1,-1 0 0,0 0 0,1 0 0,-1-1 0,0 1 0,1 0 0,-1-1 1,2 0-1,9-5 0,-2-1 1,1 0 0,-1 0 0,0-1 0,0 0 0,-1-1-1,14-17 1,20-17 48,10-13 414,-53 56-440,1-1 1,0 0-1,0 1 0,0-1 0,-1 1 0,1-1 0,0 1 0,0-1 0,0 1 0,0-1 0,0 1 0,0 0 0,0-1 1,0 1-1,1 0 0,1 3 38,5 7-26,0 1 0,-1 1 1,0-1-1,-1 1 0,0 0 1,-1 1-1,5 16 0,-2-9-6,-1-1-8,76 231 144,-82-244-147,0-1-1,0 1 0,-1 0 0,0-1 0,0 1 0,-1 0 0,1-1 0,-1 1 1,0 0-1,-1-1 0,1 1 0,-1-1 0,0 0 0,-1 1 0,1-1 0,-1 0 0,0 0 1,0-1-1,0 1 0,-1-1 0,0 1 0,0-1 0,-7 5 0,7-5-207,0-1 0,-1 1-1,1-1 1,-1-1 0,0 1-1,0-1 1,0 0 0,-1 0-1,1 0 1,0 0 0,-1-1-1,1 0 1,-1 0 0,1-1-1,-1 0 1,1 0 0,-1 0-1,1 0 1,-1-1 0,1 0-1,-1 0 1,1 0 0,-1-1-1,-4-2 1,-4-5-3381,3-3 35</inkml:trace>
+</inkml:ink>
+</file>
+
+<file path=ppt/ink/ink213.xml><?xml version="1.0" encoding="utf-8"?>
+<inkml:ink xmlns:inkml="http://www.w3.org/2003/InkML">
+  <inkml:definitions>
+    <inkml:context xml:id="ctx0">
+      <inkml:inkSource xml:id="inkSrc0">
+        <inkml:traceFormat>
+          <inkml:channel name="X" type="integer" min="-2.14748E9" max="2.14748E9" units="cm"/>
+          <inkml:channel name="Y" type="integer" min="-2.14748E9" max="2.14748E9" units="cm"/>
+          <inkml:channel name="F" type="integer" max="32767" units="dev"/>
+        </inkml:traceFormat>
+        <inkml:channelProperties>
+          <inkml:channelProperty channel="X" name="resolution" value="1000" units="1/cm"/>
+          <inkml:channelProperty channel="Y" name="resolution" value="1000" units="1/cm"/>
+          <inkml:channelProperty channel="F" name="resolution" value="0" units="1/dev"/>
+        </inkml:channelProperties>
+      </inkml:inkSource>
+      <inkml:timestamp xml:id="ts0" timeString="2022-07-31T05:06:49.907"/>
+    </inkml:context>
+    <inkml:brush xml:id="br0">
+      <inkml:brushProperty name="width" value="0.05" units="cm"/>
+      <inkml:brushProperty name="height" value="0.05" units="cm"/>
+    </inkml:brush>
+  </inkml:definitions>
+  <inkml:trace contextRef="#ctx0" brushRef="#br0">1 52 2212,'26'-19'8467,"-23"6"-4170,-3 10-4200,4-13-252</inkml:trace>
+</inkml:ink>
+</file>
+
+<file path=ppt/ink/ink214.xml><?xml version="1.0" encoding="utf-8"?>
+<inkml:ink xmlns:inkml="http://www.w3.org/2003/InkML">
+  <inkml:definitions>
+    <inkml:context xml:id="ctx0">
+      <inkml:inkSource xml:id="inkSrc0">
+        <inkml:traceFormat>
+          <inkml:channel name="X" type="integer" min="-2.14748E9" max="2.14748E9" units="cm"/>
+          <inkml:channel name="Y" type="integer" min="-2.14748E9" max="2.14748E9" units="cm"/>
+          <inkml:channel name="F" type="integer" max="32767" units="dev"/>
+        </inkml:traceFormat>
+        <inkml:channelProperties>
+          <inkml:channelProperty channel="X" name="resolution" value="1000" units="1/cm"/>
+          <inkml:channelProperty channel="Y" name="resolution" value="1000" units="1/cm"/>
+          <inkml:channelProperty channel="F" name="resolution" value="0" units="1/dev"/>
+        </inkml:channelProperties>
+      </inkml:inkSource>
+      <inkml:timestamp xml:id="ts0" timeString="2022-07-31T05:06:50.311"/>
+    </inkml:context>
+    <inkml:brush xml:id="br0">
+      <inkml:brushProperty name="width" value="0.05" units="cm"/>
+      <inkml:brushProperty name="height" value="0.05" units="cm"/>
+    </inkml:brush>
+  </inkml:definitions>
+  <inkml:trace contextRef="#ctx0" brushRef="#br0">84 20 2112,'-3'-8'1276,"2"6"-96,-1-8 1530,-4 16 540,-4 15-1085,9-20-2482,-11 28 847,1 1-1,1 0 1,2 1-1,1 0 0,-5 45 1,11-67-393,1 0 1,0 0-1,1 0 0,-1 0 1,2 0-1,-1 0 1,1 0-1,5 11 0,-5-15-80,0 0-1,1 0 1,0 0-1,-1-1 1,2 1-1,-1-1 1,0 1-1,1-1 1,0 0 0,0-1-1,0 1 1,1-1-1,-1 0 1,1 0-1,6 3 1,4 0 6,0 0 0,0-2 1,0 0-1,1 0 1,0-2-1,-1 0 0,1 0 1,0-2-1,0 0 1,0-1-1,19-3 0,-7-1-89,-1 0 0,0-2-1,0-1 1,-1-1 0,41-20-1,-60 24-147,1 1 0,-1-1 0,0 0 0,0 0 0,6-7 0,-10 10-184,0-1-1,-1 0 1,0 0-1,1 0 1,-1 0-1,0 0 1,-1 0-1,1 0 1,-1-1-1,1 1 1,-1-1-1,0 1 1,1-5-1,-4-1-3527,-9-21 39</inkml:trace>
+  <inkml:trace contextRef="#ctx0" brushRef="#br0" timeOffset="1">339 105 836,'-2'-1'897,"1"1"-705,-1 0-1,1 0 1,0 0 0,0 1 0,-1-1-1,1 0 1,0 0 0,0 1-1,0-1 1,0 1 0,0-1 0,-1 1-1,1-1 1,0 1 0,0-1 0,0 1-1,0 0 1,1 0 0,-1 0 0,-2 1-1,2 1 26,-1-1 0,1 0 0,0 1 1,0-1-1,0 1 0,0 0 0,0-1 0,0 1 0,0 3 0,0 9 272,1 0 0,1 29-1,1-22-16,2 71 588,4 0 0,30 138 0,-27-171-876,4 17-511,-1-29-2943</inkml:trace>
+</inkml:ink>
+</file>
+
+<file path=ppt/ink/ink215.xml><?xml version="1.0" encoding="utf-8"?>
+<inkml:ink xmlns:inkml="http://www.w3.org/2003/InkML">
+  <inkml:definitions>
+    <inkml:context xml:id="ctx0">
+      <inkml:inkSource xml:id="inkSrc0">
+        <inkml:traceFormat>
+          <inkml:channel name="X" type="integer" min="-2.14748E9" max="2.14748E9" units="cm"/>
+          <inkml:channel name="Y" type="integer" min="-2.14748E9" max="2.14748E9" units="cm"/>
+          <inkml:channel name="F" type="integer" max="32767" units="dev"/>
+        </inkml:traceFormat>
+        <inkml:channelProperties>
+          <inkml:channelProperty channel="X" name="resolution" value="1000" units="1/cm"/>
+          <inkml:channelProperty channel="Y" name="resolution" value="1000" units="1/cm"/>
+          <inkml:channelProperty channel="F" name="resolution" value="0" units="1/dev"/>
+        </inkml:channelProperties>
+      </inkml:inkSource>
+      <inkml:timestamp xml:id="ts0" timeString="2022-07-31T05:06:50.759"/>
+    </inkml:context>
+    <inkml:brush xml:id="br0">
+      <inkml:brushProperty name="width" value="0.05" units="cm"/>
+      <inkml:brushProperty name="height" value="0.05" units="cm"/>
+    </inkml:brush>
+  </inkml:definitions>
+  <inkml:trace contextRef="#ctx0" brushRef="#br0">8 25 2036,'-8'-25'9106,"9"34"-8706,1 5-235,0 0 0,2 0 0,-1 0 0,1-1-1,10 21 1,1-5 104,2-1-1,1-1 1,1 0-1,43 46 1,-51-63-200,-7-5-26,0-1 0,0 0 1,0 0-1,1-1 0,-1 1 0,1-1 1,0 0-1,0 0 0,8 3 0,-9-5 17,0-3-5,4-3-1,-1 0 1,0-1-1,0 0 0,0 0 1,0 0-1,-1-1 0,0 0 0,5-8 1,41-68 1609,-38 59-689,-14 24-945,0-1 0,1 1-1,-1-1 1,0 1 0,1 0-1,-1-1 1,1 1 0,-1 0-1,0-1 1,1 1 0,-1 0-1,1 0 1,-1-1 0,1 1-1,-1 0 1,1 0 0,-1 0-1,1 0 1,-1 0 0,1 0-1,-1 0 1,1 0 0,-1 0-1,1 0 1,-1 0 0,1 0-1,-1 0 1,1 0 0,-1 0-1,1 0 1,-1 0 0,1 1-1,-1-1 1,1 0 0,-1 0-1,1 1 1,-1-1 0,1 0-1,-1 1 1,0-1 0,1 0-1,-1 1 1,0-1 0,1 1-1,-1-1 1,0 1 0,1 0 0,1 1-22,0 1 1,0 0-1,0 0 1,0-1-1,0 1 1,2 6-1,3 14-182,51 171 658,-39-95-2916,-16-71-1313,0 43 0,-5-40-669</inkml:trace>
+</inkml:ink>
+</file>
+
+<file path=ppt/ink/ink216.xml><?xml version="1.0" encoding="utf-8"?>
+<inkml:ink xmlns:inkml="http://www.w3.org/2003/InkML">
+  <inkml:definitions>
+    <inkml:context xml:id="ctx0">
+      <inkml:inkSource xml:id="inkSrc0">
+        <inkml:traceFormat>
+          <inkml:channel name="X" type="integer" min="-2.14748E9" max="2.14748E9" units="cm"/>
+          <inkml:channel name="Y" type="integer" min="-2.14748E9" max="2.14748E9" units="cm"/>
+          <inkml:channel name="F" type="integer" max="32767" units="dev"/>
+        </inkml:traceFormat>
+        <inkml:channelProperties>
+          <inkml:channelProperty channel="X" name="resolution" value="1000" units="1/cm"/>
+          <inkml:channelProperty channel="Y" name="resolution" value="1000" units="1/cm"/>
+          <inkml:channelProperty channel="F" name="resolution" value="0" units="1/dev"/>
+        </inkml:channelProperties>
+      </inkml:inkSource>
+      <inkml:timestamp xml:id="ts0" timeString="2022-07-31T05:06:51.434"/>
+    </inkml:context>
+    <inkml:brush xml:id="br0">
+      <inkml:brushProperty name="width" value="0.05" units="cm"/>
+      <inkml:brushProperty name="height" value="0.05" units="cm"/>
+    </inkml:brush>
+  </inkml:definitions>
+  <inkml:trace contextRef="#ctx0" brushRef="#br0">102 1120 1420,'-13'4'575,"-7"2"1182,0 1-1,-22 11 0,36-14-716,6-4-1015,0 0 1,0 0-1,0 0 1,0 1 0,0-1-1,0 0 1,0 0-1,0 0 1,0 0 0,0 0-1,0 0 1,0 0-1,0 0 1,0 0 0,0 1-1,0-1 1,0 0 0,0 0-1,0 0 1,0 0-1,0 0 1,0 0 0,0 0-1,0 0 1,0 0-1,0 1 1,0-1 0,0 0-1,0 0 1,0 0-1,0 0 1,0 0 0,1 0-1,-1 0 1,0 0-1,0 0 1,0 0 0,0 0-1,0 0 1,0 1-1,0-1 1,0 0 0,0 0-1,0 0 1,1 0-1,-1 0 1,0 0 0,0 0-1,0 0 1,0 0-1,0 0 1,0 0 0,0 0-1,0 0 1,1 0-1,-1 0 1,0 0 0,0 0-1,11 1 169,1-1 1,-1 0-1,1 0 0,15-3 0,162-27 620,401-90 173,14-26-336,102-52-173,-699 196-474,782-237 373,7 24-476,-696 191 46,309-89-676,-405 111 703,16-4-194,-1-2-1,0 0 1,31-18 0,-49 25 28,-1 1 162,0 0 0,0 0 0,0 0 0,1 0 0,-1 0 1,0 0-1,0 0 0,0 0 0,1 0 0,-1 0 0,0 0 1,0 0-1,0 0 0,0-1 0,1 1 0,-1 0 0,0 0 1,0 0-1,0 0 0,0 0 0,0-1 0,1 1 0,-1 0 1,0 0-1,0 0 0,0 0 0,0-1 0,0 1 0,0 0 1,0 0-1,0 0 0,0-1 0,0 1 0,0 0 0,1 0 1,-1 0-1,0-1 0,0 1 0,-1 0 0,1 0 0,0 0 1,0-1-1,0 1 0,0 0 0,0 0 0,0 0 1,0-1-1,0 1 0,0 0 0,0 0 0,0 0 0,0 0 1,-1-1-1,1 1 0,0 0 0,0 0 0,0 0 0,0 0 1,-1 0-1,1 0 0,0-1 0,0 1 0,0 0 0,0 0 1,-1 0-1,1 0 0,-7-3-437,0 1 0,0 0-1,0 0 1,0 0 0,0 1 0,0 0 0,0 0 0,-13 1 0,-32 4-2162</inkml:trace>
+</inkml:ink>
+</file>
+
+<file path=ppt/ink/ink217.xml><?xml version="1.0" encoding="utf-8"?>
+<inkml:ink xmlns:inkml="http://www.w3.org/2003/InkML">
+  <inkml:definitions>
+    <inkml:context xml:id="ctx0">
+      <inkml:inkSource xml:id="inkSrc0">
+        <inkml:traceFormat>
+          <inkml:channel name="X" type="integer" min="-2.14748E9" max="2.14748E9" units="cm"/>
+          <inkml:channel name="Y" type="integer" min="-2.14748E9" max="2.14748E9" units="cm"/>
+          <inkml:channel name="F" type="integer" max="32767" units="dev"/>
+        </inkml:traceFormat>
+        <inkml:channelProperties>
+          <inkml:channelProperty channel="X" name="resolution" value="1000" units="1/cm"/>
+          <inkml:channelProperty channel="Y" name="resolution" value="1000" units="1/cm"/>
+          <inkml:channelProperty channel="F" name="resolution" value="0" units="1/dev"/>
+        </inkml:channelProperties>
+      </inkml:inkSource>
+      <inkml:timestamp xml:id="ts0" timeString="2022-07-31T05:06:51.845"/>
+    </inkml:context>
+    <inkml:brush xml:id="br0">
+      <inkml:brushProperty name="width" value="0.05" units="cm"/>
+      <inkml:brushProperty name="height" value="0.05" units="cm"/>
+    </inkml:brush>
+  </inkml:definitions>
+  <inkml:trace contextRef="#ctx0" brushRef="#br0">19 1711 1744,'-17'-18'3492,"15"16"-2600,5-4-104,2-2-606,0 1-1,1 0 1,0 0 0,0 0-1,0 1 1,1 0-1,0 0 1,13-9 0,85-43 621,-102 56-792,124-59 658,222-73-1,406-70 546,-362 104-820,1389-318 717,-1021 284-792,-392 72-179,-199 33-77,421-83 174,-326 36 109,-229 63-200,-2-2 0,0-1 1,-1-2-1,0-1 0,35-28 0,-61 42-193,7-5-103,-1 0 1,0-1-1,-1-1 1,0 0 0,17-23-1,-28 33-640</inkml:trace>
+</inkml:ink>
+</file>
+
+<file path=ppt/ink/ink218.xml><?xml version="1.0" encoding="utf-8"?>
+<inkml:ink xmlns:inkml="http://www.w3.org/2003/InkML">
+  <inkml:definitions>
+    <inkml:context xml:id="ctx0">
+      <inkml:inkSource xml:id="inkSrc0">
+        <inkml:traceFormat>
+          <inkml:channel name="X" type="integer" min="-2.14748E9" max="2.14748E9" units="cm"/>
+          <inkml:channel name="Y" type="integer" min="-2.14748E9" max="2.14748E9" units="cm"/>
+          <inkml:channel name="F" type="integer" max="32767" units="dev"/>
+        </inkml:traceFormat>
+        <inkml:channelProperties>
+          <inkml:channelProperty channel="X" name="resolution" value="1000" units="1/cm"/>
+          <inkml:channelProperty channel="Y" name="resolution" value="1000" units="1/cm"/>
+          <inkml:channelProperty channel="F" name="resolution" value="0" units="1/dev"/>
+        </inkml:channelProperties>
+      </inkml:inkSource>
+      <inkml:timestamp xml:id="ts0" timeString="2022-07-31T05:06:54.314"/>
+    </inkml:context>
+    <inkml:brush xml:id="br0">
+      <inkml:brushProperty name="width" value="0.05" units="cm"/>
+      <inkml:brushProperty name="height" value="0.05" units="cm"/>
+    </inkml:brush>
+  </inkml:definitions>
+  <inkml:trace contextRef="#ctx0" brushRef="#br0">6 1393 1180,'0'0'5996,"-6"3"-5884,6-3-100,0 0-1,0 0 1,1 0 0,-1 0-1,0 0 1,0 0-1,0 0 1,0 0 0,0 0-1,0 0 1,0 0 0,0 0-1,0 0 1,1 0-1,-1 0 1,0 0 0,0 0-1,0 0 1,0 0 0,0 0-1,0 0 1,0 1-1,0-1 1,0 0 0,0 0-1,0 0 1,0 0 0,1 0-1,-1 0 1,0 0 0,0 0-1,0 0 1,0 0-1,0 0 1,0 1 0,0-1-1,0 0 1,0 0 0,0 0-1,0 0 1,0 0-1,0 0 1,0 0 0,0 0-1,0 0 1,0 1 0,0-1-1,0 0 1,0 0-1,0 0 1,0 0 0,17-2 65,1-1 0,0-1 1,33-11-1,-37 11-61,705-257 335,-452 158-265,690-240 17,-857 311-128,985-300-239,-1008 311 236,486-150-393,-406 104-579,-132 50 564,-24 16 266,1 0 0,-1 0 0,0 0 0,0 0 0,0 0 0,-1 0 0,1 0 0,0 0 0,0-1 0,-1 1 0,1 0 0,0-1 0,-1 1 0,1-1 0,-1 1 0,0 0 0,1-3 0</inkml:trace>
+</inkml:ink>
+</file>
+
+<file path=ppt/ink/ink219.xml><?xml version="1.0" encoding="utf-8"?>
+<inkml:ink xmlns:inkml="http://www.w3.org/2003/InkML">
+  <inkml:definitions>
+    <inkml:context xml:id="ctx0">
+      <inkml:inkSource xml:id="inkSrc0">
+        <inkml:traceFormat>
+          <inkml:channel name="X" type="integer" min="-2.14748E9" max="2.14748E9" units="cm"/>
+          <inkml:channel name="Y" type="integer" min="-2.14748E9" max="2.14748E9" units="cm"/>
+          <inkml:channel name="F" type="integer" max="32767" units="dev"/>
+        </inkml:traceFormat>
+        <inkml:channelProperties>
+          <inkml:channelProperty channel="X" name="resolution" value="1000" units="1/cm"/>
+          <inkml:channelProperty channel="Y" name="resolution" value="1000" units="1/cm"/>
+          <inkml:channelProperty channel="F" name="resolution" value="0" units="1/dev"/>
+        </inkml:channelProperties>
+      </inkml:inkSource>
+      <inkml:timestamp xml:id="ts0" timeString="2022-07-31T05:06:54.765"/>
+    </inkml:context>
+    <inkml:brush xml:id="br0">
+      <inkml:brushProperty name="width" value="0.05" units="cm"/>
+      <inkml:brushProperty name="height" value="0.05" units="cm"/>
+    </inkml:brush>
+  </inkml:definitions>
+  <inkml:trace contextRef="#ctx0" brushRef="#br0">1 1434 1584,'48'-21'5734,"97"-40"-5464,50-15 226,-113 44-387,766-289 796,-252 120-529,-502 170-333,349-104 142,-161 52-75,568-163 169,-756 221-285,130-37 148,-152 38-393,72-33 0,-135 53 10,0-1 1,0 0-1,0 0 0,15-12 0,-6-5-3365</inkml:trace>
 </inkml:ink>
 </file>
 
@@ -5599,7 +6201,7 @@
           <a:p>
             <a:fld id="{3E8BDFD0-AD39-4648-A79A-DCE5751A1F34}" type="datetimeFigureOut">
               <a:rPr lang="en-IN" smtClean="0"/>
-              <a:t>31-03-2024</a:t>
+              <a:t>14-05-2023</a:t>
             </a:fld>
             <a:endParaRPr lang="en-IN"/>
           </a:p>
@@ -5799,7 +6401,7 @@
           <a:p>
             <a:fld id="{3E8BDFD0-AD39-4648-A79A-DCE5751A1F34}" type="datetimeFigureOut">
               <a:rPr lang="en-IN" smtClean="0"/>
-              <a:t>31-03-2024</a:t>
+              <a:t>14-05-2023</a:t>
             </a:fld>
             <a:endParaRPr lang="en-IN"/>
           </a:p>
@@ -6009,7 +6611,7 @@
           <a:p>
             <a:fld id="{3E8BDFD0-AD39-4648-A79A-DCE5751A1F34}" type="datetimeFigureOut">
               <a:rPr lang="en-IN" smtClean="0"/>
-              <a:t>31-03-2024</a:t>
+              <a:t>14-05-2023</a:t>
             </a:fld>
             <a:endParaRPr lang="en-IN"/>
           </a:p>
@@ -6209,7 +6811,7 @@
           <a:p>
             <a:fld id="{3E8BDFD0-AD39-4648-A79A-DCE5751A1F34}" type="datetimeFigureOut">
               <a:rPr lang="en-IN" smtClean="0"/>
-              <a:t>31-03-2024</a:t>
+              <a:t>14-05-2023</a:t>
             </a:fld>
             <a:endParaRPr lang="en-IN"/>
           </a:p>
@@ -6485,7 +7087,7 @@
           <a:p>
             <a:fld id="{3E8BDFD0-AD39-4648-A79A-DCE5751A1F34}" type="datetimeFigureOut">
               <a:rPr lang="en-IN" smtClean="0"/>
-              <a:t>31-03-2024</a:t>
+              <a:t>14-05-2023</a:t>
             </a:fld>
             <a:endParaRPr lang="en-IN"/>
           </a:p>
@@ -6753,7 +7355,7 @@
           <a:p>
             <a:fld id="{3E8BDFD0-AD39-4648-A79A-DCE5751A1F34}" type="datetimeFigureOut">
               <a:rPr lang="en-IN" smtClean="0"/>
-              <a:t>31-03-2024</a:t>
+              <a:t>14-05-2023</a:t>
             </a:fld>
             <a:endParaRPr lang="en-IN"/>
           </a:p>
@@ -7168,7 +7770,7 @@
           <a:p>
             <a:fld id="{3E8BDFD0-AD39-4648-A79A-DCE5751A1F34}" type="datetimeFigureOut">
               <a:rPr lang="en-IN" smtClean="0"/>
-              <a:t>31-03-2024</a:t>
+              <a:t>14-05-2023</a:t>
             </a:fld>
             <a:endParaRPr lang="en-IN"/>
           </a:p>
@@ -7310,7 +7912,7 @@
           <a:p>
             <a:fld id="{3E8BDFD0-AD39-4648-A79A-DCE5751A1F34}" type="datetimeFigureOut">
               <a:rPr lang="en-IN" smtClean="0"/>
-              <a:t>31-03-2024</a:t>
+              <a:t>14-05-2023</a:t>
             </a:fld>
             <a:endParaRPr lang="en-IN"/>
           </a:p>
@@ -7423,7 +8025,7 @@
           <a:p>
             <a:fld id="{3E8BDFD0-AD39-4648-A79A-DCE5751A1F34}" type="datetimeFigureOut">
               <a:rPr lang="en-IN" smtClean="0"/>
-              <a:t>31-03-2024</a:t>
+              <a:t>14-05-2023</a:t>
             </a:fld>
             <a:endParaRPr lang="en-IN"/>
           </a:p>
@@ -7736,7 +8338,7 @@
           <a:p>
             <a:fld id="{3E8BDFD0-AD39-4648-A79A-DCE5751A1F34}" type="datetimeFigureOut">
               <a:rPr lang="en-IN" smtClean="0"/>
-              <a:t>31-03-2024</a:t>
+              <a:t>14-05-2023</a:t>
             </a:fld>
             <a:endParaRPr lang="en-IN"/>
           </a:p>
@@ -8025,7 +8627,7 @@
           <a:p>
             <a:fld id="{3E8BDFD0-AD39-4648-A79A-DCE5751A1F34}" type="datetimeFigureOut">
               <a:rPr lang="en-IN" smtClean="0"/>
-              <a:t>31-03-2024</a:t>
+              <a:t>14-05-2023</a:t>
             </a:fld>
             <a:endParaRPr lang="en-IN"/>
           </a:p>
@@ -8268,7 +8870,7 @@
           <a:p>
             <a:fld id="{3E8BDFD0-AD39-4648-A79A-DCE5751A1F34}" type="datetimeFigureOut">
               <a:rPr lang="en-IN" smtClean="0"/>
-              <a:t>31-03-2024</a:t>
+              <a:t>14-05-2023</a:t>
             </a:fld>
             <a:endParaRPr lang="en-IN"/>
           </a:p>
@@ -10571,6 +11173,1744 @@
 </p:sld>
 </file>
 
+<file path=ppt/slides/slide11.xml><?xml version="1.0" encoding="utf-8"?>
+<p:sld xmlns:a="http://schemas.openxmlformats.org/drawingml/2006/main" xmlns:r="http://schemas.openxmlformats.org/officeDocument/2006/relationships" xmlns:p="http://schemas.openxmlformats.org/presentationml/2006/main">
+  <p:cSld>
+    <p:spTree>
+      <p:nvGrpSpPr>
+        <p:cNvPr id="1" name=""/>
+        <p:cNvGrpSpPr/>
+        <p:nvPr/>
+      </p:nvGrpSpPr>
+      <p:grpSpPr>
+        <a:xfrm>
+          <a:off x="0" y="0"/>
+          <a:ext cx="0" cy="0"/>
+          <a:chOff x="0" y="0"/>
+          <a:chExt cx="0" cy="0"/>
+        </a:xfrm>
+      </p:grpSpPr>
+      <p:sp>
+        <p:nvSpPr>
+          <p:cNvPr id="2" name="Title 1">
+            <a:extLst>
+              <a:ext uri="{FF2B5EF4-FFF2-40B4-BE49-F238E27FC236}">
+                <a16:creationId xmlns:a16="http://schemas.microsoft.com/office/drawing/2014/main" id="{01A6A8D5-5065-96B9-554B-771F01246460}"/>
+              </a:ext>
+            </a:extLst>
+          </p:cNvPr>
+          <p:cNvSpPr>
+            <a:spLocks noGrp="1"/>
+          </p:cNvSpPr>
+          <p:nvPr>
+            <p:ph type="ctrTitle"/>
+          </p:nvPr>
+        </p:nvSpPr>
+        <p:spPr/>
+        <p:txBody>
+          <a:bodyPr/>
+          <a:lstStyle/>
+          <a:p>
+            <a:r>
+              <a:rPr lang="en-US" dirty="0"/>
+              <a:t>Configure Web Apps</a:t>
+            </a:r>
+            <a:endParaRPr lang="en-IN" dirty="0"/>
+          </a:p>
+        </p:txBody>
+      </p:sp>
+      <p:sp>
+        <p:nvSpPr>
+          <p:cNvPr id="3" name="Subtitle 2">
+            <a:extLst>
+              <a:ext uri="{FF2B5EF4-FFF2-40B4-BE49-F238E27FC236}">
+                <a16:creationId xmlns:a16="http://schemas.microsoft.com/office/drawing/2014/main" id="{9BA60717-33A8-AA8C-375F-580D3BD71477}"/>
+              </a:ext>
+            </a:extLst>
+          </p:cNvPr>
+          <p:cNvSpPr>
+            <a:spLocks noGrp="1"/>
+          </p:cNvSpPr>
+          <p:nvPr>
+            <p:ph type="subTitle" idx="1"/>
+          </p:nvPr>
+        </p:nvSpPr>
+        <p:spPr/>
+        <p:txBody>
+          <a:bodyPr/>
+          <a:lstStyle/>
+          <a:p>
+            <a:endParaRPr lang="en-IN"/>
+          </a:p>
+        </p:txBody>
+      </p:sp>
+    </p:spTree>
+    <p:extLst>
+      <p:ext uri="{BB962C8B-B14F-4D97-AF65-F5344CB8AC3E}">
+        <p14:creationId xmlns:p14="http://schemas.microsoft.com/office/powerpoint/2010/main" val="3962899286"/>
+      </p:ext>
+    </p:extLst>
+  </p:cSld>
+  <p:clrMapOvr>
+    <a:masterClrMapping/>
+  </p:clrMapOvr>
+</p:sld>
+</file>
+
+<file path=ppt/slides/slide12.xml><?xml version="1.0" encoding="utf-8"?>
+<p:sld xmlns:a="http://schemas.openxmlformats.org/drawingml/2006/main" xmlns:r="http://schemas.openxmlformats.org/officeDocument/2006/relationships" xmlns:p="http://schemas.openxmlformats.org/presentationml/2006/main">
+  <p:cSld>
+    <p:spTree>
+      <p:nvGrpSpPr>
+        <p:cNvPr id="1" name=""/>
+        <p:cNvGrpSpPr/>
+        <p:nvPr/>
+      </p:nvGrpSpPr>
+      <p:grpSpPr>
+        <a:xfrm>
+          <a:off x="0" y="0"/>
+          <a:ext cx="0" cy="0"/>
+          <a:chOff x="0" y="0"/>
+          <a:chExt cx="0" cy="0"/>
+        </a:xfrm>
+      </p:grpSpPr>
+      <p:sp>
+        <p:nvSpPr>
+          <p:cNvPr id="2" name="Title 1">
+            <a:extLst>
+              <a:ext uri="{FF2B5EF4-FFF2-40B4-BE49-F238E27FC236}">
+                <a16:creationId xmlns:a16="http://schemas.microsoft.com/office/drawing/2014/main" id="{75DBB492-3EB4-FA29-7FFD-4B0D4AF4188A}"/>
+              </a:ext>
+            </a:extLst>
+          </p:cNvPr>
+          <p:cNvSpPr>
+            <a:spLocks noGrp="1"/>
+          </p:cNvSpPr>
+          <p:nvPr>
+            <p:ph type="title"/>
+          </p:nvPr>
+        </p:nvSpPr>
+        <p:spPr/>
+        <p:txBody>
+          <a:bodyPr/>
+          <a:lstStyle/>
+          <a:p>
+            <a:r>
+              <a:rPr lang="en-US" dirty="0"/>
+              <a:t>Configure Web Apps</a:t>
+            </a:r>
+            <a:endParaRPr lang="en-IN" dirty="0"/>
+          </a:p>
+        </p:txBody>
+      </p:sp>
+      <p:sp>
+        <p:nvSpPr>
+          <p:cNvPr id="3" name="Content Placeholder 2">
+            <a:extLst>
+              <a:ext uri="{FF2B5EF4-FFF2-40B4-BE49-F238E27FC236}">
+                <a16:creationId xmlns:a16="http://schemas.microsoft.com/office/drawing/2014/main" id="{EA03287B-CAA3-6B09-B0B9-030AFD5FC2AC}"/>
+              </a:ext>
+            </a:extLst>
+          </p:cNvPr>
+          <p:cNvSpPr>
+            <a:spLocks noGrp="1"/>
+          </p:cNvSpPr>
+          <p:nvPr>
+            <p:ph idx="1"/>
+          </p:nvPr>
+        </p:nvSpPr>
+        <p:spPr/>
+        <p:txBody>
+          <a:bodyPr/>
+          <a:lstStyle/>
+          <a:p>
+            <a:r>
+              <a:rPr lang="en-US" dirty="0"/>
+              <a:t>Application Settings</a:t>
+            </a:r>
+          </a:p>
+          <a:p>
+            <a:r>
+              <a:rPr lang="en-US" dirty="0"/>
+              <a:t>Connection Strings</a:t>
+            </a:r>
+          </a:p>
+          <a:p>
+            <a:r>
+              <a:rPr lang="en-US" dirty="0"/>
+              <a:t>General Settings</a:t>
+            </a:r>
+          </a:p>
+          <a:p>
+            <a:r>
+              <a:rPr lang="en-US" dirty="0"/>
+              <a:t>Default Documents</a:t>
+            </a:r>
+          </a:p>
+          <a:p>
+            <a:r>
+              <a:rPr lang="en-US" dirty="0"/>
+              <a:t>Path Mappings</a:t>
+            </a:r>
+          </a:p>
+        </p:txBody>
+      </p:sp>
+    </p:spTree>
+    <p:extLst>
+      <p:ext uri="{BB962C8B-B14F-4D97-AF65-F5344CB8AC3E}">
+        <p14:creationId xmlns:p14="http://schemas.microsoft.com/office/powerpoint/2010/main" val="651869192"/>
+      </p:ext>
+    </p:extLst>
+  </p:cSld>
+  <p:clrMapOvr>
+    <a:masterClrMapping/>
+  </p:clrMapOvr>
+</p:sld>
+</file>
+
+<file path=ppt/slides/slide13.xml><?xml version="1.0" encoding="utf-8"?>
+<p:sld xmlns:a="http://schemas.openxmlformats.org/drawingml/2006/main" xmlns:r="http://schemas.openxmlformats.org/officeDocument/2006/relationships" xmlns:p="http://schemas.openxmlformats.org/presentationml/2006/main">
+  <p:cSld>
+    <p:spTree>
+      <p:nvGrpSpPr>
+        <p:cNvPr id="1" name=""/>
+        <p:cNvGrpSpPr/>
+        <p:nvPr/>
+      </p:nvGrpSpPr>
+      <p:grpSpPr>
+        <a:xfrm>
+          <a:off x="0" y="0"/>
+          <a:ext cx="0" cy="0"/>
+          <a:chOff x="0" y="0"/>
+          <a:chExt cx="0" cy="0"/>
+        </a:xfrm>
+      </p:grpSpPr>
+      <p:sp>
+        <p:nvSpPr>
+          <p:cNvPr id="2" name="Title 1">
+            <a:extLst>
+              <a:ext uri="{FF2B5EF4-FFF2-40B4-BE49-F238E27FC236}">
+                <a16:creationId xmlns:a16="http://schemas.microsoft.com/office/drawing/2014/main" id="{8B6F2F75-AEE9-B25D-EC14-30E133B5C6ED}"/>
+              </a:ext>
+            </a:extLst>
+          </p:cNvPr>
+          <p:cNvSpPr>
+            <a:spLocks noGrp="1"/>
+          </p:cNvSpPr>
+          <p:nvPr>
+            <p:ph type="title"/>
+          </p:nvPr>
+        </p:nvSpPr>
+        <p:spPr/>
+        <p:txBody>
+          <a:bodyPr/>
+          <a:lstStyle/>
+          <a:p>
+            <a:r>
+              <a:rPr lang="en-US" dirty="0"/>
+              <a:t>Custom Domains</a:t>
+            </a:r>
+            <a:endParaRPr lang="en-IN" dirty="0"/>
+          </a:p>
+        </p:txBody>
+      </p:sp>
+      <p:sp>
+        <p:nvSpPr>
+          <p:cNvPr id="3" name="Content Placeholder 2">
+            <a:extLst>
+              <a:ext uri="{FF2B5EF4-FFF2-40B4-BE49-F238E27FC236}">
+                <a16:creationId xmlns:a16="http://schemas.microsoft.com/office/drawing/2014/main" id="{BD21A967-9090-2013-33EB-6894A771700A}"/>
+              </a:ext>
+            </a:extLst>
+          </p:cNvPr>
+          <p:cNvSpPr>
+            <a:spLocks noGrp="1"/>
+          </p:cNvSpPr>
+          <p:nvPr>
+            <p:ph idx="1"/>
+          </p:nvPr>
+        </p:nvSpPr>
+        <p:spPr/>
+        <p:txBody>
+          <a:bodyPr/>
+          <a:lstStyle/>
+          <a:p>
+            <a:r>
+              <a:rPr lang="en-US" dirty="0"/>
+              <a:t>Until now, the websites we have created have been a part of the sub site azurewebsites.net</a:t>
+            </a:r>
+          </a:p>
+          <a:p>
+            <a:r>
+              <a:rPr lang="en-US" dirty="0"/>
+              <a:t>You would not want your users to go to yourwebsite.azurewebsites.net</a:t>
+            </a:r>
+          </a:p>
+          <a:p>
+            <a:r>
+              <a:rPr lang="en-US" dirty="0"/>
+              <a:t>Configure custom domain is supported for the apps having shared or above service plans</a:t>
+            </a:r>
+            <a:endParaRPr lang="en-IN" dirty="0"/>
+          </a:p>
+        </p:txBody>
+      </p:sp>
+    </p:spTree>
+    <p:extLst>
+      <p:ext uri="{BB962C8B-B14F-4D97-AF65-F5344CB8AC3E}">
+        <p14:creationId xmlns:p14="http://schemas.microsoft.com/office/powerpoint/2010/main" val="1267820976"/>
+      </p:ext>
+    </p:extLst>
+  </p:cSld>
+  <p:clrMapOvr>
+    <a:masterClrMapping/>
+  </p:clrMapOvr>
+</p:sld>
+</file>
+
+<file path=ppt/slides/slide14.xml><?xml version="1.0" encoding="utf-8"?>
+<p:sld xmlns:a="http://schemas.openxmlformats.org/drawingml/2006/main" xmlns:r="http://schemas.openxmlformats.org/officeDocument/2006/relationships" xmlns:p="http://schemas.openxmlformats.org/presentationml/2006/main">
+  <p:cSld>
+    <p:spTree>
+      <p:nvGrpSpPr>
+        <p:cNvPr id="1" name=""/>
+        <p:cNvGrpSpPr/>
+        <p:nvPr/>
+      </p:nvGrpSpPr>
+      <p:grpSpPr>
+        <a:xfrm>
+          <a:off x="0" y="0"/>
+          <a:ext cx="0" cy="0"/>
+          <a:chOff x="0" y="0"/>
+          <a:chExt cx="0" cy="0"/>
+        </a:xfrm>
+      </p:grpSpPr>
+      <p:sp>
+        <p:nvSpPr>
+          <p:cNvPr id="2" name="Title 1">
+            <a:extLst>
+              <a:ext uri="{FF2B5EF4-FFF2-40B4-BE49-F238E27FC236}">
+                <a16:creationId xmlns:a16="http://schemas.microsoft.com/office/drawing/2014/main" id="{3A0F8AF7-59FA-D2E4-93E1-58B626F5C272}"/>
+              </a:ext>
+            </a:extLst>
+          </p:cNvPr>
+          <p:cNvSpPr>
+            <a:spLocks noGrp="1"/>
+          </p:cNvSpPr>
+          <p:nvPr>
+            <p:ph type="title"/>
+          </p:nvPr>
+        </p:nvSpPr>
+        <p:spPr/>
+        <p:txBody>
+          <a:bodyPr/>
+          <a:lstStyle/>
+          <a:p>
+            <a:r>
+              <a:rPr lang="en-US" dirty="0"/>
+              <a:t>DNS Records</a:t>
+            </a:r>
+            <a:endParaRPr lang="en-IN" dirty="0"/>
+          </a:p>
+        </p:txBody>
+      </p:sp>
+      <p:sp>
+        <p:nvSpPr>
+          <p:cNvPr id="3" name="Content Placeholder 2">
+            <a:extLst>
+              <a:ext uri="{FF2B5EF4-FFF2-40B4-BE49-F238E27FC236}">
+                <a16:creationId xmlns:a16="http://schemas.microsoft.com/office/drawing/2014/main" id="{65D3C6E6-B3B6-4F24-AA1A-AA62BA22FB94}"/>
+              </a:ext>
+            </a:extLst>
+          </p:cNvPr>
+          <p:cNvSpPr>
+            <a:spLocks noGrp="1"/>
+          </p:cNvSpPr>
+          <p:nvPr>
+            <p:ph idx="1"/>
+          </p:nvPr>
+        </p:nvSpPr>
+        <p:spPr/>
+        <p:txBody>
+          <a:bodyPr/>
+          <a:lstStyle/>
+          <a:p>
+            <a:r>
+              <a:rPr lang="en-US" dirty="0"/>
+              <a:t>DNS records can either be A record or CNAME record</a:t>
+            </a:r>
+          </a:p>
+          <a:p>
+            <a:r>
+              <a:rPr lang="en-US" dirty="0"/>
+              <a:t>An A record resolves domain to a specific IP Address</a:t>
+            </a:r>
+          </a:p>
+          <a:p>
+            <a:r>
+              <a:rPr lang="en-US" dirty="0"/>
+              <a:t>Azure needs you to configure a TXT record to verify domain ownership</a:t>
+            </a:r>
+            <a:endParaRPr lang="en-IN" dirty="0"/>
+          </a:p>
+        </p:txBody>
+      </p:sp>
+      <p:grpSp>
+        <p:nvGrpSpPr>
+          <p:cNvPr id="29" name="Group 28">
+            <a:extLst>
+              <a:ext uri="{FF2B5EF4-FFF2-40B4-BE49-F238E27FC236}">
+                <a16:creationId xmlns:a16="http://schemas.microsoft.com/office/drawing/2014/main" id="{5FE870A4-06D7-4783-301C-92F6EA65E2A4}"/>
+              </a:ext>
+            </a:extLst>
+          </p:cNvPr>
+          <p:cNvGrpSpPr/>
+          <p:nvPr/>
+        </p:nvGrpSpPr>
+        <p:grpSpPr>
+          <a:xfrm>
+            <a:off x="7998207" y="426641"/>
+            <a:ext cx="3066120" cy="1390680"/>
+            <a:chOff x="7998207" y="426641"/>
+            <a:chExt cx="3066120" cy="1390680"/>
+          </a:xfrm>
+        </p:grpSpPr>
+        <mc:AlternateContent xmlns:mc="http://schemas.openxmlformats.org/markup-compatibility/2006" xmlns:p14="http://schemas.microsoft.com/office/powerpoint/2010/main">
+          <mc:Choice Requires="p14">
+            <p:contentPart p14:bwMode="auto" r:id="rId2">
+              <p14:nvContentPartPr>
+                <p14:cNvPr id="4" name="Ink 3">
+                  <a:extLst>
+                    <a:ext uri="{FF2B5EF4-FFF2-40B4-BE49-F238E27FC236}">
+                      <a16:creationId xmlns:a16="http://schemas.microsoft.com/office/drawing/2014/main" id="{E3B28173-21AA-DC83-D7CD-99CC09F0A690}"/>
+                    </a:ext>
+                  </a:extLst>
+                </p14:cNvPr>
+                <p14:cNvContentPartPr/>
+                <p14:nvPr/>
+              </p14:nvContentPartPr>
+              <p14:xfrm>
+                <a:off x="7998207" y="563801"/>
+                <a:ext cx="168480" cy="434880"/>
+              </p14:xfrm>
+            </p:contentPart>
+          </mc:Choice>
+          <mc:Fallback xmlns="">
+            <p:pic>
+              <p:nvPicPr>
+                <p:cNvPr id="4" name="Ink 3">
+                  <a:extLst>
+                    <a:ext uri="{FF2B5EF4-FFF2-40B4-BE49-F238E27FC236}">
+                      <a16:creationId xmlns:a16="http://schemas.microsoft.com/office/drawing/2014/main" id="{E3B28173-21AA-DC83-D7CD-99CC09F0A690}"/>
+                    </a:ext>
+                  </a:extLst>
+                </p:cNvPr>
+                <p:cNvPicPr/>
+                <p:nvPr/>
+              </p:nvPicPr>
+              <p:blipFill>
+                <a:blip r:embed="rId3"/>
+                <a:stretch>
+                  <a:fillRect/>
+                </a:stretch>
+              </p:blipFill>
+              <p:spPr>
+                <a:xfrm>
+                  <a:off x="7989567" y="555161"/>
+                  <a:ext cx="186120" cy="452520"/>
+                </a:xfrm>
+                <a:prstGeom prst="rect">
+                  <a:avLst/>
+                </a:prstGeom>
+              </p:spPr>
+            </p:pic>
+          </mc:Fallback>
+        </mc:AlternateContent>
+        <mc:AlternateContent xmlns:mc="http://schemas.openxmlformats.org/markup-compatibility/2006" xmlns:p14="http://schemas.microsoft.com/office/powerpoint/2010/main">
+          <mc:Choice Requires="p14">
+            <p:contentPart p14:bwMode="auto" r:id="rId4">
+              <p14:nvContentPartPr>
+                <p14:cNvPr id="5" name="Ink 4">
+                  <a:extLst>
+                    <a:ext uri="{FF2B5EF4-FFF2-40B4-BE49-F238E27FC236}">
+                      <a16:creationId xmlns:a16="http://schemas.microsoft.com/office/drawing/2014/main" id="{2E584F00-47A5-FA2F-639C-6A40E9F1F6DC}"/>
+                    </a:ext>
+                  </a:extLst>
+                </p14:cNvPr>
+                <p14:cNvContentPartPr/>
+                <p14:nvPr/>
+              </p14:nvContentPartPr>
+              <p14:xfrm>
+                <a:off x="8171727" y="609881"/>
+                <a:ext cx="67320" cy="145800"/>
+              </p14:xfrm>
+            </p:contentPart>
+          </mc:Choice>
+          <mc:Fallback xmlns="">
+            <p:pic>
+              <p:nvPicPr>
+                <p:cNvPr id="5" name="Ink 4">
+                  <a:extLst>
+                    <a:ext uri="{FF2B5EF4-FFF2-40B4-BE49-F238E27FC236}">
+                      <a16:creationId xmlns:a16="http://schemas.microsoft.com/office/drawing/2014/main" id="{2E584F00-47A5-FA2F-639C-6A40E9F1F6DC}"/>
+                    </a:ext>
+                  </a:extLst>
+                </p:cNvPr>
+                <p:cNvPicPr/>
+                <p:nvPr/>
+              </p:nvPicPr>
+              <p:blipFill>
+                <a:blip r:embed="rId5"/>
+                <a:stretch>
+                  <a:fillRect/>
+                </a:stretch>
+              </p:blipFill>
+              <p:spPr>
+                <a:xfrm>
+                  <a:off x="8163087" y="601241"/>
+                  <a:ext cx="84960" cy="163440"/>
+                </a:xfrm>
+                <a:prstGeom prst="rect">
+                  <a:avLst/>
+                </a:prstGeom>
+              </p:spPr>
+            </p:pic>
+          </mc:Fallback>
+        </mc:AlternateContent>
+        <mc:AlternateContent xmlns:mc="http://schemas.openxmlformats.org/markup-compatibility/2006" xmlns:p14="http://schemas.microsoft.com/office/powerpoint/2010/main">
+          <mc:Choice Requires="p14">
+            <p:contentPart p14:bwMode="auto" r:id="rId6">
+              <p14:nvContentPartPr>
+                <p14:cNvPr id="6" name="Ink 5">
+                  <a:extLst>
+                    <a:ext uri="{FF2B5EF4-FFF2-40B4-BE49-F238E27FC236}">
+                      <a16:creationId xmlns:a16="http://schemas.microsoft.com/office/drawing/2014/main" id="{C4589ED3-4C09-6A0E-DEE1-C862568F174F}"/>
+                    </a:ext>
+                  </a:extLst>
+                </p14:cNvPr>
+                <p14:cNvContentPartPr/>
+                <p14:nvPr/>
+              </p14:nvContentPartPr>
+              <p14:xfrm>
+                <a:off x="8272887" y="616001"/>
+                <a:ext cx="75600" cy="74520"/>
+              </p14:xfrm>
+            </p:contentPart>
+          </mc:Choice>
+          <mc:Fallback xmlns="">
+            <p:pic>
+              <p:nvPicPr>
+                <p:cNvPr id="6" name="Ink 5">
+                  <a:extLst>
+                    <a:ext uri="{FF2B5EF4-FFF2-40B4-BE49-F238E27FC236}">
+                      <a16:creationId xmlns:a16="http://schemas.microsoft.com/office/drawing/2014/main" id="{C4589ED3-4C09-6A0E-DEE1-C862568F174F}"/>
+                    </a:ext>
+                  </a:extLst>
+                </p:cNvPr>
+                <p:cNvPicPr/>
+                <p:nvPr/>
+              </p:nvPicPr>
+              <p:blipFill>
+                <a:blip r:embed="rId7"/>
+                <a:stretch>
+                  <a:fillRect/>
+                </a:stretch>
+              </p:blipFill>
+              <p:spPr>
+                <a:xfrm>
+                  <a:off x="8263887" y="607001"/>
+                  <a:ext cx="93240" cy="92160"/>
+                </a:xfrm>
+                <a:prstGeom prst="rect">
+                  <a:avLst/>
+                </a:prstGeom>
+              </p:spPr>
+            </p:pic>
+          </mc:Fallback>
+        </mc:AlternateContent>
+        <mc:AlternateContent xmlns:mc="http://schemas.openxmlformats.org/markup-compatibility/2006" xmlns:p14="http://schemas.microsoft.com/office/powerpoint/2010/main">
+          <mc:Choice Requires="p14">
+            <p:contentPart p14:bwMode="auto" r:id="rId8">
+              <p14:nvContentPartPr>
+                <p14:cNvPr id="7" name="Ink 6">
+                  <a:extLst>
+                    <a:ext uri="{FF2B5EF4-FFF2-40B4-BE49-F238E27FC236}">
+                      <a16:creationId xmlns:a16="http://schemas.microsoft.com/office/drawing/2014/main" id="{F89301FA-ECE5-A920-BFEA-C8335DE823F5}"/>
+                    </a:ext>
+                  </a:extLst>
+                </p14:cNvPr>
+                <p14:cNvContentPartPr/>
+                <p14:nvPr/>
+              </p14:nvContentPartPr>
+              <p14:xfrm>
+                <a:off x="8397807" y="426641"/>
+                <a:ext cx="220680" cy="498960"/>
+              </p14:xfrm>
+            </p:contentPart>
+          </mc:Choice>
+          <mc:Fallback xmlns="">
+            <p:pic>
+              <p:nvPicPr>
+                <p:cNvPr id="7" name="Ink 6">
+                  <a:extLst>
+                    <a:ext uri="{FF2B5EF4-FFF2-40B4-BE49-F238E27FC236}">
+                      <a16:creationId xmlns:a16="http://schemas.microsoft.com/office/drawing/2014/main" id="{F89301FA-ECE5-A920-BFEA-C8335DE823F5}"/>
+                    </a:ext>
+                  </a:extLst>
+                </p:cNvPr>
+                <p:cNvPicPr/>
+                <p:nvPr/>
+              </p:nvPicPr>
+              <p:blipFill>
+                <a:blip r:embed="rId9"/>
+                <a:stretch>
+                  <a:fillRect/>
+                </a:stretch>
+              </p:blipFill>
+              <p:spPr>
+                <a:xfrm>
+                  <a:off x="8389167" y="417641"/>
+                  <a:ext cx="238320" cy="516600"/>
+                </a:xfrm>
+                <a:prstGeom prst="rect">
+                  <a:avLst/>
+                </a:prstGeom>
+              </p:spPr>
+            </p:pic>
+          </mc:Fallback>
+        </mc:AlternateContent>
+        <mc:AlternateContent xmlns:mc="http://schemas.openxmlformats.org/markup-compatibility/2006" xmlns:p14="http://schemas.microsoft.com/office/powerpoint/2010/main">
+          <mc:Choice Requires="p14">
+            <p:contentPart p14:bwMode="auto" r:id="rId10">
+              <p14:nvContentPartPr>
+                <p14:cNvPr id="8" name="Ink 7">
+                  <a:extLst>
+                    <a:ext uri="{FF2B5EF4-FFF2-40B4-BE49-F238E27FC236}">
+                      <a16:creationId xmlns:a16="http://schemas.microsoft.com/office/drawing/2014/main" id="{326AA165-5A57-F579-5F45-AB4EB37DB038}"/>
+                    </a:ext>
+                  </a:extLst>
+                </p14:cNvPr>
+                <p14:cNvContentPartPr/>
+                <p14:nvPr/>
+              </p14:nvContentPartPr>
+              <p14:xfrm>
+                <a:off x="8626407" y="520241"/>
+                <a:ext cx="202680" cy="172800"/>
+              </p14:xfrm>
+            </p:contentPart>
+          </mc:Choice>
+          <mc:Fallback xmlns="">
+            <p:pic>
+              <p:nvPicPr>
+                <p:cNvPr id="8" name="Ink 7">
+                  <a:extLst>
+                    <a:ext uri="{FF2B5EF4-FFF2-40B4-BE49-F238E27FC236}">
+                      <a16:creationId xmlns:a16="http://schemas.microsoft.com/office/drawing/2014/main" id="{326AA165-5A57-F579-5F45-AB4EB37DB038}"/>
+                    </a:ext>
+                  </a:extLst>
+                </p:cNvPr>
+                <p:cNvPicPr/>
+                <p:nvPr/>
+              </p:nvPicPr>
+              <p:blipFill>
+                <a:blip r:embed="rId11"/>
+                <a:stretch>
+                  <a:fillRect/>
+                </a:stretch>
+              </p:blipFill>
+              <p:spPr>
+                <a:xfrm>
+                  <a:off x="8617767" y="511241"/>
+                  <a:ext cx="220320" cy="190440"/>
+                </a:xfrm>
+                <a:prstGeom prst="rect">
+                  <a:avLst/>
+                </a:prstGeom>
+              </p:spPr>
+            </p:pic>
+          </mc:Fallback>
+        </mc:AlternateContent>
+        <mc:AlternateContent xmlns:mc="http://schemas.openxmlformats.org/markup-compatibility/2006" xmlns:p14="http://schemas.microsoft.com/office/powerpoint/2010/main">
+          <mc:Choice Requires="p14">
+            <p:contentPart p14:bwMode="auto" r:id="rId12">
+              <p14:nvContentPartPr>
+                <p14:cNvPr id="9" name="Ink 8">
+                  <a:extLst>
+                    <a:ext uri="{FF2B5EF4-FFF2-40B4-BE49-F238E27FC236}">
+                      <a16:creationId xmlns:a16="http://schemas.microsoft.com/office/drawing/2014/main" id="{8EB2647A-9F4A-2896-B847-1E1B233E9CEA}"/>
+                    </a:ext>
+                  </a:extLst>
+                </p14:cNvPr>
+                <p14:cNvContentPartPr/>
+                <p14:nvPr/>
+              </p14:nvContentPartPr>
+              <p14:xfrm>
+                <a:off x="8874447" y="622841"/>
+                <a:ext cx="11520" cy="29520"/>
+              </p14:xfrm>
+            </p:contentPart>
+          </mc:Choice>
+          <mc:Fallback xmlns="">
+            <p:pic>
+              <p:nvPicPr>
+                <p:cNvPr id="9" name="Ink 8">
+                  <a:extLst>
+                    <a:ext uri="{FF2B5EF4-FFF2-40B4-BE49-F238E27FC236}">
+                      <a16:creationId xmlns:a16="http://schemas.microsoft.com/office/drawing/2014/main" id="{8EB2647A-9F4A-2896-B847-1E1B233E9CEA}"/>
+                    </a:ext>
+                  </a:extLst>
+                </p:cNvPr>
+                <p:cNvPicPr/>
+                <p:nvPr/>
+              </p:nvPicPr>
+              <p:blipFill>
+                <a:blip r:embed="rId13"/>
+                <a:stretch>
+                  <a:fillRect/>
+                </a:stretch>
+              </p:blipFill>
+              <p:spPr>
+                <a:xfrm>
+                  <a:off x="8865447" y="614201"/>
+                  <a:ext cx="29160" cy="47160"/>
+                </a:xfrm>
+                <a:prstGeom prst="rect">
+                  <a:avLst/>
+                </a:prstGeom>
+              </p:spPr>
+            </p:pic>
+          </mc:Fallback>
+        </mc:AlternateContent>
+        <mc:AlternateContent xmlns:mc="http://schemas.openxmlformats.org/markup-compatibility/2006" xmlns:p14="http://schemas.microsoft.com/office/powerpoint/2010/main">
+          <mc:Choice Requires="p14">
+            <p:contentPart p14:bwMode="auto" r:id="rId14">
+              <p14:nvContentPartPr>
+                <p14:cNvPr id="10" name="Ink 9">
+                  <a:extLst>
+                    <a:ext uri="{FF2B5EF4-FFF2-40B4-BE49-F238E27FC236}">
+                      <a16:creationId xmlns:a16="http://schemas.microsoft.com/office/drawing/2014/main" id="{8DFCAC96-ABC3-B361-2E68-C140CF6F00D8}"/>
+                    </a:ext>
+                  </a:extLst>
+                </p14:cNvPr>
+                <p14:cNvContentPartPr/>
+                <p14:nvPr/>
+              </p14:nvContentPartPr>
+              <p14:xfrm>
+                <a:off x="8997927" y="505841"/>
+                <a:ext cx="107280" cy="162000"/>
+              </p14:xfrm>
+            </p:contentPart>
+          </mc:Choice>
+          <mc:Fallback xmlns="">
+            <p:pic>
+              <p:nvPicPr>
+                <p:cNvPr id="10" name="Ink 9">
+                  <a:extLst>
+                    <a:ext uri="{FF2B5EF4-FFF2-40B4-BE49-F238E27FC236}">
+                      <a16:creationId xmlns:a16="http://schemas.microsoft.com/office/drawing/2014/main" id="{8DFCAC96-ABC3-B361-2E68-C140CF6F00D8}"/>
+                    </a:ext>
+                  </a:extLst>
+                </p:cNvPr>
+                <p:cNvPicPr/>
+                <p:nvPr/>
+              </p:nvPicPr>
+              <p:blipFill>
+                <a:blip r:embed="rId15"/>
+                <a:stretch>
+                  <a:fillRect/>
+                </a:stretch>
+              </p:blipFill>
+              <p:spPr>
+                <a:xfrm>
+                  <a:off x="8989287" y="496841"/>
+                  <a:ext cx="124920" cy="179640"/>
+                </a:xfrm>
+                <a:prstGeom prst="rect">
+                  <a:avLst/>
+                </a:prstGeom>
+              </p:spPr>
+            </p:pic>
+          </mc:Fallback>
+        </mc:AlternateContent>
+        <mc:AlternateContent xmlns:mc="http://schemas.openxmlformats.org/markup-compatibility/2006" xmlns:p14="http://schemas.microsoft.com/office/powerpoint/2010/main">
+          <mc:Choice Requires="p14">
+            <p:contentPart p14:bwMode="auto" r:id="rId16">
+              <p14:nvContentPartPr>
+                <p14:cNvPr id="11" name="Ink 10">
+                  <a:extLst>
+                    <a:ext uri="{FF2B5EF4-FFF2-40B4-BE49-F238E27FC236}">
+                      <a16:creationId xmlns:a16="http://schemas.microsoft.com/office/drawing/2014/main" id="{19051A16-374A-46DC-88E2-7872F532F716}"/>
+                    </a:ext>
+                  </a:extLst>
+                </p14:cNvPr>
+                <p14:cNvContentPartPr/>
+                <p14:nvPr/>
+              </p14:nvContentPartPr>
+              <p14:xfrm>
+                <a:off x="9129327" y="539321"/>
+                <a:ext cx="98280" cy="100440"/>
+              </p14:xfrm>
+            </p:contentPart>
+          </mc:Choice>
+          <mc:Fallback xmlns="">
+            <p:pic>
+              <p:nvPicPr>
+                <p:cNvPr id="11" name="Ink 10">
+                  <a:extLst>
+                    <a:ext uri="{FF2B5EF4-FFF2-40B4-BE49-F238E27FC236}">
+                      <a16:creationId xmlns:a16="http://schemas.microsoft.com/office/drawing/2014/main" id="{19051A16-374A-46DC-88E2-7872F532F716}"/>
+                    </a:ext>
+                  </a:extLst>
+                </p:cNvPr>
+                <p:cNvPicPr/>
+                <p:nvPr/>
+              </p:nvPicPr>
+              <p:blipFill>
+                <a:blip r:embed="rId17"/>
+                <a:stretch>
+                  <a:fillRect/>
+                </a:stretch>
+              </p:blipFill>
+              <p:spPr>
+                <a:xfrm>
+                  <a:off x="9120687" y="530321"/>
+                  <a:ext cx="115920" cy="118080"/>
+                </a:xfrm>
+                <a:prstGeom prst="rect">
+                  <a:avLst/>
+                </a:prstGeom>
+              </p:spPr>
+            </p:pic>
+          </mc:Fallback>
+        </mc:AlternateContent>
+        <mc:AlternateContent xmlns:mc="http://schemas.openxmlformats.org/markup-compatibility/2006" xmlns:p14="http://schemas.microsoft.com/office/powerpoint/2010/main">
+          <mc:Choice Requires="p14">
+            <p:contentPart p14:bwMode="auto" r:id="rId18">
+              <p14:nvContentPartPr>
+                <p14:cNvPr id="12" name="Ink 11">
+                  <a:extLst>
+                    <a:ext uri="{FF2B5EF4-FFF2-40B4-BE49-F238E27FC236}">
+                      <a16:creationId xmlns:a16="http://schemas.microsoft.com/office/drawing/2014/main" id="{BFCA9990-6168-177F-9CD2-A20446A4F16A}"/>
+                    </a:ext>
+                  </a:extLst>
+                </p14:cNvPr>
+                <p14:cNvContentPartPr/>
+                <p14:nvPr/>
+              </p14:nvContentPartPr>
+              <p14:xfrm>
+                <a:off x="9357207" y="504041"/>
+                <a:ext cx="256680" cy="113400"/>
+              </p14:xfrm>
+            </p:contentPart>
+          </mc:Choice>
+          <mc:Fallback xmlns="">
+            <p:pic>
+              <p:nvPicPr>
+                <p:cNvPr id="12" name="Ink 11">
+                  <a:extLst>
+                    <a:ext uri="{FF2B5EF4-FFF2-40B4-BE49-F238E27FC236}">
+                      <a16:creationId xmlns:a16="http://schemas.microsoft.com/office/drawing/2014/main" id="{BFCA9990-6168-177F-9CD2-A20446A4F16A}"/>
+                    </a:ext>
+                  </a:extLst>
+                </p:cNvPr>
+                <p:cNvPicPr/>
+                <p:nvPr/>
+              </p:nvPicPr>
+              <p:blipFill>
+                <a:blip r:embed="rId19"/>
+                <a:stretch>
+                  <a:fillRect/>
+                </a:stretch>
+              </p:blipFill>
+              <p:spPr>
+                <a:xfrm>
+                  <a:off x="9348207" y="495401"/>
+                  <a:ext cx="274320" cy="131040"/>
+                </a:xfrm>
+                <a:prstGeom prst="rect">
+                  <a:avLst/>
+                </a:prstGeom>
+              </p:spPr>
+            </p:pic>
+          </mc:Fallback>
+        </mc:AlternateContent>
+        <mc:AlternateContent xmlns:mc="http://schemas.openxmlformats.org/markup-compatibility/2006" xmlns:p14="http://schemas.microsoft.com/office/powerpoint/2010/main">
+          <mc:Choice Requires="p14">
+            <p:contentPart p14:bwMode="auto" r:id="rId20">
+              <p14:nvContentPartPr>
+                <p14:cNvPr id="13" name="Ink 12">
+                  <a:extLst>
+                    <a:ext uri="{FF2B5EF4-FFF2-40B4-BE49-F238E27FC236}">
+                      <a16:creationId xmlns:a16="http://schemas.microsoft.com/office/drawing/2014/main" id="{0CB34D43-58B2-6FCE-FF2E-E6735F2BA348}"/>
+                    </a:ext>
+                  </a:extLst>
+                </p14:cNvPr>
+                <p14:cNvContentPartPr/>
+                <p14:nvPr/>
+              </p14:nvContentPartPr>
+              <p14:xfrm>
+                <a:off x="8594727" y="1268321"/>
+                <a:ext cx="60120" cy="208800"/>
+              </p14:xfrm>
+            </p:contentPart>
+          </mc:Choice>
+          <mc:Fallback xmlns="">
+            <p:pic>
+              <p:nvPicPr>
+                <p:cNvPr id="13" name="Ink 12">
+                  <a:extLst>
+                    <a:ext uri="{FF2B5EF4-FFF2-40B4-BE49-F238E27FC236}">
+                      <a16:creationId xmlns:a16="http://schemas.microsoft.com/office/drawing/2014/main" id="{0CB34D43-58B2-6FCE-FF2E-E6735F2BA348}"/>
+                    </a:ext>
+                  </a:extLst>
+                </p:cNvPr>
+                <p:cNvPicPr/>
+                <p:nvPr/>
+              </p:nvPicPr>
+              <p:blipFill>
+                <a:blip r:embed="rId21"/>
+                <a:stretch>
+                  <a:fillRect/>
+                </a:stretch>
+              </p:blipFill>
+              <p:spPr>
+                <a:xfrm>
+                  <a:off x="8586087" y="1259321"/>
+                  <a:ext cx="77760" cy="226440"/>
+                </a:xfrm>
+                <a:prstGeom prst="rect">
+                  <a:avLst/>
+                </a:prstGeom>
+              </p:spPr>
+            </p:pic>
+          </mc:Fallback>
+        </mc:AlternateContent>
+        <mc:AlternateContent xmlns:mc="http://schemas.openxmlformats.org/markup-compatibility/2006" xmlns:p14="http://schemas.microsoft.com/office/powerpoint/2010/main">
+          <mc:Choice Requires="p14">
+            <p:contentPart p14:bwMode="auto" r:id="rId22">
+              <p14:nvContentPartPr>
+                <p14:cNvPr id="14" name="Ink 13">
+                  <a:extLst>
+                    <a:ext uri="{FF2B5EF4-FFF2-40B4-BE49-F238E27FC236}">
+                      <a16:creationId xmlns:a16="http://schemas.microsoft.com/office/drawing/2014/main" id="{C2E14AC1-0F66-FE8A-134B-B033D7F24C15}"/>
+                    </a:ext>
+                  </a:extLst>
+                </p14:cNvPr>
+                <p14:cNvContentPartPr/>
+                <p14:nvPr/>
+              </p14:nvContentPartPr>
+              <p14:xfrm>
+                <a:off x="8716047" y="1154561"/>
+                <a:ext cx="177120" cy="246600"/>
+              </p14:xfrm>
+            </p:contentPart>
+          </mc:Choice>
+          <mc:Fallback xmlns="">
+            <p:pic>
+              <p:nvPicPr>
+                <p:cNvPr id="14" name="Ink 13">
+                  <a:extLst>
+                    <a:ext uri="{FF2B5EF4-FFF2-40B4-BE49-F238E27FC236}">
+                      <a16:creationId xmlns:a16="http://schemas.microsoft.com/office/drawing/2014/main" id="{C2E14AC1-0F66-FE8A-134B-B033D7F24C15}"/>
+                    </a:ext>
+                  </a:extLst>
+                </p:cNvPr>
+                <p:cNvPicPr/>
+                <p:nvPr/>
+              </p:nvPicPr>
+              <p:blipFill>
+                <a:blip r:embed="rId23"/>
+                <a:stretch>
+                  <a:fillRect/>
+                </a:stretch>
+              </p:blipFill>
+              <p:spPr>
+                <a:xfrm>
+                  <a:off x="8707407" y="1145921"/>
+                  <a:ext cx="194760" cy="264240"/>
+                </a:xfrm>
+                <a:prstGeom prst="rect">
+                  <a:avLst/>
+                </a:prstGeom>
+              </p:spPr>
+            </p:pic>
+          </mc:Fallback>
+        </mc:AlternateContent>
+        <mc:AlternateContent xmlns:mc="http://schemas.openxmlformats.org/markup-compatibility/2006" xmlns:p14="http://schemas.microsoft.com/office/powerpoint/2010/main">
+          <mc:Choice Requires="p14">
+            <p:contentPart p14:bwMode="auto" r:id="rId24">
+              <p14:nvContentPartPr>
+                <p14:cNvPr id="15" name="Ink 14">
+                  <a:extLst>
+                    <a:ext uri="{FF2B5EF4-FFF2-40B4-BE49-F238E27FC236}">
+                      <a16:creationId xmlns:a16="http://schemas.microsoft.com/office/drawing/2014/main" id="{2FDBB020-C08D-3892-1F69-ED0D3A632323}"/>
+                    </a:ext>
+                  </a:extLst>
+                </p14:cNvPr>
+                <p14:cNvContentPartPr/>
+                <p14:nvPr/>
+              </p14:nvContentPartPr>
+              <p14:xfrm>
+                <a:off x="8975967" y="1139081"/>
+                <a:ext cx="138240" cy="277200"/>
+              </p14:xfrm>
+            </p:contentPart>
+          </mc:Choice>
+          <mc:Fallback xmlns="">
+            <p:pic>
+              <p:nvPicPr>
+                <p:cNvPr id="15" name="Ink 14">
+                  <a:extLst>
+                    <a:ext uri="{FF2B5EF4-FFF2-40B4-BE49-F238E27FC236}">
+                      <a16:creationId xmlns:a16="http://schemas.microsoft.com/office/drawing/2014/main" id="{2FDBB020-C08D-3892-1F69-ED0D3A632323}"/>
+                    </a:ext>
+                  </a:extLst>
+                </p:cNvPr>
+                <p:cNvPicPr/>
+                <p:nvPr/>
+              </p:nvPicPr>
+              <p:blipFill>
+                <a:blip r:embed="rId25"/>
+                <a:stretch>
+                  <a:fillRect/>
+                </a:stretch>
+              </p:blipFill>
+              <p:spPr>
+                <a:xfrm>
+                  <a:off x="8967327" y="1130441"/>
+                  <a:ext cx="155880" cy="294840"/>
+                </a:xfrm>
+                <a:prstGeom prst="rect">
+                  <a:avLst/>
+                </a:prstGeom>
+              </p:spPr>
+            </p:pic>
+          </mc:Fallback>
+        </mc:AlternateContent>
+        <mc:AlternateContent xmlns:mc="http://schemas.openxmlformats.org/markup-compatibility/2006" xmlns:p14="http://schemas.microsoft.com/office/powerpoint/2010/main">
+          <mc:Choice Requires="p14">
+            <p:contentPart p14:bwMode="auto" r:id="rId26">
+              <p14:nvContentPartPr>
+                <p14:cNvPr id="16" name="Ink 15">
+                  <a:extLst>
+                    <a:ext uri="{FF2B5EF4-FFF2-40B4-BE49-F238E27FC236}">
+                      <a16:creationId xmlns:a16="http://schemas.microsoft.com/office/drawing/2014/main" id="{7AC3536B-551B-5E16-D796-AEF56E7B1DB9}"/>
+                    </a:ext>
+                  </a:extLst>
+                </p14:cNvPr>
+                <p14:cNvContentPartPr/>
+                <p14:nvPr/>
+              </p14:nvContentPartPr>
+              <p14:xfrm>
+                <a:off x="9257487" y="1118921"/>
+                <a:ext cx="104040" cy="250920"/>
+              </p14:xfrm>
+            </p:contentPart>
+          </mc:Choice>
+          <mc:Fallback xmlns="">
+            <p:pic>
+              <p:nvPicPr>
+                <p:cNvPr id="16" name="Ink 15">
+                  <a:extLst>
+                    <a:ext uri="{FF2B5EF4-FFF2-40B4-BE49-F238E27FC236}">
+                      <a16:creationId xmlns:a16="http://schemas.microsoft.com/office/drawing/2014/main" id="{7AC3536B-551B-5E16-D796-AEF56E7B1DB9}"/>
+                    </a:ext>
+                  </a:extLst>
+                </p:cNvPr>
+                <p:cNvPicPr/>
+                <p:nvPr/>
+              </p:nvPicPr>
+              <p:blipFill>
+                <a:blip r:embed="rId27"/>
+                <a:stretch>
+                  <a:fillRect/>
+                </a:stretch>
+              </p:blipFill>
+              <p:spPr>
+                <a:xfrm>
+                  <a:off x="9248487" y="1109921"/>
+                  <a:ext cx="121680" cy="268560"/>
+                </a:xfrm>
+                <a:prstGeom prst="rect">
+                  <a:avLst/>
+                </a:prstGeom>
+              </p:spPr>
+            </p:pic>
+          </mc:Fallback>
+        </mc:AlternateContent>
+        <mc:AlternateContent xmlns:mc="http://schemas.openxmlformats.org/markup-compatibility/2006" xmlns:p14="http://schemas.microsoft.com/office/powerpoint/2010/main">
+          <mc:Choice Requires="p14">
+            <p:contentPart p14:bwMode="auto" r:id="rId28">
+              <p14:nvContentPartPr>
+                <p14:cNvPr id="17" name="Ink 16">
+                  <a:extLst>
+                    <a:ext uri="{FF2B5EF4-FFF2-40B4-BE49-F238E27FC236}">
+                      <a16:creationId xmlns:a16="http://schemas.microsoft.com/office/drawing/2014/main" id="{AED9F771-7561-1D4A-3926-07EA0D742AD7}"/>
+                    </a:ext>
+                  </a:extLst>
+                </p14:cNvPr>
+                <p14:cNvContentPartPr/>
+                <p14:nvPr/>
+              </p14:nvContentPartPr>
+              <p14:xfrm>
+                <a:off x="9472407" y="956201"/>
+                <a:ext cx="140760" cy="344160"/>
+              </p14:xfrm>
+            </p:contentPart>
+          </mc:Choice>
+          <mc:Fallback xmlns="">
+            <p:pic>
+              <p:nvPicPr>
+                <p:cNvPr id="17" name="Ink 16">
+                  <a:extLst>
+                    <a:ext uri="{FF2B5EF4-FFF2-40B4-BE49-F238E27FC236}">
+                      <a16:creationId xmlns:a16="http://schemas.microsoft.com/office/drawing/2014/main" id="{AED9F771-7561-1D4A-3926-07EA0D742AD7}"/>
+                    </a:ext>
+                  </a:extLst>
+                </p:cNvPr>
+                <p:cNvPicPr/>
+                <p:nvPr/>
+              </p:nvPicPr>
+              <p:blipFill>
+                <a:blip r:embed="rId29"/>
+                <a:stretch>
+                  <a:fillRect/>
+                </a:stretch>
+              </p:blipFill>
+              <p:spPr>
+                <a:xfrm>
+                  <a:off x="9463767" y="947561"/>
+                  <a:ext cx="158400" cy="361800"/>
+                </a:xfrm>
+                <a:prstGeom prst="rect">
+                  <a:avLst/>
+                </a:prstGeom>
+              </p:spPr>
+            </p:pic>
+          </mc:Fallback>
+        </mc:AlternateContent>
+        <mc:AlternateContent xmlns:mc="http://schemas.openxmlformats.org/markup-compatibility/2006" xmlns:p14="http://schemas.microsoft.com/office/powerpoint/2010/main">
+          <mc:Choice Requires="p14">
+            <p:contentPart p14:bwMode="auto" r:id="rId30">
+              <p14:nvContentPartPr>
+                <p14:cNvPr id="18" name="Ink 17">
+                  <a:extLst>
+                    <a:ext uri="{FF2B5EF4-FFF2-40B4-BE49-F238E27FC236}">
+                      <a16:creationId xmlns:a16="http://schemas.microsoft.com/office/drawing/2014/main" id="{3A72EFE8-3361-1A1F-EBEC-649D1E99EB7F}"/>
+                    </a:ext>
+                  </a:extLst>
+                </p14:cNvPr>
+                <p14:cNvContentPartPr/>
+                <p14:nvPr/>
+              </p14:nvContentPartPr>
+              <p14:xfrm>
+                <a:off x="9652047" y="1020281"/>
+                <a:ext cx="229320" cy="300960"/>
+              </p14:xfrm>
+            </p:contentPart>
+          </mc:Choice>
+          <mc:Fallback xmlns="">
+            <p:pic>
+              <p:nvPicPr>
+                <p:cNvPr id="18" name="Ink 17">
+                  <a:extLst>
+                    <a:ext uri="{FF2B5EF4-FFF2-40B4-BE49-F238E27FC236}">
+                      <a16:creationId xmlns:a16="http://schemas.microsoft.com/office/drawing/2014/main" id="{3A72EFE8-3361-1A1F-EBEC-649D1E99EB7F}"/>
+                    </a:ext>
+                  </a:extLst>
+                </p:cNvPr>
+                <p:cNvPicPr/>
+                <p:nvPr/>
+              </p:nvPicPr>
+              <p:blipFill>
+                <a:blip r:embed="rId31"/>
+                <a:stretch>
+                  <a:fillRect/>
+                </a:stretch>
+              </p:blipFill>
+              <p:spPr>
+                <a:xfrm>
+                  <a:off x="9643407" y="1011641"/>
+                  <a:ext cx="246960" cy="318600"/>
+                </a:xfrm>
+                <a:prstGeom prst="rect">
+                  <a:avLst/>
+                </a:prstGeom>
+              </p:spPr>
+            </p:pic>
+          </mc:Fallback>
+        </mc:AlternateContent>
+        <mc:AlternateContent xmlns:mc="http://schemas.openxmlformats.org/markup-compatibility/2006" xmlns:p14="http://schemas.microsoft.com/office/powerpoint/2010/main">
+          <mc:Choice Requires="p14">
+            <p:contentPart p14:bwMode="auto" r:id="rId32">
+              <p14:nvContentPartPr>
+                <p14:cNvPr id="19" name="Ink 18">
+                  <a:extLst>
+                    <a:ext uri="{FF2B5EF4-FFF2-40B4-BE49-F238E27FC236}">
+                      <a16:creationId xmlns:a16="http://schemas.microsoft.com/office/drawing/2014/main" id="{1C3DF6D7-F794-7BEB-D6E9-74EDEDA858B9}"/>
+                    </a:ext>
+                  </a:extLst>
+                </p14:cNvPr>
+                <p14:cNvContentPartPr/>
+                <p14:nvPr/>
+              </p14:nvContentPartPr>
+              <p14:xfrm>
+                <a:off x="9922047" y="970241"/>
+                <a:ext cx="209880" cy="282600"/>
+              </p14:xfrm>
+            </p:contentPart>
+          </mc:Choice>
+          <mc:Fallback xmlns="">
+            <p:pic>
+              <p:nvPicPr>
+                <p:cNvPr id="19" name="Ink 18">
+                  <a:extLst>
+                    <a:ext uri="{FF2B5EF4-FFF2-40B4-BE49-F238E27FC236}">
+                      <a16:creationId xmlns:a16="http://schemas.microsoft.com/office/drawing/2014/main" id="{1C3DF6D7-F794-7BEB-D6E9-74EDEDA858B9}"/>
+                    </a:ext>
+                  </a:extLst>
+                </p:cNvPr>
+                <p:cNvPicPr/>
+                <p:nvPr/>
+              </p:nvPicPr>
+              <p:blipFill>
+                <a:blip r:embed="rId33"/>
+                <a:stretch>
+                  <a:fillRect/>
+                </a:stretch>
+              </p:blipFill>
+              <p:spPr>
+                <a:xfrm>
+                  <a:off x="9913407" y="961601"/>
+                  <a:ext cx="227520" cy="300240"/>
+                </a:xfrm>
+                <a:prstGeom prst="rect">
+                  <a:avLst/>
+                </a:prstGeom>
+              </p:spPr>
+            </p:pic>
+          </mc:Fallback>
+        </mc:AlternateContent>
+        <mc:AlternateContent xmlns:mc="http://schemas.openxmlformats.org/markup-compatibility/2006" xmlns:p14="http://schemas.microsoft.com/office/powerpoint/2010/main">
+          <mc:Choice Requires="p14">
+            <p:contentPart p14:bwMode="auto" r:id="rId34">
+              <p14:nvContentPartPr>
+                <p14:cNvPr id="20" name="Ink 19">
+                  <a:extLst>
+                    <a:ext uri="{FF2B5EF4-FFF2-40B4-BE49-F238E27FC236}">
+                      <a16:creationId xmlns:a16="http://schemas.microsoft.com/office/drawing/2014/main" id="{9C611DEA-515B-960E-AA01-B5EE2FA0EF94}"/>
+                    </a:ext>
+                  </a:extLst>
+                </p14:cNvPr>
+                <p14:cNvContentPartPr/>
+                <p14:nvPr/>
+              </p14:nvContentPartPr>
+              <p14:xfrm>
+                <a:off x="10238487" y="956561"/>
+                <a:ext cx="146160" cy="217800"/>
+              </p14:xfrm>
+            </p:contentPart>
+          </mc:Choice>
+          <mc:Fallback xmlns="">
+            <p:pic>
+              <p:nvPicPr>
+                <p:cNvPr id="20" name="Ink 19">
+                  <a:extLst>
+                    <a:ext uri="{FF2B5EF4-FFF2-40B4-BE49-F238E27FC236}">
+                      <a16:creationId xmlns:a16="http://schemas.microsoft.com/office/drawing/2014/main" id="{9C611DEA-515B-960E-AA01-B5EE2FA0EF94}"/>
+                    </a:ext>
+                  </a:extLst>
+                </p:cNvPr>
+                <p:cNvPicPr/>
+                <p:nvPr/>
+              </p:nvPicPr>
+              <p:blipFill>
+                <a:blip r:embed="rId35"/>
+                <a:stretch>
+                  <a:fillRect/>
+                </a:stretch>
+              </p:blipFill>
+              <p:spPr>
+                <a:xfrm>
+                  <a:off x="10229487" y="947921"/>
+                  <a:ext cx="163800" cy="235440"/>
+                </a:xfrm>
+                <a:prstGeom prst="rect">
+                  <a:avLst/>
+                </a:prstGeom>
+              </p:spPr>
+            </p:pic>
+          </mc:Fallback>
+        </mc:AlternateContent>
+        <mc:AlternateContent xmlns:mc="http://schemas.openxmlformats.org/markup-compatibility/2006" xmlns:p14="http://schemas.microsoft.com/office/powerpoint/2010/main">
+          <mc:Choice Requires="p14">
+            <p:contentPart p14:bwMode="auto" r:id="rId36">
+              <p14:nvContentPartPr>
+                <p14:cNvPr id="21" name="Ink 20">
+                  <a:extLst>
+                    <a:ext uri="{FF2B5EF4-FFF2-40B4-BE49-F238E27FC236}">
+                      <a16:creationId xmlns:a16="http://schemas.microsoft.com/office/drawing/2014/main" id="{25F61DA8-EA8C-342E-E4EE-010A33E0C392}"/>
+                    </a:ext>
+                  </a:extLst>
+                </p14:cNvPr>
+                <p14:cNvContentPartPr/>
+                <p14:nvPr/>
+              </p14:nvContentPartPr>
+              <p14:xfrm>
+                <a:off x="10586967" y="1022441"/>
+                <a:ext cx="12240" cy="19080"/>
+              </p14:xfrm>
+            </p:contentPart>
+          </mc:Choice>
+          <mc:Fallback xmlns="">
+            <p:pic>
+              <p:nvPicPr>
+                <p:cNvPr id="21" name="Ink 20">
+                  <a:extLst>
+                    <a:ext uri="{FF2B5EF4-FFF2-40B4-BE49-F238E27FC236}">
+                      <a16:creationId xmlns:a16="http://schemas.microsoft.com/office/drawing/2014/main" id="{25F61DA8-EA8C-342E-E4EE-010A33E0C392}"/>
+                    </a:ext>
+                  </a:extLst>
+                </p:cNvPr>
+                <p:cNvPicPr/>
+                <p:nvPr/>
+              </p:nvPicPr>
+              <p:blipFill>
+                <a:blip r:embed="rId37"/>
+                <a:stretch>
+                  <a:fillRect/>
+                </a:stretch>
+              </p:blipFill>
+              <p:spPr>
+                <a:xfrm>
+                  <a:off x="10578327" y="1013801"/>
+                  <a:ext cx="29880" cy="36720"/>
+                </a:xfrm>
+                <a:prstGeom prst="rect">
+                  <a:avLst/>
+                </a:prstGeom>
+              </p:spPr>
+            </p:pic>
+          </mc:Fallback>
+        </mc:AlternateContent>
+        <mc:AlternateContent xmlns:mc="http://schemas.openxmlformats.org/markup-compatibility/2006" xmlns:p14="http://schemas.microsoft.com/office/powerpoint/2010/main">
+          <mc:Choice Requires="p14">
+            <p:contentPart p14:bwMode="auto" r:id="rId38">
+              <p14:nvContentPartPr>
+                <p14:cNvPr id="22" name="Ink 21">
+                  <a:extLst>
+                    <a:ext uri="{FF2B5EF4-FFF2-40B4-BE49-F238E27FC236}">
+                      <a16:creationId xmlns:a16="http://schemas.microsoft.com/office/drawing/2014/main" id="{6CAD7687-52C2-AC99-9E2C-DC26C7646551}"/>
+                    </a:ext>
+                  </a:extLst>
+                </p14:cNvPr>
+                <p14:cNvContentPartPr/>
+                <p14:nvPr/>
+              </p14:nvContentPartPr>
+              <p14:xfrm>
+                <a:off x="10642047" y="860801"/>
+                <a:ext cx="201960" cy="303480"/>
+              </p14:xfrm>
+            </p:contentPart>
+          </mc:Choice>
+          <mc:Fallback xmlns="">
+            <p:pic>
+              <p:nvPicPr>
+                <p:cNvPr id="22" name="Ink 21">
+                  <a:extLst>
+                    <a:ext uri="{FF2B5EF4-FFF2-40B4-BE49-F238E27FC236}">
+                      <a16:creationId xmlns:a16="http://schemas.microsoft.com/office/drawing/2014/main" id="{6CAD7687-52C2-AC99-9E2C-DC26C7646551}"/>
+                    </a:ext>
+                  </a:extLst>
+                </p:cNvPr>
+                <p:cNvPicPr/>
+                <p:nvPr/>
+              </p:nvPicPr>
+              <p:blipFill>
+                <a:blip r:embed="rId39"/>
+                <a:stretch>
+                  <a:fillRect/>
+                </a:stretch>
+              </p:blipFill>
+              <p:spPr>
+                <a:xfrm>
+                  <a:off x="10633047" y="851801"/>
+                  <a:ext cx="219600" cy="321120"/>
+                </a:xfrm>
+                <a:prstGeom prst="rect">
+                  <a:avLst/>
+                </a:prstGeom>
+              </p:spPr>
+            </p:pic>
+          </mc:Fallback>
+        </mc:AlternateContent>
+        <mc:AlternateContent xmlns:mc="http://schemas.openxmlformats.org/markup-compatibility/2006" xmlns:p14="http://schemas.microsoft.com/office/powerpoint/2010/main">
+          <mc:Choice Requires="p14">
+            <p:contentPart p14:bwMode="auto" r:id="rId40">
+              <p14:nvContentPartPr>
+                <p14:cNvPr id="23" name="Ink 22">
+                  <a:extLst>
+                    <a:ext uri="{FF2B5EF4-FFF2-40B4-BE49-F238E27FC236}">
+                      <a16:creationId xmlns:a16="http://schemas.microsoft.com/office/drawing/2014/main" id="{15D8179C-66CA-E280-B093-D9DC786B5ACD}"/>
+                    </a:ext>
+                  </a:extLst>
+                </p14:cNvPr>
+                <p14:cNvContentPartPr/>
+                <p14:nvPr/>
+              </p14:nvContentPartPr>
+              <p14:xfrm>
+                <a:off x="10869927" y="826241"/>
+                <a:ext cx="177120" cy="233280"/>
+              </p14:xfrm>
+            </p:contentPart>
+          </mc:Choice>
+          <mc:Fallback xmlns="">
+            <p:pic>
+              <p:nvPicPr>
+                <p:cNvPr id="23" name="Ink 22">
+                  <a:extLst>
+                    <a:ext uri="{FF2B5EF4-FFF2-40B4-BE49-F238E27FC236}">
+                      <a16:creationId xmlns:a16="http://schemas.microsoft.com/office/drawing/2014/main" id="{15D8179C-66CA-E280-B093-D9DC786B5ACD}"/>
+                    </a:ext>
+                  </a:extLst>
+                </p:cNvPr>
+                <p:cNvPicPr/>
+                <p:nvPr/>
+              </p:nvPicPr>
+              <p:blipFill>
+                <a:blip r:embed="rId41"/>
+                <a:stretch>
+                  <a:fillRect/>
+                </a:stretch>
+              </p:blipFill>
+              <p:spPr>
+                <a:xfrm>
+                  <a:off x="10860927" y="817241"/>
+                  <a:ext cx="194760" cy="250920"/>
+                </a:xfrm>
+                <a:prstGeom prst="rect">
+                  <a:avLst/>
+                </a:prstGeom>
+              </p:spPr>
+            </p:pic>
+          </mc:Fallback>
+        </mc:AlternateContent>
+        <mc:AlternateContent xmlns:mc="http://schemas.openxmlformats.org/markup-compatibility/2006" xmlns:p14="http://schemas.microsoft.com/office/powerpoint/2010/main">
+          <mc:Choice Requires="p14">
+            <p:contentPart p14:bwMode="auto" r:id="rId42">
+              <p14:nvContentPartPr>
+                <p14:cNvPr id="24" name="Ink 23">
+                  <a:extLst>
+                    <a:ext uri="{FF2B5EF4-FFF2-40B4-BE49-F238E27FC236}">
+                      <a16:creationId xmlns:a16="http://schemas.microsoft.com/office/drawing/2014/main" id="{67048F3D-09C5-177A-B408-4F467514A2B6}"/>
+                    </a:ext>
+                  </a:extLst>
+                </p14:cNvPr>
+                <p14:cNvContentPartPr/>
+                <p14:nvPr/>
+              </p14:nvContentPartPr>
+              <p14:xfrm>
+                <a:off x="9009447" y="1252121"/>
+                <a:ext cx="1578600" cy="419400"/>
+              </p14:xfrm>
+            </p:contentPart>
+          </mc:Choice>
+          <mc:Fallback xmlns="">
+            <p:pic>
+              <p:nvPicPr>
+                <p:cNvPr id="24" name="Ink 23">
+                  <a:extLst>
+                    <a:ext uri="{FF2B5EF4-FFF2-40B4-BE49-F238E27FC236}">
+                      <a16:creationId xmlns:a16="http://schemas.microsoft.com/office/drawing/2014/main" id="{67048F3D-09C5-177A-B408-4F467514A2B6}"/>
+                    </a:ext>
+                  </a:extLst>
+                </p:cNvPr>
+                <p:cNvPicPr/>
+                <p:nvPr/>
+              </p:nvPicPr>
+              <p:blipFill>
+                <a:blip r:embed="rId43"/>
+                <a:stretch>
+                  <a:fillRect/>
+                </a:stretch>
+              </p:blipFill>
+              <p:spPr>
+                <a:xfrm>
+                  <a:off x="9000807" y="1243121"/>
+                  <a:ext cx="1596240" cy="437040"/>
+                </a:xfrm>
+                <a:prstGeom prst="rect">
+                  <a:avLst/>
+                </a:prstGeom>
+              </p:spPr>
+            </p:pic>
+          </mc:Fallback>
+        </mc:AlternateContent>
+        <mc:AlternateContent xmlns:mc="http://schemas.openxmlformats.org/markup-compatibility/2006" xmlns:p14="http://schemas.microsoft.com/office/powerpoint/2010/main">
+          <mc:Choice Requires="p14">
+            <p:contentPart p14:bwMode="auto" r:id="rId44">
+              <p14:nvContentPartPr>
+                <p14:cNvPr id="25" name="Ink 24">
+                  <a:extLst>
+                    <a:ext uri="{FF2B5EF4-FFF2-40B4-BE49-F238E27FC236}">
+                      <a16:creationId xmlns:a16="http://schemas.microsoft.com/office/drawing/2014/main" id="{F44D4697-16B7-BAC8-AC07-5A3295B260AA}"/>
+                    </a:ext>
+                  </a:extLst>
+                </p14:cNvPr>
+                <p14:cNvContentPartPr/>
+                <p14:nvPr/>
+              </p14:nvContentPartPr>
+              <p14:xfrm>
+                <a:off x="8875167" y="1201361"/>
+                <a:ext cx="2189160" cy="615960"/>
+              </p14:xfrm>
+            </p:contentPart>
+          </mc:Choice>
+          <mc:Fallback xmlns="">
+            <p:pic>
+              <p:nvPicPr>
+                <p:cNvPr id="25" name="Ink 24">
+                  <a:extLst>
+                    <a:ext uri="{FF2B5EF4-FFF2-40B4-BE49-F238E27FC236}">
+                      <a16:creationId xmlns:a16="http://schemas.microsoft.com/office/drawing/2014/main" id="{F44D4697-16B7-BAC8-AC07-5A3295B260AA}"/>
+                    </a:ext>
+                  </a:extLst>
+                </p:cNvPr>
+                <p:cNvPicPr/>
+                <p:nvPr/>
+              </p:nvPicPr>
+              <p:blipFill>
+                <a:blip r:embed="rId45"/>
+                <a:stretch>
+                  <a:fillRect/>
+                </a:stretch>
+              </p:blipFill>
+              <p:spPr>
+                <a:xfrm>
+                  <a:off x="8866167" y="1192721"/>
+                  <a:ext cx="2206800" cy="633600"/>
+                </a:xfrm>
+                <a:prstGeom prst="rect">
+                  <a:avLst/>
+                </a:prstGeom>
+              </p:spPr>
+            </p:pic>
+          </mc:Fallback>
+        </mc:AlternateContent>
+        <mc:AlternateContent xmlns:mc="http://schemas.openxmlformats.org/markup-compatibility/2006" xmlns:p14="http://schemas.microsoft.com/office/powerpoint/2010/main">
+          <mc:Choice Requires="p14">
+            <p:contentPart p14:bwMode="auto" r:id="rId46">
+              <p14:nvContentPartPr>
+                <p14:cNvPr id="27" name="Ink 26">
+                  <a:extLst>
+                    <a:ext uri="{FF2B5EF4-FFF2-40B4-BE49-F238E27FC236}">
+                      <a16:creationId xmlns:a16="http://schemas.microsoft.com/office/drawing/2014/main" id="{BA75D7B1-1257-9192-A3F1-C43A8F79A3BB}"/>
+                    </a:ext>
+                  </a:extLst>
+                </p14:cNvPr>
+                <p14:cNvContentPartPr/>
+                <p14:nvPr/>
+              </p14:nvContentPartPr>
+              <p14:xfrm>
+                <a:off x="8210607" y="519161"/>
+                <a:ext cx="1470960" cy="504000"/>
+              </p14:xfrm>
+            </p:contentPart>
+          </mc:Choice>
+          <mc:Fallback xmlns="">
+            <p:pic>
+              <p:nvPicPr>
+                <p:cNvPr id="27" name="Ink 26">
+                  <a:extLst>
+                    <a:ext uri="{FF2B5EF4-FFF2-40B4-BE49-F238E27FC236}">
+                      <a16:creationId xmlns:a16="http://schemas.microsoft.com/office/drawing/2014/main" id="{BA75D7B1-1257-9192-A3F1-C43A8F79A3BB}"/>
+                    </a:ext>
+                  </a:extLst>
+                </p:cNvPr>
+                <p:cNvPicPr/>
+                <p:nvPr/>
+              </p:nvPicPr>
+              <p:blipFill>
+                <a:blip r:embed="rId47"/>
+                <a:stretch>
+                  <a:fillRect/>
+                </a:stretch>
+              </p:blipFill>
+              <p:spPr>
+                <a:xfrm>
+                  <a:off x="8201607" y="510161"/>
+                  <a:ext cx="1488600" cy="521640"/>
+                </a:xfrm>
+                <a:prstGeom prst="rect">
+                  <a:avLst/>
+                </a:prstGeom>
+              </p:spPr>
+            </p:pic>
+          </mc:Fallback>
+        </mc:AlternateContent>
+        <mc:AlternateContent xmlns:mc="http://schemas.openxmlformats.org/markup-compatibility/2006" xmlns:p14="http://schemas.microsoft.com/office/powerpoint/2010/main">
+          <mc:Choice Requires="p14">
+            <p:contentPart p14:bwMode="auto" r:id="rId48">
+              <p14:nvContentPartPr>
+                <p14:cNvPr id="28" name="Ink 27">
+                  <a:extLst>
+                    <a:ext uri="{FF2B5EF4-FFF2-40B4-BE49-F238E27FC236}">
+                      <a16:creationId xmlns:a16="http://schemas.microsoft.com/office/drawing/2014/main" id="{720B01A7-9459-A62A-0996-5BEBBF3318D3}"/>
+                    </a:ext>
+                  </a:extLst>
+                </p14:cNvPr>
+                <p14:cNvContentPartPr/>
+                <p14:nvPr/>
+              </p14:nvContentPartPr>
+              <p14:xfrm>
+                <a:off x="8233287" y="592241"/>
+                <a:ext cx="1510920" cy="516240"/>
+              </p14:xfrm>
+            </p:contentPart>
+          </mc:Choice>
+          <mc:Fallback xmlns="">
+            <p:pic>
+              <p:nvPicPr>
+                <p:cNvPr id="28" name="Ink 27">
+                  <a:extLst>
+                    <a:ext uri="{FF2B5EF4-FFF2-40B4-BE49-F238E27FC236}">
+                      <a16:creationId xmlns:a16="http://schemas.microsoft.com/office/drawing/2014/main" id="{720B01A7-9459-A62A-0996-5BEBBF3318D3}"/>
+                    </a:ext>
+                  </a:extLst>
+                </p:cNvPr>
+                <p:cNvPicPr/>
+                <p:nvPr/>
+              </p:nvPicPr>
+              <p:blipFill>
+                <a:blip r:embed="rId49"/>
+                <a:stretch>
+                  <a:fillRect/>
+                </a:stretch>
+              </p:blipFill>
+              <p:spPr>
+                <a:xfrm>
+                  <a:off x="8224647" y="583601"/>
+                  <a:ext cx="1528560" cy="533880"/>
+                </a:xfrm>
+                <a:prstGeom prst="rect">
+                  <a:avLst/>
+                </a:prstGeom>
+              </p:spPr>
+            </p:pic>
+          </mc:Fallback>
+        </mc:AlternateContent>
+      </p:grpSp>
+    </p:spTree>
+    <p:extLst>
+      <p:ext uri="{BB962C8B-B14F-4D97-AF65-F5344CB8AC3E}">
+        <p14:creationId xmlns:p14="http://schemas.microsoft.com/office/powerpoint/2010/main" val="2687074444"/>
+      </p:ext>
+    </p:extLst>
+  </p:cSld>
+  <p:clrMapOvr>
+    <a:masterClrMapping/>
+  </p:clrMapOvr>
+</p:sld>
+</file>
+
+<file path=ppt/slides/slide15.xml><?xml version="1.0" encoding="utf-8"?>
+<p:sld xmlns:a="http://schemas.openxmlformats.org/drawingml/2006/main" xmlns:r="http://schemas.openxmlformats.org/officeDocument/2006/relationships" xmlns:p="http://schemas.openxmlformats.org/presentationml/2006/main">
+  <p:cSld>
+    <p:spTree>
+      <p:nvGrpSpPr>
+        <p:cNvPr id="1" name=""/>
+        <p:cNvGrpSpPr/>
+        <p:nvPr/>
+      </p:nvGrpSpPr>
+      <p:grpSpPr>
+        <a:xfrm>
+          <a:off x="0" y="0"/>
+          <a:ext cx="0" cy="0"/>
+          <a:chOff x="0" y="0"/>
+          <a:chExt cx="0" cy="0"/>
+        </a:xfrm>
+      </p:grpSpPr>
+      <p:sp>
+        <p:nvSpPr>
+          <p:cNvPr id="2" name="Title 1">
+            <a:extLst>
+              <a:ext uri="{FF2B5EF4-FFF2-40B4-BE49-F238E27FC236}">
+                <a16:creationId xmlns:a16="http://schemas.microsoft.com/office/drawing/2014/main" id="{401E158C-08A3-45FA-505F-C019945CDEF9}"/>
+              </a:ext>
+            </a:extLst>
+          </p:cNvPr>
+          <p:cNvSpPr>
+            <a:spLocks noGrp="1"/>
+          </p:cNvSpPr>
+          <p:nvPr>
+            <p:ph type="title"/>
+          </p:nvPr>
+        </p:nvSpPr>
+        <p:spPr/>
+        <p:txBody>
+          <a:bodyPr/>
+          <a:lstStyle/>
+          <a:p>
+            <a:r>
+              <a:rPr lang="en-US" dirty="0"/>
+              <a:t>SSL Certificates</a:t>
+            </a:r>
+            <a:endParaRPr lang="en-IN" dirty="0"/>
+          </a:p>
+        </p:txBody>
+      </p:sp>
+      <p:sp>
+        <p:nvSpPr>
+          <p:cNvPr id="3" name="Content Placeholder 2">
+            <a:extLst>
+              <a:ext uri="{FF2B5EF4-FFF2-40B4-BE49-F238E27FC236}">
+                <a16:creationId xmlns:a16="http://schemas.microsoft.com/office/drawing/2014/main" id="{73E8A7F3-2FEB-C3E7-6966-296097A1DDCC}"/>
+              </a:ext>
+            </a:extLst>
+          </p:cNvPr>
+          <p:cNvSpPr>
+            <a:spLocks noGrp="1"/>
+          </p:cNvSpPr>
+          <p:nvPr>
+            <p:ph idx="1"/>
+          </p:nvPr>
+        </p:nvSpPr>
+        <p:spPr/>
+        <p:txBody>
+          <a:bodyPr/>
+          <a:lstStyle/>
+          <a:p>
+            <a:r>
+              <a:rPr lang="en-US" dirty="0"/>
+              <a:t>Azure SSL already secures the *.azurewebsites.net and subdomains with https.</a:t>
+            </a:r>
+          </a:p>
+          <a:p>
+            <a:r>
+              <a:rPr lang="en-US" dirty="0"/>
+              <a:t>SSL support is not provided in Free and </a:t>
+            </a:r>
+            <a:r>
+              <a:rPr lang="en-US"/>
+              <a:t>Shared plans.</a:t>
+            </a:r>
+            <a:endParaRPr lang="en-IN"/>
+          </a:p>
+        </p:txBody>
+      </p:sp>
+    </p:spTree>
+    <p:extLst>
+      <p:ext uri="{BB962C8B-B14F-4D97-AF65-F5344CB8AC3E}">
+        <p14:creationId xmlns:p14="http://schemas.microsoft.com/office/powerpoint/2010/main" val="738447245"/>
+      </p:ext>
+    </p:extLst>
+  </p:cSld>
+  <p:clrMapOvr>
+    <a:masterClrMapping/>
+  </p:clrMapOvr>
+</p:sld>
+</file>
+
 <file path=ppt/slides/slide2.xml><?xml version="1.0" encoding="utf-8"?>
 <p:sld xmlns:a="http://schemas.openxmlformats.org/drawingml/2006/main" xmlns:r="http://schemas.openxmlformats.org/officeDocument/2006/relationships" xmlns:p="http://schemas.openxmlformats.org/presentationml/2006/main">
   <p:cSld>
@@ -10814,8 +13154,8 @@
             <a:chExt cx="1470600" cy="886320"/>
           </a:xfrm>
         </p:grpSpPr>
-        <mc:AlternateContent xmlns:mc="http://schemas.openxmlformats.org/markup-compatibility/2006" xmlns:p14="http://schemas.microsoft.com/office/powerpoint/2010/main">
-          <mc:Choice Requires="p14">
+        <mc:AlternateContent xmlns:mc="http://schemas.openxmlformats.org/markup-compatibility/2006">
+          <mc:Choice xmlns:p14="http://schemas.microsoft.com/office/powerpoint/2010/main" Requires="p14">
             <p:contentPart p14:bwMode="auto" r:id="rId2">
               <p14:nvContentPartPr>
                 <p14:cNvPr id="2" name="Ink 1">
@@ -10834,7 +13174,7 @@
               </p14:xfrm>
             </p:contentPart>
           </mc:Choice>
-          <mc:Fallback xmlns="">
+          <mc:Fallback>
             <p:pic>
               <p:nvPicPr>
                 <p:cNvPr id="2" name="Ink 1">
@@ -10865,8 +13205,8 @@
             </p:pic>
           </mc:Fallback>
         </mc:AlternateContent>
-        <mc:AlternateContent xmlns:mc="http://schemas.openxmlformats.org/markup-compatibility/2006" xmlns:p14="http://schemas.microsoft.com/office/powerpoint/2010/main">
-          <mc:Choice Requires="p14">
+        <mc:AlternateContent xmlns:mc="http://schemas.openxmlformats.org/markup-compatibility/2006">
+          <mc:Choice xmlns:p14="http://schemas.microsoft.com/office/powerpoint/2010/main" Requires="p14">
             <p:contentPart p14:bwMode="auto" r:id="rId4">
               <p14:nvContentPartPr>
                 <p14:cNvPr id="3" name="Ink 2">
@@ -10885,7 +13225,7 @@
               </p14:xfrm>
             </p:contentPart>
           </mc:Choice>
-          <mc:Fallback xmlns="">
+          <mc:Fallback>
             <p:pic>
               <p:nvPicPr>
                 <p:cNvPr id="3" name="Ink 2">
@@ -10916,8 +13256,8 @@
             </p:pic>
           </mc:Fallback>
         </mc:AlternateContent>
-        <mc:AlternateContent xmlns:mc="http://schemas.openxmlformats.org/markup-compatibility/2006" xmlns:p14="http://schemas.microsoft.com/office/powerpoint/2010/main">
-          <mc:Choice Requires="p14">
+        <mc:AlternateContent xmlns:mc="http://schemas.openxmlformats.org/markup-compatibility/2006">
+          <mc:Choice xmlns:p14="http://schemas.microsoft.com/office/powerpoint/2010/main" Requires="p14">
             <p:contentPart p14:bwMode="auto" r:id="rId6">
               <p14:nvContentPartPr>
                 <p14:cNvPr id="4" name="Ink 3">
@@ -10936,7 +13276,7 @@
               </p14:xfrm>
             </p:contentPart>
           </mc:Choice>
-          <mc:Fallback xmlns="">
+          <mc:Fallback>
             <p:pic>
               <p:nvPicPr>
                 <p:cNvPr id="4" name="Ink 3">
@@ -10967,8 +13307,8 @@
             </p:pic>
           </mc:Fallback>
         </mc:AlternateContent>
-        <mc:AlternateContent xmlns:mc="http://schemas.openxmlformats.org/markup-compatibility/2006" xmlns:p14="http://schemas.microsoft.com/office/powerpoint/2010/main">
-          <mc:Choice Requires="p14">
+        <mc:AlternateContent xmlns:mc="http://schemas.openxmlformats.org/markup-compatibility/2006">
+          <mc:Choice xmlns:p14="http://schemas.microsoft.com/office/powerpoint/2010/main" Requires="p14">
             <p:contentPart p14:bwMode="auto" r:id="rId8">
               <p14:nvContentPartPr>
                 <p14:cNvPr id="5" name="Ink 4">
@@ -10987,7 +13327,7 @@
               </p14:xfrm>
             </p:contentPart>
           </mc:Choice>
-          <mc:Fallback xmlns="">
+          <mc:Fallback>
             <p:pic>
               <p:nvPicPr>
                 <p:cNvPr id="5" name="Ink 4">
@@ -11018,8 +13358,8 @@
             </p:pic>
           </mc:Fallback>
         </mc:AlternateContent>
-        <mc:AlternateContent xmlns:mc="http://schemas.openxmlformats.org/markup-compatibility/2006" xmlns:p14="http://schemas.microsoft.com/office/powerpoint/2010/main">
-          <mc:Choice Requires="p14">
+        <mc:AlternateContent xmlns:mc="http://schemas.openxmlformats.org/markup-compatibility/2006">
+          <mc:Choice xmlns:p14="http://schemas.microsoft.com/office/powerpoint/2010/main" Requires="p14">
             <p:contentPart p14:bwMode="auto" r:id="rId10">
               <p14:nvContentPartPr>
                 <p14:cNvPr id="6" name="Ink 5">
@@ -11038,7 +13378,7 @@
               </p14:xfrm>
             </p:contentPart>
           </mc:Choice>
-          <mc:Fallback xmlns="">
+          <mc:Fallback>
             <p:pic>
               <p:nvPicPr>
                 <p:cNvPr id="6" name="Ink 5">
@@ -11069,8 +13409,8 @@
             </p:pic>
           </mc:Fallback>
         </mc:AlternateContent>
-        <mc:AlternateContent xmlns:mc="http://schemas.openxmlformats.org/markup-compatibility/2006" xmlns:p14="http://schemas.microsoft.com/office/powerpoint/2010/main">
-          <mc:Choice Requires="p14">
+        <mc:AlternateContent xmlns:mc="http://schemas.openxmlformats.org/markup-compatibility/2006">
+          <mc:Choice xmlns:p14="http://schemas.microsoft.com/office/powerpoint/2010/main" Requires="p14">
             <p:contentPart p14:bwMode="auto" r:id="rId12">
               <p14:nvContentPartPr>
                 <p14:cNvPr id="7" name="Ink 6">
@@ -11089,7 +13429,7 @@
               </p14:xfrm>
             </p:contentPart>
           </mc:Choice>
-          <mc:Fallback xmlns="">
+          <mc:Fallback>
             <p:pic>
               <p:nvPicPr>
                 <p:cNvPr id="7" name="Ink 6">
@@ -11120,8 +13460,8 @@
             </p:pic>
           </mc:Fallback>
         </mc:AlternateContent>
-        <mc:AlternateContent xmlns:mc="http://schemas.openxmlformats.org/markup-compatibility/2006" xmlns:p14="http://schemas.microsoft.com/office/powerpoint/2010/main">
-          <mc:Choice Requires="p14">
+        <mc:AlternateContent xmlns:mc="http://schemas.openxmlformats.org/markup-compatibility/2006">
+          <mc:Choice xmlns:p14="http://schemas.microsoft.com/office/powerpoint/2010/main" Requires="p14">
             <p:contentPart p14:bwMode="auto" r:id="rId14">
               <p14:nvContentPartPr>
                 <p14:cNvPr id="8" name="Ink 7">
@@ -11140,7 +13480,7 @@
               </p14:xfrm>
             </p:contentPart>
           </mc:Choice>
-          <mc:Fallback xmlns="">
+          <mc:Fallback>
             <p:pic>
               <p:nvPicPr>
                 <p:cNvPr id="8" name="Ink 7">
@@ -11171,8 +13511,8 @@
             </p:pic>
           </mc:Fallback>
         </mc:AlternateContent>
-        <mc:AlternateContent xmlns:mc="http://schemas.openxmlformats.org/markup-compatibility/2006" xmlns:p14="http://schemas.microsoft.com/office/powerpoint/2010/main">
-          <mc:Choice Requires="p14">
+        <mc:AlternateContent xmlns:mc="http://schemas.openxmlformats.org/markup-compatibility/2006">
+          <mc:Choice xmlns:p14="http://schemas.microsoft.com/office/powerpoint/2010/main" Requires="p14">
             <p:contentPart p14:bwMode="auto" r:id="rId16">
               <p14:nvContentPartPr>
                 <p14:cNvPr id="9" name="Ink 8">
@@ -11191,7 +13531,7 @@
               </p14:xfrm>
             </p:contentPart>
           </mc:Choice>
-          <mc:Fallback xmlns="">
+          <mc:Fallback>
             <p:pic>
               <p:nvPicPr>
                 <p:cNvPr id="9" name="Ink 8">
@@ -11222,8 +13562,8 @@
             </p:pic>
           </mc:Fallback>
         </mc:AlternateContent>
-        <mc:AlternateContent xmlns:mc="http://schemas.openxmlformats.org/markup-compatibility/2006" xmlns:p14="http://schemas.microsoft.com/office/powerpoint/2010/main">
-          <mc:Choice Requires="p14">
+        <mc:AlternateContent xmlns:mc="http://schemas.openxmlformats.org/markup-compatibility/2006">
+          <mc:Choice xmlns:p14="http://schemas.microsoft.com/office/powerpoint/2010/main" Requires="p14">
             <p:contentPart p14:bwMode="auto" r:id="rId18">
               <p14:nvContentPartPr>
                 <p14:cNvPr id="10" name="Ink 9">
@@ -11242,7 +13582,7 @@
               </p14:xfrm>
             </p:contentPart>
           </mc:Choice>
-          <mc:Fallback xmlns="">
+          <mc:Fallback>
             <p:pic>
               <p:nvPicPr>
                 <p:cNvPr id="10" name="Ink 9">
@@ -11294,8 +13634,8 @@
             <a:chExt cx="2070360" cy="502560"/>
           </a:xfrm>
         </p:grpSpPr>
-        <mc:AlternateContent xmlns:mc="http://schemas.openxmlformats.org/markup-compatibility/2006" xmlns:p14="http://schemas.microsoft.com/office/powerpoint/2010/main">
-          <mc:Choice Requires="p14">
+        <mc:AlternateContent xmlns:mc="http://schemas.openxmlformats.org/markup-compatibility/2006">
+          <mc:Choice xmlns:p14="http://schemas.microsoft.com/office/powerpoint/2010/main" Requires="p14">
             <p:contentPart p14:bwMode="auto" r:id="rId20">
               <p14:nvContentPartPr>
                 <p14:cNvPr id="12" name="Ink 11">
@@ -11314,7 +13654,7 @@
               </p14:xfrm>
             </p:contentPart>
           </mc:Choice>
-          <mc:Fallback xmlns="">
+          <mc:Fallback>
             <p:pic>
               <p:nvPicPr>
                 <p:cNvPr id="12" name="Ink 11">
@@ -11345,8 +13685,8 @@
             </p:pic>
           </mc:Fallback>
         </mc:AlternateContent>
-        <mc:AlternateContent xmlns:mc="http://schemas.openxmlformats.org/markup-compatibility/2006" xmlns:p14="http://schemas.microsoft.com/office/powerpoint/2010/main">
-          <mc:Choice Requires="p14">
+        <mc:AlternateContent xmlns:mc="http://schemas.openxmlformats.org/markup-compatibility/2006">
+          <mc:Choice xmlns:p14="http://schemas.microsoft.com/office/powerpoint/2010/main" Requires="p14">
             <p:contentPart p14:bwMode="auto" r:id="rId22">
               <p14:nvContentPartPr>
                 <p14:cNvPr id="13" name="Ink 12">
@@ -11365,7 +13705,7 @@
               </p14:xfrm>
             </p:contentPart>
           </mc:Choice>
-          <mc:Fallback xmlns="">
+          <mc:Fallback>
             <p:pic>
               <p:nvPicPr>
                 <p:cNvPr id="13" name="Ink 12">
@@ -11396,8 +13736,8 @@
             </p:pic>
           </mc:Fallback>
         </mc:AlternateContent>
-        <mc:AlternateContent xmlns:mc="http://schemas.openxmlformats.org/markup-compatibility/2006" xmlns:p14="http://schemas.microsoft.com/office/powerpoint/2010/main">
-          <mc:Choice Requires="p14">
+        <mc:AlternateContent xmlns:mc="http://schemas.openxmlformats.org/markup-compatibility/2006">
+          <mc:Choice xmlns:p14="http://schemas.microsoft.com/office/powerpoint/2010/main" Requires="p14">
             <p:contentPart p14:bwMode="auto" r:id="rId24">
               <p14:nvContentPartPr>
                 <p14:cNvPr id="14" name="Ink 13">
@@ -11416,7 +13756,7 @@
               </p14:xfrm>
             </p:contentPart>
           </mc:Choice>
-          <mc:Fallback xmlns="">
+          <mc:Fallback>
             <p:pic>
               <p:nvPicPr>
                 <p:cNvPr id="14" name="Ink 13">
@@ -11447,8 +13787,8 @@
             </p:pic>
           </mc:Fallback>
         </mc:AlternateContent>
-        <mc:AlternateContent xmlns:mc="http://schemas.openxmlformats.org/markup-compatibility/2006" xmlns:p14="http://schemas.microsoft.com/office/powerpoint/2010/main">
-          <mc:Choice Requires="p14">
+        <mc:AlternateContent xmlns:mc="http://schemas.openxmlformats.org/markup-compatibility/2006">
+          <mc:Choice xmlns:p14="http://schemas.microsoft.com/office/powerpoint/2010/main" Requires="p14">
             <p:contentPart p14:bwMode="auto" r:id="rId26">
               <p14:nvContentPartPr>
                 <p14:cNvPr id="15" name="Ink 14">
@@ -11467,7 +13807,7 @@
               </p14:xfrm>
             </p:contentPart>
           </mc:Choice>
-          <mc:Fallback xmlns="">
+          <mc:Fallback>
             <p:pic>
               <p:nvPicPr>
                 <p:cNvPr id="15" name="Ink 14">
@@ -11498,8 +13838,8 @@
             </p:pic>
           </mc:Fallback>
         </mc:AlternateContent>
-        <mc:AlternateContent xmlns:mc="http://schemas.openxmlformats.org/markup-compatibility/2006" xmlns:p14="http://schemas.microsoft.com/office/powerpoint/2010/main">
-          <mc:Choice Requires="p14">
+        <mc:AlternateContent xmlns:mc="http://schemas.openxmlformats.org/markup-compatibility/2006">
+          <mc:Choice xmlns:p14="http://schemas.microsoft.com/office/powerpoint/2010/main" Requires="p14">
             <p:contentPart p14:bwMode="auto" r:id="rId28">
               <p14:nvContentPartPr>
                 <p14:cNvPr id="16" name="Ink 15">
@@ -11518,7 +13858,7 @@
               </p14:xfrm>
             </p:contentPart>
           </mc:Choice>
-          <mc:Fallback xmlns="">
+          <mc:Fallback>
             <p:pic>
               <p:nvPicPr>
                 <p:cNvPr id="16" name="Ink 15">
@@ -11549,8 +13889,8 @@
             </p:pic>
           </mc:Fallback>
         </mc:AlternateContent>
-        <mc:AlternateContent xmlns:mc="http://schemas.openxmlformats.org/markup-compatibility/2006" xmlns:p14="http://schemas.microsoft.com/office/powerpoint/2010/main">
-          <mc:Choice Requires="p14">
+        <mc:AlternateContent xmlns:mc="http://schemas.openxmlformats.org/markup-compatibility/2006">
+          <mc:Choice xmlns:p14="http://schemas.microsoft.com/office/powerpoint/2010/main" Requires="p14">
             <p:contentPart p14:bwMode="auto" r:id="rId30">
               <p14:nvContentPartPr>
                 <p14:cNvPr id="17" name="Ink 16">
@@ -11569,7 +13909,7 @@
               </p14:xfrm>
             </p:contentPart>
           </mc:Choice>
-          <mc:Fallback xmlns="">
+          <mc:Fallback>
             <p:pic>
               <p:nvPicPr>
                 <p:cNvPr id="17" name="Ink 16">
@@ -11600,8 +13940,8 @@
             </p:pic>
           </mc:Fallback>
         </mc:AlternateContent>
-        <mc:AlternateContent xmlns:mc="http://schemas.openxmlformats.org/markup-compatibility/2006" xmlns:p14="http://schemas.microsoft.com/office/powerpoint/2010/main">
-          <mc:Choice Requires="p14">
+        <mc:AlternateContent xmlns:mc="http://schemas.openxmlformats.org/markup-compatibility/2006">
+          <mc:Choice xmlns:p14="http://schemas.microsoft.com/office/powerpoint/2010/main" Requires="p14">
             <p:contentPart p14:bwMode="auto" r:id="rId32">
               <p14:nvContentPartPr>
                 <p14:cNvPr id="18" name="Ink 17">
@@ -11620,7 +13960,7 @@
               </p14:xfrm>
             </p:contentPart>
           </mc:Choice>
-          <mc:Fallback xmlns="">
+          <mc:Fallback>
             <p:pic>
               <p:nvPicPr>
                 <p:cNvPr id="18" name="Ink 17">
@@ -11651,8 +13991,8 @@
             </p:pic>
           </mc:Fallback>
         </mc:AlternateContent>
-        <mc:AlternateContent xmlns:mc="http://schemas.openxmlformats.org/markup-compatibility/2006" xmlns:p14="http://schemas.microsoft.com/office/powerpoint/2010/main">
-          <mc:Choice Requires="p14">
+        <mc:AlternateContent xmlns:mc="http://schemas.openxmlformats.org/markup-compatibility/2006">
+          <mc:Choice xmlns:p14="http://schemas.microsoft.com/office/powerpoint/2010/main" Requires="p14">
             <p:contentPart p14:bwMode="auto" r:id="rId34">
               <p14:nvContentPartPr>
                 <p14:cNvPr id="19" name="Ink 18">
@@ -11671,7 +14011,7 @@
               </p14:xfrm>
             </p:contentPart>
           </mc:Choice>
-          <mc:Fallback xmlns="">
+          <mc:Fallback>
             <p:pic>
               <p:nvPicPr>
                 <p:cNvPr id="19" name="Ink 18">
@@ -11702,8 +14042,8 @@
             </p:pic>
           </mc:Fallback>
         </mc:AlternateContent>
-        <mc:AlternateContent xmlns:mc="http://schemas.openxmlformats.org/markup-compatibility/2006" xmlns:p14="http://schemas.microsoft.com/office/powerpoint/2010/main">
-          <mc:Choice Requires="p14">
+        <mc:AlternateContent xmlns:mc="http://schemas.openxmlformats.org/markup-compatibility/2006">
+          <mc:Choice xmlns:p14="http://schemas.microsoft.com/office/powerpoint/2010/main" Requires="p14">
             <p:contentPart p14:bwMode="auto" r:id="rId36">
               <p14:nvContentPartPr>
                 <p14:cNvPr id="20" name="Ink 19">
@@ -11722,7 +14062,7 @@
               </p14:xfrm>
             </p:contentPart>
           </mc:Choice>
-          <mc:Fallback xmlns="">
+          <mc:Fallback>
             <p:pic>
               <p:nvPicPr>
                 <p:cNvPr id="20" name="Ink 19">
@@ -11753,8 +14093,8 @@
             </p:pic>
           </mc:Fallback>
         </mc:AlternateContent>
-        <mc:AlternateContent xmlns:mc="http://schemas.openxmlformats.org/markup-compatibility/2006" xmlns:p14="http://schemas.microsoft.com/office/powerpoint/2010/main">
-          <mc:Choice Requires="p14">
+        <mc:AlternateContent xmlns:mc="http://schemas.openxmlformats.org/markup-compatibility/2006">
+          <mc:Choice xmlns:p14="http://schemas.microsoft.com/office/powerpoint/2010/main" Requires="p14">
             <p:contentPart p14:bwMode="auto" r:id="rId38">
               <p14:nvContentPartPr>
                 <p14:cNvPr id="21" name="Ink 20">
@@ -11773,7 +14113,7 @@
               </p14:xfrm>
             </p:contentPart>
           </mc:Choice>
-          <mc:Fallback xmlns="">
+          <mc:Fallback>
             <p:pic>
               <p:nvPicPr>
                 <p:cNvPr id="21" name="Ink 20">
@@ -11825,8 +14165,8 @@
             <a:chExt cx="1233000" cy="396360"/>
           </a:xfrm>
         </p:grpSpPr>
-        <mc:AlternateContent xmlns:mc="http://schemas.openxmlformats.org/markup-compatibility/2006" xmlns:p14="http://schemas.microsoft.com/office/powerpoint/2010/main">
-          <mc:Choice Requires="p14">
+        <mc:AlternateContent xmlns:mc="http://schemas.openxmlformats.org/markup-compatibility/2006">
+          <mc:Choice xmlns:p14="http://schemas.microsoft.com/office/powerpoint/2010/main" Requires="p14">
             <p:contentPart p14:bwMode="auto" r:id="rId40">
               <p14:nvContentPartPr>
                 <p14:cNvPr id="23" name="Ink 22">
@@ -11845,7 +14185,7 @@
               </p14:xfrm>
             </p:contentPart>
           </mc:Choice>
-          <mc:Fallback xmlns="">
+          <mc:Fallback>
             <p:pic>
               <p:nvPicPr>
                 <p:cNvPr id="23" name="Ink 22">
@@ -11876,8 +14216,8 @@
             </p:pic>
           </mc:Fallback>
         </mc:AlternateContent>
-        <mc:AlternateContent xmlns:mc="http://schemas.openxmlformats.org/markup-compatibility/2006" xmlns:p14="http://schemas.microsoft.com/office/powerpoint/2010/main">
-          <mc:Choice Requires="p14">
+        <mc:AlternateContent xmlns:mc="http://schemas.openxmlformats.org/markup-compatibility/2006">
+          <mc:Choice xmlns:p14="http://schemas.microsoft.com/office/powerpoint/2010/main" Requires="p14">
             <p:contentPart p14:bwMode="auto" r:id="rId42">
               <p14:nvContentPartPr>
                 <p14:cNvPr id="24" name="Ink 23">
@@ -11896,7 +14236,7 @@
               </p14:xfrm>
             </p:contentPart>
           </mc:Choice>
-          <mc:Fallback xmlns="">
+          <mc:Fallback>
             <p:pic>
               <p:nvPicPr>
                 <p:cNvPr id="24" name="Ink 23">
@@ -11927,8 +14267,8 @@
             </p:pic>
           </mc:Fallback>
         </mc:AlternateContent>
-        <mc:AlternateContent xmlns:mc="http://schemas.openxmlformats.org/markup-compatibility/2006" xmlns:p14="http://schemas.microsoft.com/office/powerpoint/2010/main">
-          <mc:Choice Requires="p14">
+        <mc:AlternateContent xmlns:mc="http://schemas.openxmlformats.org/markup-compatibility/2006">
+          <mc:Choice xmlns:p14="http://schemas.microsoft.com/office/powerpoint/2010/main" Requires="p14">
             <p:contentPart p14:bwMode="auto" r:id="rId44">
               <p14:nvContentPartPr>
                 <p14:cNvPr id="25" name="Ink 24">
@@ -11947,7 +14287,7 @@
               </p14:xfrm>
             </p:contentPart>
           </mc:Choice>
-          <mc:Fallback xmlns="">
+          <mc:Fallback>
             <p:pic>
               <p:nvPicPr>
                 <p:cNvPr id="25" name="Ink 24">
@@ -11978,8 +14318,8 @@
             </p:pic>
           </mc:Fallback>
         </mc:AlternateContent>
-        <mc:AlternateContent xmlns:mc="http://schemas.openxmlformats.org/markup-compatibility/2006" xmlns:p14="http://schemas.microsoft.com/office/powerpoint/2010/main">
-          <mc:Choice Requires="p14">
+        <mc:AlternateContent xmlns:mc="http://schemas.openxmlformats.org/markup-compatibility/2006">
+          <mc:Choice xmlns:p14="http://schemas.microsoft.com/office/powerpoint/2010/main" Requires="p14">
             <p:contentPart p14:bwMode="auto" r:id="rId46">
               <p14:nvContentPartPr>
                 <p14:cNvPr id="26" name="Ink 25">
@@ -11998,7 +14338,7 @@
               </p14:xfrm>
             </p:contentPart>
           </mc:Choice>
-          <mc:Fallback xmlns="">
+          <mc:Fallback>
             <p:pic>
               <p:nvPicPr>
                 <p:cNvPr id="26" name="Ink 25">
@@ -12029,8 +14369,8 @@
             </p:pic>
           </mc:Fallback>
         </mc:AlternateContent>
-        <mc:AlternateContent xmlns:mc="http://schemas.openxmlformats.org/markup-compatibility/2006" xmlns:p14="http://schemas.microsoft.com/office/powerpoint/2010/main">
-          <mc:Choice Requires="p14">
+        <mc:AlternateContent xmlns:mc="http://schemas.openxmlformats.org/markup-compatibility/2006">
+          <mc:Choice xmlns:p14="http://schemas.microsoft.com/office/powerpoint/2010/main" Requires="p14">
             <p:contentPart p14:bwMode="auto" r:id="rId48">
               <p14:nvContentPartPr>
                 <p14:cNvPr id="27" name="Ink 26">
@@ -12049,7 +14389,7 @@
               </p14:xfrm>
             </p:contentPart>
           </mc:Choice>
-          <mc:Fallback xmlns="">
+          <mc:Fallback>
             <p:pic>
               <p:nvPicPr>
                 <p:cNvPr id="27" name="Ink 26">
@@ -12080,8 +14420,8 @@
             </p:pic>
           </mc:Fallback>
         </mc:AlternateContent>
-        <mc:AlternateContent xmlns:mc="http://schemas.openxmlformats.org/markup-compatibility/2006" xmlns:p14="http://schemas.microsoft.com/office/powerpoint/2010/main">
-          <mc:Choice Requires="p14">
+        <mc:AlternateContent xmlns:mc="http://schemas.openxmlformats.org/markup-compatibility/2006">
+          <mc:Choice xmlns:p14="http://schemas.microsoft.com/office/powerpoint/2010/main" Requires="p14">
             <p:contentPart p14:bwMode="auto" r:id="rId50">
               <p14:nvContentPartPr>
                 <p14:cNvPr id="28" name="Ink 27">
@@ -12100,7 +14440,7 @@
               </p14:xfrm>
             </p:contentPart>
           </mc:Choice>
-          <mc:Fallback xmlns="">
+          <mc:Fallback>
             <p:pic>
               <p:nvPicPr>
                 <p:cNvPr id="28" name="Ink 27">
@@ -12131,8 +14471,8 @@
             </p:pic>
           </mc:Fallback>
         </mc:AlternateContent>
-        <mc:AlternateContent xmlns:mc="http://schemas.openxmlformats.org/markup-compatibility/2006" xmlns:p14="http://schemas.microsoft.com/office/powerpoint/2010/main">
-          <mc:Choice Requires="p14">
+        <mc:AlternateContent xmlns:mc="http://schemas.openxmlformats.org/markup-compatibility/2006">
+          <mc:Choice xmlns:p14="http://schemas.microsoft.com/office/powerpoint/2010/main" Requires="p14">
             <p:contentPart p14:bwMode="auto" r:id="rId52">
               <p14:nvContentPartPr>
                 <p14:cNvPr id="29" name="Ink 28">
@@ -12151,7 +14491,7 @@
               </p14:xfrm>
             </p:contentPart>
           </mc:Choice>
-          <mc:Fallback xmlns="">
+          <mc:Fallback>
             <p:pic>
               <p:nvPicPr>
                 <p:cNvPr id="29" name="Ink 28">
@@ -12182,8 +14522,8 @@
             </p:pic>
           </mc:Fallback>
         </mc:AlternateContent>
-        <mc:AlternateContent xmlns:mc="http://schemas.openxmlformats.org/markup-compatibility/2006" xmlns:p14="http://schemas.microsoft.com/office/powerpoint/2010/main">
-          <mc:Choice Requires="p14">
+        <mc:AlternateContent xmlns:mc="http://schemas.openxmlformats.org/markup-compatibility/2006">
+          <mc:Choice xmlns:p14="http://schemas.microsoft.com/office/powerpoint/2010/main" Requires="p14">
             <p:contentPart p14:bwMode="auto" r:id="rId54">
               <p14:nvContentPartPr>
                 <p14:cNvPr id="30" name="Ink 29">
@@ -12202,7 +14542,7 @@
               </p14:xfrm>
             </p:contentPart>
           </mc:Choice>
-          <mc:Fallback xmlns="">
+          <mc:Fallback>
             <p:pic>
               <p:nvPicPr>
                 <p:cNvPr id="30" name="Ink 29">
@@ -12233,8 +14573,8 @@
             </p:pic>
           </mc:Fallback>
         </mc:AlternateContent>
-        <mc:AlternateContent xmlns:mc="http://schemas.openxmlformats.org/markup-compatibility/2006" xmlns:p14="http://schemas.microsoft.com/office/powerpoint/2010/main">
-          <mc:Choice Requires="p14">
+        <mc:AlternateContent xmlns:mc="http://schemas.openxmlformats.org/markup-compatibility/2006">
+          <mc:Choice xmlns:p14="http://schemas.microsoft.com/office/powerpoint/2010/main" Requires="p14">
             <p:contentPart p14:bwMode="auto" r:id="rId56">
               <p14:nvContentPartPr>
                 <p14:cNvPr id="31" name="Ink 30">
@@ -12253,7 +14593,7 @@
               </p14:xfrm>
             </p:contentPart>
           </mc:Choice>
-          <mc:Fallback xmlns="">
+          <mc:Fallback>
             <p:pic>
               <p:nvPicPr>
                 <p:cNvPr id="31" name="Ink 30">
@@ -12284,8 +14624,8 @@
             </p:pic>
           </mc:Fallback>
         </mc:AlternateContent>
-        <mc:AlternateContent xmlns:mc="http://schemas.openxmlformats.org/markup-compatibility/2006" xmlns:p14="http://schemas.microsoft.com/office/powerpoint/2010/main">
-          <mc:Choice Requires="p14">
+        <mc:AlternateContent xmlns:mc="http://schemas.openxmlformats.org/markup-compatibility/2006">
+          <mc:Choice xmlns:p14="http://schemas.microsoft.com/office/powerpoint/2010/main" Requires="p14">
             <p:contentPart p14:bwMode="auto" r:id="rId58">
               <p14:nvContentPartPr>
                 <p14:cNvPr id="32" name="Ink 31">
@@ -12304,7 +14644,7 @@
               </p14:xfrm>
             </p:contentPart>
           </mc:Choice>
-          <mc:Fallback xmlns="">
+          <mc:Fallback>
             <p:pic>
               <p:nvPicPr>
                 <p:cNvPr id="32" name="Ink 31">
@@ -12335,8 +14675,8 @@
             </p:pic>
           </mc:Fallback>
         </mc:AlternateContent>
-        <mc:AlternateContent xmlns:mc="http://schemas.openxmlformats.org/markup-compatibility/2006" xmlns:p14="http://schemas.microsoft.com/office/powerpoint/2010/main">
-          <mc:Choice Requires="p14">
+        <mc:AlternateContent xmlns:mc="http://schemas.openxmlformats.org/markup-compatibility/2006">
+          <mc:Choice xmlns:p14="http://schemas.microsoft.com/office/powerpoint/2010/main" Requires="p14">
             <p:contentPart p14:bwMode="auto" r:id="rId60">
               <p14:nvContentPartPr>
                 <p14:cNvPr id="33" name="Ink 32">
@@ -12355,7 +14695,7 @@
               </p14:xfrm>
             </p:contentPart>
           </mc:Choice>
-          <mc:Fallback xmlns="">
+          <mc:Fallback>
             <p:pic>
               <p:nvPicPr>
                 <p:cNvPr id="33" name="Ink 32">
@@ -12407,8 +14747,8 @@
             <a:chExt cx="933120" cy="522360"/>
           </a:xfrm>
         </p:grpSpPr>
-        <mc:AlternateContent xmlns:mc="http://schemas.openxmlformats.org/markup-compatibility/2006" xmlns:p14="http://schemas.microsoft.com/office/powerpoint/2010/main">
-          <mc:Choice Requires="p14">
+        <mc:AlternateContent xmlns:mc="http://schemas.openxmlformats.org/markup-compatibility/2006">
+          <mc:Choice xmlns:p14="http://schemas.microsoft.com/office/powerpoint/2010/main" Requires="p14">
             <p:contentPart p14:bwMode="auto" r:id="rId62">
               <p14:nvContentPartPr>
                 <p14:cNvPr id="34" name="Ink 33">
@@ -12427,7 +14767,7 @@
               </p14:xfrm>
             </p:contentPart>
           </mc:Choice>
-          <mc:Fallback xmlns="">
+          <mc:Fallback>
             <p:pic>
               <p:nvPicPr>
                 <p:cNvPr id="34" name="Ink 33">
@@ -12458,8 +14798,8 @@
             </p:pic>
           </mc:Fallback>
         </mc:AlternateContent>
-        <mc:AlternateContent xmlns:mc="http://schemas.openxmlformats.org/markup-compatibility/2006" xmlns:p14="http://schemas.microsoft.com/office/powerpoint/2010/main">
-          <mc:Choice Requires="p14">
+        <mc:AlternateContent xmlns:mc="http://schemas.openxmlformats.org/markup-compatibility/2006">
+          <mc:Choice xmlns:p14="http://schemas.microsoft.com/office/powerpoint/2010/main" Requires="p14">
             <p:contentPart p14:bwMode="auto" r:id="rId64">
               <p14:nvContentPartPr>
                 <p14:cNvPr id="35" name="Ink 34">
@@ -12478,7 +14818,7 @@
               </p14:xfrm>
             </p:contentPart>
           </mc:Choice>
-          <mc:Fallback xmlns="">
+          <mc:Fallback>
             <p:pic>
               <p:nvPicPr>
                 <p:cNvPr id="35" name="Ink 34">
@@ -12509,8 +14849,8 @@
             </p:pic>
           </mc:Fallback>
         </mc:AlternateContent>
-        <mc:AlternateContent xmlns:mc="http://schemas.openxmlformats.org/markup-compatibility/2006" xmlns:p14="http://schemas.microsoft.com/office/powerpoint/2010/main">
-          <mc:Choice Requires="p14">
+        <mc:AlternateContent xmlns:mc="http://schemas.openxmlformats.org/markup-compatibility/2006">
+          <mc:Choice xmlns:p14="http://schemas.microsoft.com/office/powerpoint/2010/main" Requires="p14">
             <p:contentPart p14:bwMode="auto" r:id="rId66">
               <p14:nvContentPartPr>
                 <p14:cNvPr id="36" name="Ink 35">
@@ -12529,7 +14869,7 @@
               </p14:xfrm>
             </p:contentPart>
           </mc:Choice>
-          <mc:Fallback xmlns="">
+          <mc:Fallback>
             <p:pic>
               <p:nvPicPr>
                 <p:cNvPr id="36" name="Ink 35">
@@ -12560,8 +14900,8 @@
             </p:pic>
           </mc:Fallback>
         </mc:AlternateContent>
-        <mc:AlternateContent xmlns:mc="http://schemas.openxmlformats.org/markup-compatibility/2006" xmlns:p14="http://schemas.microsoft.com/office/powerpoint/2010/main">
-          <mc:Choice Requires="p14">
+        <mc:AlternateContent xmlns:mc="http://schemas.openxmlformats.org/markup-compatibility/2006">
+          <mc:Choice xmlns:p14="http://schemas.microsoft.com/office/powerpoint/2010/main" Requires="p14">
             <p:contentPart p14:bwMode="auto" r:id="rId68">
               <p14:nvContentPartPr>
                 <p14:cNvPr id="37" name="Ink 36">
@@ -12580,7 +14920,7 @@
               </p14:xfrm>
             </p:contentPart>
           </mc:Choice>
-          <mc:Fallback xmlns="">
+          <mc:Fallback>
             <p:pic>
               <p:nvPicPr>
                 <p:cNvPr id="37" name="Ink 36">
@@ -12632,8 +14972,8 @@
             <a:chExt cx="2692800" cy="2397600"/>
           </a:xfrm>
         </p:grpSpPr>
-        <mc:AlternateContent xmlns:mc="http://schemas.openxmlformats.org/markup-compatibility/2006" xmlns:p14="http://schemas.microsoft.com/office/powerpoint/2010/main">
-          <mc:Choice Requires="p14">
+        <mc:AlternateContent xmlns:mc="http://schemas.openxmlformats.org/markup-compatibility/2006">
+          <mc:Choice xmlns:p14="http://schemas.microsoft.com/office/powerpoint/2010/main" Requires="p14">
             <p:contentPart p14:bwMode="auto" r:id="rId70">
               <p14:nvContentPartPr>
                 <p14:cNvPr id="40" name="Ink 39">
@@ -12652,7 +14992,7 @@
               </p14:xfrm>
             </p:contentPart>
           </mc:Choice>
-          <mc:Fallback xmlns="">
+          <mc:Fallback>
             <p:pic>
               <p:nvPicPr>
                 <p:cNvPr id="40" name="Ink 39">
@@ -12683,8 +15023,8 @@
             </p:pic>
           </mc:Fallback>
         </mc:AlternateContent>
-        <mc:AlternateContent xmlns:mc="http://schemas.openxmlformats.org/markup-compatibility/2006" xmlns:p14="http://schemas.microsoft.com/office/powerpoint/2010/main">
-          <mc:Choice Requires="p14">
+        <mc:AlternateContent xmlns:mc="http://schemas.openxmlformats.org/markup-compatibility/2006">
+          <mc:Choice xmlns:p14="http://schemas.microsoft.com/office/powerpoint/2010/main" Requires="p14">
             <p:contentPart p14:bwMode="auto" r:id="rId72">
               <p14:nvContentPartPr>
                 <p14:cNvPr id="41" name="Ink 40">
@@ -12703,7 +15043,7 @@
               </p14:xfrm>
             </p:contentPart>
           </mc:Choice>
-          <mc:Fallback xmlns="">
+          <mc:Fallback>
             <p:pic>
               <p:nvPicPr>
                 <p:cNvPr id="41" name="Ink 40">
@@ -12734,8 +15074,8 @@
             </p:pic>
           </mc:Fallback>
         </mc:AlternateContent>
-        <mc:AlternateContent xmlns:mc="http://schemas.openxmlformats.org/markup-compatibility/2006" xmlns:p14="http://schemas.microsoft.com/office/powerpoint/2010/main">
-          <mc:Choice Requires="p14">
+        <mc:AlternateContent xmlns:mc="http://schemas.openxmlformats.org/markup-compatibility/2006">
+          <mc:Choice xmlns:p14="http://schemas.microsoft.com/office/powerpoint/2010/main" Requires="p14">
             <p:contentPart p14:bwMode="auto" r:id="rId74">
               <p14:nvContentPartPr>
                 <p14:cNvPr id="42" name="Ink 41">
@@ -12754,7 +15094,7 @@
               </p14:xfrm>
             </p:contentPart>
           </mc:Choice>
-          <mc:Fallback xmlns="">
+          <mc:Fallback>
             <p:pic>
               <p:nvPicPr>
                 <p:cNvPr id="42" name="Ink 41">
@@ -12785,8 +15125,8 @@
             </p:pic>
           </mc:Fallback>
         </mc:AlternateContent>
-        <mc:AlternateContent xmlns:mc="http://schemas.openxmlformats.org/markup-compatibility/2006" xmlns:p14="http://schemas.microsoft.com/office/powerpoint/2010/main">
-          <mc:Choice Requires="p14">
+        <mc:AlternateContent xmlns:mc="http://schemas.openxmlformats.org/markup-compatibility/2006">
+          <mc:Choice xmlns:p14="http://schemas.microsoft.com/office/powerpoint/2010/main" Requires="p14">
             <p:contentPart p14:bwMode="auto" r:id="rId76">
               <p14:nvContentPartPr>
                 <p14:cNvPr id="43" name="Ink 42">
@@ -12805,7 +15145,7 @@
               </p14:xfrm>
             </p:contentPart>
           </mc:Choice>
-          <mc:Fallback xmlns="">
+          <mc:Fallback>
             <p:pic>
               <p:nvPicPr>
                 <p:cNvPr id="43" name="Ink 42">
@@ -12836,8 +15176,8 @@
             </p:pic>
           </mc:Fallback>
         </mc:AlternateContent>
-        <mc:AlternateContent xmlns:mc="http://schemas.openxmlformats.org/markup-compatibility/2006" xmlns:p14="http://schemas.microsoft.com/office/powerpoint/2010/main">
-          <mc:Choice Requires="p14">
+        <mc:AlternateContent xmlns:mc="http://schemas.openxmlformats.org/markup-compatibility/2006">
+          <mc:Choice xmlns:p14="http://schemas.microsoft.com/office/powerpoint/2010/main" Requires="p14">
             <p:contentPart p14:bwMode="auto" r:id="rId78">
               <p14:nvContentPartPr>
                 <p14:cNvPr id="44" name="Ink 43">
@@ -12856,7 +15196,7 @@
               </p14:xfrm>
             </p:contentPart>
           </mc:Choice>
-          <mc:Fallback xmlns="">
+          <mc:Fallback>
             <p:pic>
               <p:nvPicPr>
                 <p:cNvPr id="44" name="Ink 43">
@@ -12887,8 +15227,8 @@
             </p:pic>
           </mc:Fallback>
         </mc:AlternateContent>
-        <mc:AlternateContent xmlns:mc="http://schemas.openxmlformats.org/markup-compatibility/2006" xmlns:p14="http://schemas.microsoft.com/office/powerpoint/2010/main">
-          <mc:Choice Requires="p14">
+        <mc:AlternateContent xmlns:mc="http://schemas.openxmlformats.org/markup-compatibility/2006">
+          <mc:Choice xmlns:p14="http://schemas.microsoft.com/office/powerpoint/2010/main" Requires="p14">
             <p:contentPart p14:bwMode="auto" r:id="rId80">
               <p14:nvContentPartPr>
                 <p14:cNvPr id="45" name="Ink 44">
@@ -12907,7 +15247,7 @@
               </p14:xfrm>
             </p:contentPart>
           </mc:Choice>
-          <mc:Fallback xmlns="">
+          <mc:Fallback>
             <p:pic>
               <p:nvPicPr>
                 <p:cNvPr id="45" name="Ink 44">
@@ -12938,8 +15278,8 @@
             </p:pic>
           </mc:Fallback>
         </mc:AlternateContent>
-        <mc:AlternateContent xmlns:mc="http://schemas.openxmlformats.org/markup-compatibility/2006" xmlns:p14="http://schemas.microsoft.com/office/powerpoint/2010/main">
-          <mc:Choice Requires="p14">
+        <mc:AlternateContent xmlns:mc="http://schemas.openxmlformats.org/markup-compatibility/2006">
+          <mc:Choice xmlns:p14="http://schemas.microsoft.com/office/powerpoint/2010/main" Requires="p14">
             <p:contentPart p14:bwMode="auto" r:id="rId82">
               <p14:nvContentPartPr>
                 <p14:cNvPr id="46" name="Ink 45">
@@ -12958,7 +15298,7 @@
               </p14:xfrm>
             </p:contentPart>
           </mc:Choice>
-          <mc:Fallback xmlns="">
+          <mc:Fallback>
             <p:pic>
               <p:nvPicPr>
                 <p:cNvPr id="46" name="Ink 45">
@@ -12989,8 +15329,8 @@
             </p:pic>
           </mc:Fallback>
         </mc:AlternateContent>
-        <mc:AlternateContent xmlns:mc="http://schemas.openxmlformats.org/markup-compatibility/2006" xmlns:p14="http://schemas.microsoft.com/office/powerpoint/2010/main">
-          <mc:Choice Requires="p14">
+        <mc:AlternateContent xmlns:mc="http://schemas.openxmlformats.org/markup-compatibility/2006">
+          <mc:Choice xmlns:p14="http://schemas.microsoft.com/office/powerpoint/2010/main" Requires="p14">
             <p:contentPart p14:bwMode="auto" r:id="rId84">
               <p14:nvContentPartPr>
                 <p14:cNvPr id="47" name="Ink 46">
@@ -13009,7 +15349,7 @@
               </p14:xfrm>
             </p:contentPart>
           </mc:Choice>
-          <mc:Fallback xmlns="">
+          <mc:Fallback>
             <p:pic>
               <p:nvPicPr>
                 <p:cNvPr id="47" name="Ink 46">
@@ -13040,8 +15380,8 @@
             </p:pic>
           </mc:Fallback>
         </mc:AlternateContent>
-        <mc:AlternateContent xmlns:mc="http://schemas.openxmlformats.org/markup-compatibility/2006" xmlns:p14="http://schemas.microsoft.com/office/powerpoint/2010/main">
-          <mc:Choice Requires="p14">
+        <mc:AlternateContent xmlns:mc="http://schemas.openxmlformats.org/markup-compatibility/2006">
+          <mc:Choice xmlns:p14="http://schemas.microsoft.com/office/powerpoint/2010/main" Requires="p14">
             <p:contentPart p14:bwMode="auto" r:id="rId86">
               <p14:nvContentPartPr>
                 <p14:cNvPr id="48" name="Ink 47">
@@ -13060,7 +15400,7 @@
               </p14:xfrm>
             </p:contentPart>
           </mc:Choice>
-          <mc:Fallback xmlns="">
+          <mc:Fallback>
             <p:pic>
               <p:nvPicPr>
                 <p:cNvPr id="48" name="Ink 47">
@@ -13091,8 +15431,8 @@
             </p:pic>
           </mc:Fallback>
         </mc:AlternateContent>
-        <mc:AlternateContent xmlns:mc="http://schemas.openxmlformats.org/markup-compatibility/2006" xmlns:p14="http://schemas.microsoft.com/office/powerpoint/2010/main">
-          <mc:Choice Requires="p14">
+        <mc:AlternateContent xmlns:mc="http://schemas.openxmlformats.org/markup-compatibility/2006">
+          <mc:Choice xmlns:p14="http://schemas.microsoft.com/office/powerpoint/2010/main" Requires="p14">
             <p:contentPart p14:bwMode="auto" r:id="rId88">
               <p14:nvContentPartPr>
                 <p14:cNvPr id="49" name="Ink 48">
@@ -13111,7 +15451,7 @@
               </p14:xfrm>
             </p:contentPart>
           </mc:Choice>
-          <mc:Fallback xmlns="">
+          <mc:Fallback>
             <p:pic>
               <p:nvPicPr>
                 <p:cNvPr id="49" name="Ink 48">
@@ -13142,8 +15482,8 @@
             </p:pic>
           </mc:Fallback>
         </mc:AlternateContent>
-        <mc:AlternateContent xmlns:mc="http://schemas.openxmlformats.org/markup-compatibility/2006" xmlns:p14="http://schemas.microsoft.com/office/powerpoint/2010/main">
-          <mc:Choice Requires="p14">
+        <mc:AlternateContent xmlns:mc="http://schemas.openxmlformats.org/markup-compatibility/2006">
+          <mc:Choice xmlns:p14="http://schemas.microsoft.com/office/powerpoint/2010/main" Requires="p14">
             <p:contentPart p14:bwMode="auto" r:id="rId90">
               <p14:nvContentPartPr>
                 <p14:cNvPr id="50" name="Ink 49">
@@ -13162,7 +15502,7 @@
               </p14:xfrm>
             </p:contentPart>
           </mc:Choice>
-          <mc:Fallback xmlns="">
+          <mc:Fallback>
             <p:pic>
               <p:nvPicPr>
                 <p:cNvPr id="50" name="Ink 49">
@@ -13193,8 +15533,8 @@
             </p:pic>
           </mc:Fallback>
         </mc:AlternateContent>
-        <mc:AlternateContent xmlns:mc="http://schemas.openxmlformats.org/markup-compatibility/2006" xmlns:p14="http://schemas.microsoft.com/office/powerpoint/2010/main">
-          <mc:Choice Requires="p14">
+        <mc:AlternateContent xmlns:mc="http://schemas.openxmlformats.org/markup-compatibility/2006">
+          <mc:Choice xmlns:p14="http://schemas.microsoft.com/office/powerpoint/2010/main" Requires="p14">
             <p:contentPart p14:bwMode="auto" r:id="rId92">
               <p14:nvContentPartPr>
                 <p14:cNvPr id="51" name="Ink 50">
@@ -13213,7 +15553,7 @@
               </p14:xfrm>
             </p:contentPart>
           </mc:Choice>
-          <mc:Fallback xmlns="">
+          <mc:Fallback>
             <p:pic>
               <p:nvPicPr>
                 <p:cNvPr id="51" name="Ink 50">
@@ -13244,8 +15584,8 @@
             </p:pic>
           </mc:Fallback>
         </mc:AlternateContent>
-        <mc:AlternateContent xmlns:mc="http://schemas.openxmlformats.org/markup-compatibility/2006" xmlns:p14="http://schemas.microsoft.com/office/powerpoint/2010/main">
-          <mc:Choice Requires="p14">
+        <mc:AlternateContent xmlns:mc="http://schemas.openxmlformats.org/markup-compatibility/2006">
+          <mc:Choice xmlns:p14="http://schemas.microsoft.com/office/powerpoint/2010/main" Requires="p14">
             <p:contentPart p14:bwMode="auto" r:id="rId94">
               <p14:nvContentPartPr>
                 <p14:cNvPr id="52" name="Ink 51">
@@ -13264,7 +15604,7 @@
               </p14:xfrm>
             </p:contentPart>
           </mc:Choice>
-          <mc:Fallback xmlns="">
+          <mc:Fallback>
             <p:pic>
               <p:nvPicPr>
                 <p:cNvPr id="52" name="Ink 51">
@@ -13295,8 +15635,8 @@
             </p:pic>
           </mc:Fallback>
         </mc:AlternateContent>
-        <mc:AlternateContent xmlns:mc="http://schemas.openxmlformats.org/markup-compatibility/2006" xmlns:p14="http://schemas.microsoft.com/office/powerpoint/2010/main">
-          <mc:Choice Requires="p14">
+        <mc:AlternateContent xmlns:mc="http://schemas.openxmlformats.org/markup-compatibility/2006">
+          <mc:Choice xmlns:p14="http://schemas.microsoft.com/office/powerpoint/2010/main" Requires="p14">
             <p:contentPart p14:bwMode="auto" r:id="rId96">
               <p14:nvContentPartPr>
                 <p14:cNvPr id="53" name="Ink 52">
@@ -13315,7 +15655,7 @@
               </p14:xfrm>
             </p:contentPart>
           </mc:Choice>
-          <mc:Fallback xmlns="">
+          <mc:Fallback>
             <p:pic>
               <p:nvPicPr>
                 <p:cNvPr id="53" name="Ink 52">
@@ -13346,8 +15686,8 @@
             </p:pic>
           </mc:Fallback>
         </mc:AlternateContent>
-        <mc:AlternateContent xmlns:mc="http://schemas.openxmlformats.org/markup-compatibility/2006" xmlns:p14="http://schemas.microsoft.com/office/powerpoint/2010/main">
-          <mc:Choice Requires="p14">
+        <mc:AlternateContent xmlns:mc="http://schemas.openxmlformats.org/markup-compatibility/2006">
+          <mc:Choice xmlns:p14="http://schemas.microsoft.com/office/powerpoint/2010/main" Requires="p14">
             <p:contentPart p14:bwMode="auto" r:id="rId98">
               <p14:nvContentPartPr>
                 <p14:cNvPr id="54" name="Ink 53">
@@ -13366,7 +15706,7 @@
               </p14:xfrm>
             </p:contentPart>
           </mc:Choice>
-          <mc:Fallback xmlns="">
+          <mc:Fallback>
             <p:pic>
               <p:nvPicPr>
                 <p:cNvPr id="54" name="Ink 53">
@@ -13397,8 +15737,8 @@
             </p:pic>
           </mc:Fallback>
         </mc:AlternateContent>
-        <mc:AlternateContent xmlns:mc="http://schemas.openxmlformats.org/markup-compatibility/2006" xmlns:p14="http://schemas.microsoft.com/office/powerpoint/2010/main">
-          <mc:Choice Requires="p14">
+        <mc:AlternateContent xmlns:mc="http://schemas.openxmlformats.org/markup-compatibility/2006">
+          <mc:Choice xmlns:p14="http://schemas.microsoft.com/office/powerpoint/2010/main" Requires="p14">
             <p:contentPart p14:bwMode="auto" r:id="rId100">
               <p14:nvContentPartPr>
                 <p14:cNvPr id="55" name="Ink 54">
@@ -13417,7 +15757,7 @@
               </p14:xfrm>
             </p:contentPart>
           </mc:Choice>
-          <mc:Fallback xmlns="">
+          <mc:Fallback>
             <p:pic>
               <p:nvPicPr>
                 <p:cNvPr id="55" name="Ink 54">
@@ -13448,8 +15788,8 @@
             </p:pic>
           </mc:Fallback>
         </mc:AlternateContent>
-        <mc:AlternateContent xmlns:mc="http://schemas.openxmlformats.org/markup-compatibility/2006" xmlns:p14="http://schemas.microsoft.com/office/powerpoint/2010/main">
-          <mc:Choice Requires="p14">
+        <mc:AlternateContent xmlns:mc="http://schemas.openxmlformats.org/markup-compatibility/2006">
+          <mc:Choice xmlns:p14="http://schemas.microsoft.com/office/powerpoint/2010/main" Requires="p14">
             <p:contentPart p14:bwMode="auto" r:id="rId102">
               <p14:nvContentPartPr>
                 <p14:cNvPr id="56" name="Ink 55">
@@ -13468,7 +15808,7 @@
               </p14:xfrm>
             </p:contentPart>
           </mc:Choice>
-          <mc:Fallback xmlns="">
+          <mc:Fallback>
             <p:pic>
               <p:nvPicPr>
                 <p:cNvPr id="56" name="Ink 55">
@@ -13499,8 +15839,8 @@
             </p:pic>
           </mc:Fallback>
         </mc:AlternateContent>
-        <mc:AlternateContent xmlns:mc="http://schemas.openxmlformats.org/markup-compatibility/2006" xmlns:p14="http://schemas.microsoft.com/office/powerpoint/2010/main">
-          <mc:Choice Requires="p14">
+        <mc:AlternateContent xmlns:mc="http://schemas.openxmlformats.org/markup-compatibility/2006">
+          <mc:Choice xmlns:p14="http://schemas.microsoft.com/office/powerpoint/2010/main" Requires="p14">
             <p:contentPart p14:bwMode="auto" r:id="rId104">
               <p14:nvContentPartPr>
                 <p14:cNvPr id="57" name="Ink 56">
@@ -13519,7 +15859,7 @@
               </p14:xfrm>
             </p:contentPart>
           </mc:Choice>
-          <mc:Fallback xmlns="">
+          <mc:Fallback>
             <p:pic>
               <p:nvPicPr>
                 <p:cNvPr id="57" name="Ink 56">
@@ -13550,8 +15890,8 @@
             </p:pic>
           </mc:Fallback>
         </mc:AlternateContent>
-        <mc:AlternateContent xmlns:mc="http://schemas.openxmlformats.org/markup-compatibility/2006" xmlns:p14="http://schemas.microsoft.com/office/powerpoint/2010/main">
-          <mc:Choice Requires="p14">
+        <mc:AlternateContent xmlns:mc="http://schemas.openxmlformats.org/markup-compatibility/2006">
+          <mc:Choice xmlns:p14="http://schemas.microsoft.com/office/powerpoint/2010/main" Requires="p14">
             <p:contentPart p14:bwMode="auto" r:id="rId106">
               <p14:nvContentPartPr>
                 <p14:cNvPr id="58" name="Ink 57">
@@ -13570,7 +15910,7 @@
               </p14:xfrm>
             </p:contentPart>
           </mc:Choice>
-          <mc:Fallback xmlns="">
+          <mc:Fallback>
             <p:pic>
               <p:nvPicPr>
                 <p:cNvPr id="58" name="Ink 57">
@@ -13601,8 +15941,8 @@
             </p:pic>
           </mc:Fallback>
         </mc:AlternateContent>
-        <mc:AlternateContent xmlns:mc="http://schemas.openxmlformats.org/markup-compatibility/2006" xmlns:p14="http://schemas.microsoft.com/office/powerpoint/2010/main">
-          <mc:Choice Requires="p14">
+        <mc:AlternateContent xmlns:mc="http://schemas.openxmlformats.org/markup-compatibility/2006">
+          <mc:Choice xmlns:p14="http://schemas.microsoft.com/office/powerpoint/2010/main" Requires="p14">
             <p:contentPart p14:bwMode="auto" r:id="rId108">
               <p14:nvContentPartPr>
                 <p14:cNvPr id="59" name="Ink 58">
@@ -13621,7 +15961,7 @@
               </p14:xfrm>
             </p:contentPart>
           </mc:Choice>
-          <mc:Fallback xmlns="">
+          <mc:Fallback>
             <p:pic>
               <p:nvPicPr>
                 <p:cNvPr id="59" name="Ink 58">
@@ -13652,8 +15992,8 @@
             </p:pic>
           </mc:Fallback>
         </mc:AlternateContent>
-        <mc:AlternateContent xmlns:mc="http://schemas.openxmlformats.org/markup-compatibility/2006" xmlns:p14="http://schemas.microsoft.com/office/powerpoint/2010/main">
-          <mc:Choice Requires="p14">
+        <mc:AlternateContent xmlns:mc="http://schemas.openxmlformats.org/markup-compatibility/2006">
+          <mc:Choice xmlns:p14="http://schemas.microsoft.com/office/powerpoint/2010/main" Requires="p14">
             <p:contentPart p14:bwMode="auto" r:id="rId110">
               <p14:nvContentPartPr>
                 <p14:cNvPr id="61" name="Ink 60">
@@ -13672,7 +16012,7 @@
               </p14:xfrm>
             </p:contentPart>
           </mc:Choice>
-          <mc:Fallback xmlns="">
+          <mc:Fallback>
             <p:pic>
               <p:nvPicPr>
                 <p:cNvPr id="61" name="Ink 60">
@@ -13703,8 +16043,8 @@
             </p:pic>
           </mc:Fallback>
         </mc:AlternateContent>
-        <mc:AlternateContent xmlns:mc="http://schemas.openxmlformats.org/markup-compatibility/2006" xmlns:p14="http://schemas.microsoft.com/office/powerpoint/2010/main">
-          <mc:Choice Requires="p14">
+        <mc:AlternateContent xmlns:mc="http://schemas.openxmlformats.org/markup-compatibility/2006">
+          <mc:Choice xmlns:p14="http://schemas.microsoft.com/office/powerpoint/2010/main" Requires="p14">
             <p:contentPart p14:bwMode="auto" r:id="rId112">
               <p14:nvContentPartPr>
                 <p14:cNvPr id="62" name="Ink 61">
@@ -13723,7 +16063,7 @@
               </p14:xfrm>
             </p:contentPart>
           </mc:Choice>
-          <mc:Fallback xmlns="">
+          <mc:Fallback>
             <p:pic>
               <p:nvPicPr>
                 <p:cNvPr id="62" name="Ink 61">
@@ -13754,8 +16094,8 @@
             </p:pic>
           </mc:Fallback>
         </mc:AlternateContent>
-        <mc:AlternateContent xmlns:mc="http://schemas.openxmlformats.org/markup-compatibility/2006" xmlns:p14="http://schemas.microsoft.com/office/powerpoint/2010/main">
-          <mc:Choice Requires="p14">
+        <mc:AlternateContent xmlns:mc="http://schemas.openxmlformats.org/markup-compatibility/2006">
+          <mc:Choice xmlns:p14="http://schemas.microsoft.com/office/powerpoint/2010/main" Requires="p14">
             <p:contentPart p14:bwMode="auto" r:id="rId114">
               <p14:nvContentPartPr>
                 <p14:cNvPr id="77" name="Ink 76">
@@ -13774,7 +16114,7 @@
               </p14:xfrm>
             </p:contentPart>
           </mc:Choice>
-          <mc:Fallback xmlns="">
+          <mc:Fallback>
             <p:pic>
               <p:nvPicPr>
                 <p:cNvPr id="77" name="Ink 76">
@@ -13805,8 +16145,8 @@
             </p:pic>
           </mc:Fallback>
         </mc:AlternateContent>
-        <mc:AlternateContent xmlns:mc="http://schemas.openxmlformats.org/markup-compatibility/2006" xmlns:p14="http://schemas.microsoft.com/office/powerpoint/2010/main">
-          <mc:Choice Requires="p14">
+        <mc:AlternateContent xmlns:mc="http://schemas.openxmlformats.org/markup-compatibility/2006">
+          <mc:Choice xmlns:p14="http://schemas.microsoft.com/office/powerpoint/2010/main" Requires="p14">
             <p:contentPart p14:bwMode="auto" r:id="rId116">
               <p14:nvContentPartPr>
                 <p14:cNvPr id="78" name="Ink 77">
@@ -13825,7 +16165,7 @@
               </p14:xfrm>
             </p:contentPart>
           </mc:Choice>
-          <mc:Fallback xmlns="">
+          <mc:Fallback>
             <p:pic>
               <p:nvPicPr>
                 <p:cNvPr id="78" name="Ink 77">
@@ -13856,8 +16196,8 @@
             </p:pic>
           </mc:Fallback>
         </mc:AlternateContent>
-        <mc:AlternateContent xmlns:mc="http://schemas.openxmlformats.org/markup-compatibility/2006" xmlns:p14="http://schemas.microsoft.com/office/powerpoint/2010/main">
-          <mc:Choice Requires="p14">
+        <mc:AlternateContent xmlns:mc="http://schemas.openxmlformats.org/markup-compatibility/2006">
+          <mc:Choice xmlns:p14="http://schemas.microsoft.com/office/powerpoint/2010/main" Requires="p14">
             <p:contentPart p14:bwMode="auto" r:id="rId118">
               <p14:nvContentPartPr>
                 <p14:cNvPr id="79" name="Ink 78">
@@ -13876,7 +16216,7 @@
               </p14:xfrm>
             </p:contentPart>
           </mc:Choice>
-          <mc:Fallback xmlns="">
+          <mc:Fallback>
             <p:pic>
               <p:nvPicPr>
                 <p:cNvPr id="79" name="Ink 78">
@@ -13907,8 +16247,8 @@
             </p:pic>
           </mc:Fallback>
         </mc:AlternateContent>
-        <mc:AlternateContent xmlns:mc="http://schemas.openxmlformats.org/markup-compatibility/2006" xmlns:p14="http://schemas.microsoft.com/office/powerpoint/2010/main">
-          <mc:Choice Requires="p14">
+        <mc:AlternateContent xmlns:mc="http://schemas.openxmlformats.org/markup-compatibility/2006">
+          <mc:Choice xmlns:p14="http://schemas.microsoft.com/office/powerpoint/2010/main" Requires="p14">
             <p:contentPart p14:bwMode="auto" r:id="rId120">
               <p14:nvContentPartPr>
                 <p14:cNvPr id="80" name="Ink 79">
@@ -13927,7 +16267,7 @@
               </p14:xfrm>
             </p:contentPart>
           </mc:Choice>
-          <mc:Fallback xmlns="">
+          <mc:Fallback>
             <p:pic>
               <p:nvPicPr>
                 <p:cNvPr id="80" name="Ink 79">
@@ -13958,8 +16298,8 @@
             </p:pic>
           </mc:Fallback>
         </mc:AlternateContent>
-        <mc:AlternateContent xmlns:mc="http://schemas.openxmlformats.org/markup-compatibility/2006" xmlns:p14="http://schemas.microsoft.com/office/powerpoint/2010/main">
-          <mc:Choice Requires="p14">
+        <mc:AlternateContent xmlns:mc="http://schemas.openxmlformats.org/markup-compatibility/2006">
+          <mc:Choice xmlns:p14="http://schemas.microsoft.com/office/powerpoint/2010/main" Requires="p14">
             <p:contentPart p14:bwMode="auto" r:id="rId122">
               <p14:nvContentPartPr>
                 <p14:cNvPr id="81" name="Ink 80">
@@ -13978,7 +16318,7 @@
               </p14:xfrm>
             </p:contentPart>
           </mc:Choice>
-          <mc:Fallback xmlns="">
+          <mc:Fallback>
             <p:pic>
               <p:nvPicPr>
                 <p:cNvPr id="81" name="Ink 80">
@@ -14009,8 +16349,8 @@
             </p:pic>
           </mc:Fallback>
         </mc:AlternateContent>
-        <mc:AlternateContent xmlns:mc="http://schemas.openxmlformats.org/markup-compatibility/2006" xmlns:p14="http://schemas.microsoft.com/office/powerpoint/2010/main">
-          <mc:Choice Requires="p14">
+        <mc:AlternateContent xmlns:mc="http://schemas.openxmlformats.org/markup-compatibility/2006">
+          <mc:Choice xmlns:p14="http://schemas.microsoft.com/office/powerpoint/2010/main" Requires="p14">
             <p:contentPart p14:bwMode="auto" r:id="rId124">
               <p14:nvContentPartPr>
                 <p14:cNvPr id="82" name="Ink 81">
@@ -14029,7 +16369,7 @@
               </p14:xfrm>
             </p:contentPart>
           </mc:Choice>
-          <mc:Fallback xmlns="">
+          <mc:Fallback>
             <p:pic>
               <p:nvPicPr>
                 <p:cNvPr id="82" name="Ink 81">
@@ -14060,8 +16400,8 @@
             </p:pic>
           </mc:Fallback>
         </mc:AlternateContent>
-        <mc:AlternateContent xmlns:mc="http://schemas.openxmlformats.org/markup-compatibility/2006" xmlns:p14="http://schemas.microsoft.com/office/powerpoint/2010/main">
-          <mc:Choice Requires="p14">
+        <mc:AlternateContent xmlns:mc="http://schemas.openxmlformats.org/markup-compatibility/2006">
+          <mc:Choice xmlns:p14="http://schemas.microsoft.com/office/powerpoint/2010/main" Requires="p14">
             <p:contentPart p14:bwMode="auto" r:id="rId126">
               <p14:nvContentPartPr>
                 <p14:cNvPr id="66" name="Ink 65">
@@ -14080,7 +16420,7 @@
               </p14:xfrm>
             </p:contentPart>
           </mc:Choice>
-          <mc:Fallback xmlns="">
+          <mc:Fallback>
             <p:pic>
               <p:nvPicPr>
                 <p:cNvPr id="66" name="Ink 65">
@@ -14111,8 +16451,8 @@
             </p:pic>
           </mc:Fallback>
         </mc:AlternateContent>
-        <mc:AlternateContent xmlns:mc="http://schemas.openxmlformats.org/markup-compatibility/2006" xmlns:p14="http://schemas.microsoft.com/office/powerpoint/2010/main">
-          <mc:Choice Requires="p14">
+        <mc:AlternateContent xmlns:mc="http://schemas.openxmlformats.org/markup-compatibility/2006">
+          <mc:Choice xmlns:p14="http://schemas.microsoft.com/office/powerpoint/2010/main" Requires="p14">
             <p:contentPart p14:bwMode="auto" r:id="rId128">
               <p14:nvContentPartPr>
                 <p14:cNvPr id="67" name="Ink 66">
@@ -14131,7 +16471,7 @@
               </p14:xfrm>
             </p:contentPart>
           </mc:Choice>
-          <mc:Fallback xmlns="">
+          <mc:Fallback>
             <p:pic>
               <p:nvPicPr>
                 <p:cNvPr id="67" name="Ink 66">
@@ -14162,8 +16502,8 @@
             </p:pic>
           </mc:Fallback>
         </mc:AlternateContent>
-        <mc:AlternateContent xmlns:mc="http://schemas.openxmlformats.org/markup-compatibility/2006" xmlns:p14="http://schemas.microsoft.com/office/powerpoint/2010/main">
-          <mc:Choice Requires="p14">
+        <mc:AlternateContent xmlns:mc="http://schemas.openxmlformats.org/markup-compatibility/2006">
+          <mc:Choice xmlns:p14="http://schemas.microsoft.com/office/powerpoint/2010/main" Requires="p14">
             <p:contentPart p14:bwMode="auto" r:id="rId130">
               <p14:nvContentPartPr>
                 <p14:cNvPr id="68" name="Ink 67">
@@ -14182,7 +16522,7 @@
               </p14:xfrm>
             </p:contentPart>
           </mc:Choice>
-          <mc:Fallback xmlns="">
+          <mc:Fallback>
             <p:pic>
               <p:nvPicPr>
                 <p:cNvPr id="68" name="Ink 67">
@@ -14213,8 +16553,8 @@
             </p:pic>
           </mc:Fallback>
         </mc:AlternateContent>
-        <mc:AlternateContent xmlns:mc="http://schemas.openxmlformats.org/markup-compatibility/2006" xmlns:p14="http://schemas.microsoft.com/office/powerpoint/2010/main">
-          <mc:Choice Requires="p14">
+        <mc:AlternateContent xmlns:mc="http://schemas.openxmlformats.org/markup-compatibility/2006">
+          <mc:Choice xmlns:p14="http://schemas.microsoft.com/office/powerpoint/2010/main" Requires="p14">
             <p:contentPart p14:bwMode="auto" r:id="rId132">
               <p14:nvContentPartPr>
                 <p14:cNvPr id="69" name="Ink 68">
@@ -14233,7 +16573,7 @@
               </p14:xfrm>
             </p:contentPart>
           </mc:Choice>
-          <mc:Fallback xmlns="">
+          <mc:Fallback>
             <p:pic>
               <p:nvPicPr>
                 <p:cNvPr id="69" name="Ink 68">
@@ -14264,8 +16604,8 @@
             </p:pic>
           </mc:Fallback>
         </mc:AlternateContent>
-        <mc:AlternateContent xmlns:mc="http://schemas.openxmlformats.org/markup-compatibility/2006" xmlns:p14="http://schemas.microsoft.com/office/powerpoint/2010/main">
-          <mc:Choice Requires="p14">
+        <mc:AlternateContent xmlns:mc="http://schemas.openxmlformats.org/markup-compatibility/2006">
+          <mc:Choice xmlns:p14="http://schemas.microsoft.com/office/powerpoint/2010/main" Requires="p14">
             <p:contentPart p14:bwMode="auto" r:id="rId134">
               <p14:nvContentPartPr>
                 <p14:cNvPr id="70" name="Ink 69">
@@ -14284,7 +16624,7 @@
               </p14:xfrm>
             </p:contentPart>
           </mc:Choice>
-          <mc:Fallback xmlns="">
+          <mc:Fallback>
             <p:pic>
               <p:nvPicPr>
                 <p:cNvPr id="70" name="Ink 69">
@@ -14315,8 +16655,8 @@
             </p:pic>
           </mc:Fallback>
         </mc:AlternateContent>
-        <mc:AlternateContent xmlns:mc="http://schemas.openxmlformats.org/markup-compatibility/2006" xmlns:p14="http://schemas.microsoft.com/office/powerpoint/2010/main">
-          <mc:Choice Requires="p14">
+        <mc:AlternateContent xmlns:mc="http://schemas.openxmlformats.org/markup-compatibility/2006">
+          <mc:Choice xmlns:p14="http://schemas.microsoft.com/office/powerpoint/2010/main" Requires="p14">
             <p:contentPart p14:bwMode="auto" r:id="rId136">
               <p14:nvContentPartPr>
                 <p14:cNvPr id="71" name="Ink 70">
@@ -14335,7 +16675,7 @@
               </p14:xfrm>
             </p:contentPart>
           </mc:Choice>
-          <mc:Fallback xmlns="">
+          <mc:Fallback>
             <p:pic>
               <p:nvPicPr>
                 <p:cNvPr id="71" name="Ink 70">
@@ -14366,8 +16706,8 @@
             </p:pic>
           </mc:Fallback>
         </mc:AlternateContent>
-        <mc:AlternateContent xmlns:mc="http://schemas.openxmlformats.org/markup-compatibility/2006" xmlns:p14="http://schemas.microsoft.com/office/powerpoint/2010/main">
-          <mc:Choice Requires="p14">
+        <mc:AlternateContent xmlns:mc="http://schemas.openxmlformats.org/markup-compatibility/2006">
+          <mc:Choice xmlns:p14="http://schemas.microsoft.com/office/powerpoint/2010/main" Requires="p14">
             <p:contentPart p14:bwMode="auto" r:id="rId138">
               <p14:nvContentPartPr>
                 <p14:cNvPr id="72" name="Ink 71">
@@ -14386,7 +16726,7 @@
               </p14:xfrm>
             </p:contentPart>
           </mc:Choice>
-          <mc:Fallback xmlns="">
+          <mc:Fallback>
             <p:pic>
               <p:nvPicPr>
                 <p:cNvPr id="72" name="Ink 71">
@@ -14417,8 +16757,8 @@
             </p:pic>
           </mc:Fallback>
         </mc:AlternateContent>
-        <mc:AlternateContent xmlns:mc="http://schemas.openxmlformats.org/markup-compatibility/2006" xmlns:p14="http://schemas.microsoft.com/office/powerpoint/2010/main">
-          <mc:Choice Requires="p14">
+        <mc:AlternateContent xmlns:mc="http://schemas.openxmlformats.org/markup-compatibility/2006">
+          <mc:Choice xmlns:p14="http://schemas.microsoft.com/office/powerpoint/2010/main" Requires="p14">
             <p:contentPart p14:bwMode="auto" r:id="rId140">
               <p14:nvContentPartPr>
                 <p14:cNvPr id="73" name="Ink 72">
@@ -14437,7 +16777,7 @@
               </p14:xfrm>
             </p:contentPart>
           </mc:Choice>
-          <mc:Fallback xmlns="">
+          <mc:Fallback>
             <p:pic>
               <p:nvPicPr>
                 <p:cNvPr id="73" name="Ink 72">
@@ -14468,8 +16808,8 @@
             </p:pic>
           </mc:Fallback>
         </mc:AlternateContent>
-        <mc:AlternateContent xmlns:mc="http://schemas.openxmlformats.org/markup-compatibility/2006" xmlns:p14="http://schemas.microsoft.com/office/powerpoint/2010/main">
-          <mc:Choice Requires="p14">
+        <mc:AlternateContent xmlns:mc="http://schemas.openxmlformats.org/markup-compatibility/2006">
+          <mc:Choice xmlns:p14="http://schemas.microsoft.com/office/powerpoint/2010/main" Requires="p14">
             <p:contentPart p14:bwMode="auto" r:id="rId142">
               <p14:nvContentPartPr>
                 <p14:cNvPr id="74" name="Ink 73">
@@ -14488,7 +16828,7 @@
               </p14:xfrm>
             </p:contentPart>
           </mc:Choice>
-          <mc:Fallback xmlns="">
+          <mc:Fallback>
             <p:pic>
               <p:nvPicPr>
                 <p:cNvPr id="74" name="Ink 73">
@@ -14519,8 +16859,8 @@
             </p:pic>
           </mc:Fallback>
         </mc:AlternateContent>
-        <mc:AlternateContent xmlns:mc="http://schemas.openxmlformats.org/markup-compatibility/2006" xmlns:p14="http://schemas.microsoft.com/office/powerpoint/2010/main">
-          <mc:Choice Requires="p14">
+        <mc:AlternateContent xmlns:mc="http://schemas.openxmlformats.org/markup-compatibility/2006">
+          <mc:Choice xmlns:p14="http://schemas.microsoft.com/office/powerpoint/2010/main" Requires="p14">
             <p:contentPart p14:bwMode="auto" r:id="rId144">
               <p14:nvContentPartPr>
                 <p14:cNvPr id="75" name="Ink 74">
@@ -14539,7 +16879,7 @@
               </p14:xfrm>
             </p:contentPart>
           </mc:Choice>
-          <mc:Fallback xmlns="">
+          <mc:Fallback>
             <p:pic>
               <p:nvPicPr>
                 <p:cNvPr id="75" name="Ink 74">
@@ -14570,8 +16910,8 @@
             </p:pic>
           </mc:Fallback>
         </mc:AlternateContent>
-        <mc:AlternateContent xmlns:mc="http://schemas.openxmlformats.org/markup-compatibility/2006" xmlns:p14="http://schemas.microsoft.com/office/powerpoint/2010/main">
-          <mc:Choice Requires="p14">
+        <mc:AlternateContent xmlns:mc="http://schemas.openxmlformats.org/markup-compatibility/2006">
+          <mc:Choice xmlns:p14="http://schemas.microsoft.com/office/powerpoint/2010/main" Requires="p14">
             <p:contentPart p14:bwMode="auto" r:id="rId146">
               <p14:nvContentPartPr>
                 <p14:cNvPr id="64" name="Ink 63">
@@ -14590,7 +16930,7 @@
               </p14:xfrm>
             </p:contentPart>
           </mc:Choice>
-          <mc:Fallback xmlns="">
+          <mc:Fallback>
             <p:pic>
               <p:nvPicPr>
                 <p:cNvPr id="64" name="Ink 63">
@@ -14621,8 +16961,8 @@
             </p:pic>
           </mc:Fallback>
         </mc:AlternateContent>
-        <mc:AlternateContent xmlns:mc="http://schemas.openxmlformats.org/markup-compatibility/2006" xmlns:p14="http://schemas.microsoft.com/office/powerpoint/2010/main">
-          <mc:Choice Requires="p14">
+        <mc:AlternateContent xmlns:mc="http://schemas.openxmlformats.org/markup-compatibility/2006">
+          <mc:Choice xmlns:p14="http://schemas.microsoft.com/office/powerpoint/2010/main" Requires="p14">
             <p:contentPart p14:bwMode="auto" r:id="rId148">
               <p14:nvContentPartPr>
                 <p14:cNvPr id="65" name="Ink 64">
@@ -14641,7 +16981,7 @@
               </p14:xfrm>
             </p:contentPart>
           </mc:Choice>
-          <mc:Fallback xmlns="">
+          <mc:Fallback>
             <p:pic>
               <p:nvPicPr>
                 <p:cNvPr id="65" name="Ink 64">
@@ -14672,8 +17012,8 @@
             </p:pic>
           </mc:Fallback>
         </mc:AlternateContent>
-        <mc:AlternateContent xmlns:mc="http://schemas.openxmlformats.org/markup-compatibility/2006" xmlns:p14="http://schemas.microsoft.com/office/powerpoint/2010/main">
-          <mc:Choice Requires="p14">
+        <mc:AlternateContent xmlns:mc="http://schemas.openxmlformats.org/markup-compatibility/2006">
+          <mc:Choice xmlns:p14="http://schemas.microsoft.com/office/powerpoint/2010/main" Requires="p14">
             <p:contentPart p14:bwMode="auto" r:id="rId150">
               <p14:nvContentPartPr>
                 <p14:cNvPr id="84" name="Ink 83">
@@ -14692,7 +17032,7 @@
               </p14:xfrm>
             </p:contentPart>
           </mc:Choice>
-          <mc:Fallback xmlns="">
+          <mc:Fallback>
             <p:pic>
               <p:nvPicPr>
                 <p:cNvPr id="84" name="Ink 83">
@@ -14723,8 +17063,8 @@
             </p:pic>
           </mc:Fallback>
         </mc:AlternateContent>
-        <mc:AlternateContent xmlns:mc="http://schemas.openxmlformats.org/markup-compatibility/2006" xmlns:p14="http://schemas.microsoft.com/office/powerpoint/2010/main">
-          <mc:Choice Requires="p14">
+        <mc:AlternateContent xmlns:mc="http://schemas.openxmlformats.org/markup-compatibility/2006">
+          <mc:Choice xmlns:p14="http://schemas.microsoft.com/office/powerpoint/2010/main" Requires="p14">
             <p:contentPart p14:bwMode="auto" r:id="rId152">
               <p14:nvContentPartPr>
                 <p14:cNvPr id="85" name="Ink 84">
@@ -14743,7 +17083,7 @@
               </p14:xfrm>
             </p:contentPart>
           </mc:Choice>
-          <mc:Fallback xmlns="">
+          <mc:Fallback>
             <p:pic>
               <p:nvPicPr>
                 <p:cNvPr id="85" name="Ink 84">
@@ -14774,8 +17114,8 @@
             </p:pic>
           </mc:Fallback>
         </mc:AlternateContent>
-        <mc:AlternateContent xmlns:mc="http://schemas.openxmlformats.org/markup-compatibility/2006" xmlns:p14="http://schemas.microsoft.com/office/powerpoint/2010/main">
-          <mc:Choice Requires="p14">
+        <mc:AlternateContent xmlns:mc="http://schemas.openxmlformats.org/markup-compatibility/2006">
+          <mc:Choice xmlns:p14="http://schemas.microsoft.com/office/powerpoint/2010/main" Requires="p14">
             <p:contentPart p14:bwMode="auto" r:id="rId154">
               <p14:nvContentPartPr>
                 <p14:cNvPr id="86" name="Ink 85">
@@ -14794,7 +17134,7 @@
               </p14:xfrm>
             </p:contentPart>
           </mc:Choice>
-          <mc:Fallback xmlns="">
+          <mc:Fallback>
             <p:pic>
               <p:nvPicPr>
                 <p:cNvPr id="86" name="Ink 85">
@@ -14825,8 +17165,8 @@
             </p:pic>
           </mc:Fallback>
         </mc:AlternateContent>
-        <mc:AlternateContent xmlns:mc="http://schemas.openxmlformats.org/markup-compatibility/2006" xmlns:p14="http://schemas.microsoft.com/office/powerpoint/2010/main">
-          <mc:Choice Requires="p14">
+        <mc:AlternateContent xmlns:mc="http://schemas.openxmlformats.org/markup-compatibility/2006">
+          <mc:Choice xmlns:p14="http://schemas.microsoft.com/office/powerpoint/2010/main" Requires="p14">
             <p:contentPart p14:bwMode="auto" r:id="rId156">
               <p14:nvContentPartPr>
                 <p14:cNvPr id="87" name="Ink 86">
@@ -14845,7 +17185,7 @@
               </p14:xfrm>
             </p:contentPart>
           </mc:Choice>
-          <mc:Fallback xmlns="">
+          <mc:Fallback>
             <p:pic>
               <p:nvPicPr>
                 <p:cNvPr id="87" name="Ink 86">
@@ -14876,8 +17216,8 @@
             </p:pic>
           </mc:Fallback>
         </mc:AlternateContent>
-        <mc:AlternateContent xmlns:mc="http://schemas.openxmlformats.org/markup-compatibility/2006" xmlns:p14="http://schemas.microsoft.com/office/powerpoint/2010/main">
-          <mc:Choice Requires="p14">
+        <mc:AlternateContent xmlns:mc="http://schemas.openxmlformats.org/markup-compatibility/2006">
+          <mc:Choice xmlns:p14="http://schemas.microsoft.com/office/powerpoint/2010/main" Requires="p14">
             <p:contentPart p14:bwMode="auto" r:id="rId158">
               <p14:nvContentPartPr>
                 <p14:cNvPr id="88" name="Ink 87">
@@ -14896,7 +17236,7 @@
               </p14:xfrm>
             </p:contentPart>
           </mc:Choice>
-          <mc:Fallback xmlns="">
+          <mc:Fallback>
             <p:pic>
               <p:nvPicPr>
                 <p:cNvPr id="88" name="Ink 87">
@@ -14927,8 +17267,8 @@
             </p:pic>
           </mc:Fallback>
         </mc:AlternateContent>
-        <mc:AlternateContent xmlns:mc="http://schemas.openxmlformats.org/markup-compatibility/2006" xmlns:p14="http://schemas.microsoft.com/office/powerpoint/2010/main">
-          <mc:Choice Requires="p14">
+        <mc:AlternateContent xmlns:mc="http://schemas.openxmlformats.org/markup-compatibility/2006">
+          <mc:Choice xmlns:p14="http://schemas.microsoft.com/office/powerpoint/2010/main" Requires="p14">
             <p:contentPart p14:bwMode="auto" r:id="rId160">
               <p14:nvContentPartPr>
                 <p14:cNvPr id="89" name="Ink 88">
@@ -14947,7 +17287,7 @@
               </p14:xfrm>
             </p:contentPart>
           </mc:Choice>
-          <mc:Fallback xmlns="">
+          <mc:Fallback>
             <p:pic>
               <p:nvPicPr>
                 <p:cNvPr id="89" name="Ink 88">
@@ -14978,8 +17318,8 @@
             </p:pic>
           </mc:Fallback>
         </mc:AlternateContent>
-        <mc:AlternateContent xmlns:mc="http://schemas.openxmlformats.org/markup-compatibility/2006" xmlns:p14="http://schemas.microsoft.com/office/powerpoint/2010/main">
-          <mc:Choice Requires="p14">
+        <mc:AlternateContent xmlns:mc="http://schemas.openxmlformats.org/markup-compatibility/2006">
+          <mc:Choice xmlns:p14="http://schemas.microsoft.com/office/powerpoint/2010/main" Requires="p14">
             <p:contentPart p14:bwMode="auto" r:id="rId162">
               <p14:nvContentPartPr>
                 <p14:cNvPr id="90" name="Ink 89">
@@ -14998,7 +17338,7 @@
               </p14:xfrm>
             </p:contentPart>
           </mc:Choice>
-          <mc:Fallback xmlns="">
+          <mc:Fallback>
             <p:pic>
               <p:nvPicPr>
                 <p:cNvPr id="90" name="Ink 89">
@@ -15029,8 +17369,8 @@
             </p:pic>
           </mc:Fallback>
         </mc:AlternateContent>
-        <mc:AlternateContent xmlns:mc="http://schemas.openxmlformats.org/markup-compatibility/2006" xmlns:p14="http://schemas.microsoft.com/office/powerpoint/2010/main">
-          <mc:Choice Requires="p14">
+        <mc:AlternateContent xmlns:mc="http://schemas.openxmlformats.org/markup-compatibility/2006">
+          <mc:Choice xmlns:p14="http://schemas.microsoft.com/office/powerpoint/2010/main" Requires="p14">
             <p:contentPart p14:bwMode="auto" r:id="rId164">
               <p14:nvContentPartPr>
                 <p14:cNvPr id="91" name="Ink 90">
@@ -15049,7 +17389,7 @@
               </p14:xfrm>
             </p:contentPart>
           </mc:Choice>
-          <mc:Fallback xmlns="">
+          <mc:Fallback>
             <p:pic>
               <p:nvPicPr>
                 <p:cNvPr id="91" name="Ink 90">
@@ -15080,8 +17420,8 @@
             </p:pic>
           </mc:Fallback>
         </mc:AlternateContent>
-        <mc:AlternateContent xmlns:mc="http://schemas.openxmlformats.org/markup-compatibility/2006" xmlns:p14="http://schemas.microsoft.com/office/powerpoint/2010/main">
-          <mc:Choice Requires="p14">
+        <mc:AlternateContent xmlns:mc="http://schemas.openxmlformats.org/markup-compatibility/2006">
+          <mc:Choice xmlns:p14="http://schemas.microsoft.com/office/powerpoint/2010/main" Requires="p14">
             <p:contentPart p14:bwMode="auto" r:id="rId166">
               <p14:nvContentPartPr>
                 <p14:cNvPr id="92" name="Ink 91">
@@ -15100,7 +17440,7 @@
               </p14:xfrm>
             </p:contentPart>
           </mc:Choice>
-          <mc:Fallback xmlns="">
+          <mc:Fallback>
             <p:pic>
               <p:nvPicPr>
                 <p:cNvPr id="92" name="Ink 91">
@@ -15131,8 +17471,8 @@
             </p:pic>
           </mc:Fallback>
         </mc:AlternateContent>
-        <mc:AlternateContent xmlns:mc="http://schemas.openxmlformats.org/markup-compatibility/2006" xmlns:p14="http://schemas.microsoft.com/office/powerpoint/2010/main">
-          <mc:Choice Requires="p14">
+        <mc:AlternateContent xmlns:mc="http://schemas.openxmlformats.org/markup-compatibility/2006">
+          <mc:Choice xmlns:p14="http://schemas.microsoft.com/office/powerpoint/2010/main" Requires="p14">
             <p:contentPart p14:bwMode="auto" r:id="rId168">
               <p14:nvContentPartPr>
                 <p14:cNvPr id="94" name="Ink 93">
@@ -15151,7 +17491,7 @@
               </p14:xfrm>
             </p:contentPart>
           </mc:Choice>
-          <mc:Fallback xmlns="">
+          <mc:Fallback>
             <p:pic>
               <p:nvPicPr>
                 <p:cNvPr id="94" name="Ink 93">
@@ -15182,8 +17522,8 @@
             </p:pic>
           </mc:Fallback>
         </mc:AlternateContent>
-        <mc:AlternateContent xmlns:mc="http://schemas.openxmlformats.org/markup-compatibility/2006" xmlns:p14="http://schemas.microsoft.com/office/powerpoint/2010/main">
-          <mc:Choice Requires="p14">
+        <mc:AlternateContent xmlns:mc="http://schemas.openxmlformats.org/markup-compatibility/2006">
+          <mc:Choice xmlns:p14="http://schemas.microsoft.com/office/powerpoint/2010/main" Requires="p14">
             <p:contentPart p14:bwMode="auto" r:id="rId170">
               <p14:nvContentPartPr>
                 <p14:cNvPr id="95" name="Ink 94">
@@ -15202,7 +17542,7 @@
               </p14:xfrm>
             </p:contentPart>
           </mc:Choice>
-          <mc:Fallback xmlns="">
+          <mc:Fallback>
             <p:pic>
               <p:nvPicPr>
                 <p:cNvPr id="95" name="Ink 94">
@@ -15233,8 +17573,8 @@
             </p:pic>
           </mc:Fallback>
         </mc:AlternateContent>
-        <mc:AlternateContent xmlns:mc="http://schemas.openxmlformats.org/markup-compatibility/2006" xmlns:p14="http://schemas.microsoft.com/office/powerpoint/2010/main">
-          <mc:Choice Requires="p14">
+        <mc:AlternateContent xmlns:mc="http://schemas.openxmlformats.org/markup-compatibility/2006">
+          <mc:Choice xmlns:p14="http://schemas.microsoft.com/office/powerpoint/2010/main" Requires="p14">
             <p:contentPart p14:bwMode="auto" r:id="rId172">
               <p14:nvContentPartPr>
                 <p14:cNvPr id="96" name="Ink 95">
@@ -15253,7 +17593,7 @@
               </p14:xfrm>
             </p:contentPart>
           </mc:Choice>
-          <mc:Fallback xmlns="">
+          <mc:Fallback>
             <p:pic>
               <p:nvPicPr>
                 <p:cNvPr id="96" name="Ink 95">
@@ -15284,8 +17624,8 @@
             </p:pic>
           </mc:Fallback>
         </mc:AlternateContent>
-        <mc:AlternateContent xmlns:mc="http://schemas.openxmlformats.org/markup-compatibility/2006" xmlns:p14="http://schemas.microsoft.com/office/powerpoint/2010/main">
-          <mc:Choice Requires="p14">
+        <mc:AlternateContent xmlns:mc="http://schemas.openxmlformats.org/markup-compatibility/2006">
+          <mc:Choice xmlns:p14="http://schemas.microsoft.com/office/powerpoint/2010/main" Requires="p14">
             <p:contentPart p14:bwMode="auto" r:id="rId174">
               <p14:nvContentPartPr>
                 <p14:cNvPr id="97" name="Ink 96">
@@ -15304,7 +17644,7 @@
               </p14:xfrm>
             </p:contentPart>
           </mc:Choice>
-          <mc:Fallback xmlns="">
+          <mc:Fallback>
             <p:pic>
               <p:nvPicPr>
                 <p:cNvPr id="97" name="Ink 96">
@@ -15335,8 +17675,8 @@
             </p:pic>
           </mc:Fallback>
         </mc:AlternateContent>
-        <mc:AlternateContent xmlns:mc="http://schemas.openxmlformats.org/markup-compatibility/2006" xmlns:p14="http://schemas.microsoft.com/office/powerpoint/2010/main">
-          <mc:Choice Requires="p14">
+        <mc:AlternateContent xmlns:mc="http://schemas.openxmlformats.org/markup-compatibility/2006">
+          <mc:Choice xmlns:p14="http://schemas.microsoft.com/office/powerpoint/2010/main" Requires="p14">
             <p:contentPart p14:bwMode="auto" r:id="rId176">
               <p14:nvContentPartPr>
                 <p14:cNvPr id="100" name="Ink 99">
@@ -15355,7 +17695,7 @@
               </p14:xfrm>
             </p:contentPart>
           </mc:Choice>
-          <mc:Fallback xmlns="">
+          <mc:Fallback>
             <p:pic>
               <p:nvPicPr>
                 <p:cNvPr id="100" name="Ink 99">
@@ -15386,8 +17726,8 @@
             </p:pic>
           </mc:Fallback>
         </mc:AlternateContent>
-        <mc:AlternateContent xmlns:mc="http://schemas.openxmlformats.org/markup-compatibility/2006" xmlns:p14="http://schemas.microsoft.com/office/powerpoint/2010/main">
-          <mc:Choice Requires="p14">
+        <mc:AlternateContent xmlns:mc="http://schemas.openxmlformats.org/markup-compatibility/2006">
+          <mc:Choice xmlns:p14="http://schemas.microsoft.com/office/powerpoint/2010/main" Requires="p14">
             <p:contentPart p14:bwMode="auto" r:id="rId178">
               <p14:nvContentPartPr>
                 <p14:cNvPr id="101" name="Ink 100">
@@ -15406,7 +17746,7 @@
               </p14:xfrm>
             </p:contentPart>
           </mc:Choice>
-          <mc:Fallback xmlns="">
+          <mc:Fallback>
             <p:pic>
               <p:nvPicPr>
                 <p:cNvPr id="101" name="Ink 100">
@@ -15437,8 +17777,8 @@
             </p:pic>
           </mc:Fallback>
         </mc:AlternateContent>
-        <mc:AlternateContent xmlns:mc="http://schemas.openxmlformats.org/markup-compatibility/2006" xmlns:p14="http://schemas.microsoft.com/office/powerpoint/2010/main">
-          <mc:Choice Requires="p14">
+        <mc:AlternateContent xmlns:mc="http://schemas.openxmlformats.org/markup-compatibility/2006">
+          <mc:Choice xmlns:p14="http://schemas.microsoft.com/office/powerpoint/2010/main" Requires="p14">
             <p:contentPart p14:bwMode="auto" r:id="rId180">
               <p14:nvContentPartPr>
                 <p14:cNvPr id="102" name="Ink 101">
@@ -15457,7 +17797,7 @@
               </p14:xfrm>
             </p:contentPart>
           </mc:Choice>
-          <mc:Fallback xmlns="">
+          <mc:Fallback>
             <p:pic>
               <p:nvPicPr>
                 <p:cNvPr id="102" name="Ink 101">
@@ -15509,8 +17849,8 @@
             <a:chExt cx="1019880" cy="428040"/>
           </a:xfrm>
         </p:grpSpPr>
-        <mc:AlternateContent xmlns:mc="http://schemas.openxmlformats.org/markup-compatibility/2006" xmlns:p14="http://schemas.microsoft.com/office/powerpoint/2010/main">
-          <mc:Choice Requires="p14">
+        <mc:AlternateContent xmlns:mc="http://schemas.openxmlformats.org/markup-compatibility/2006">
+          <mc:Choice xmlns:p14="http://schemas.microsoft.com/office/powerpoint/2010/main" Requires="p14">
             <p:contentPart p14:bwMode="auto" r:id="rId182">
               <p14:nvContentPartPr>
                 <p14:cNvPr id="104" name="Ink 103">
@@ -15529,7 +17869,7 @@
               </p14:xfrm>
             </p:contentPart>
           </mc:Choice>
-          <mc:Fallback xmlns="">
+          <mc:Fallback>
             <p:pic>
               <p:nvPicPr>
                 <p:cNvPr id="104" name="Ink 103">
@@ -15560,8 +17900,8 @@
             </p:pic>
           </mc:Fallback>
         </mc:AlternateContent>
-        <mc:AlternateContent xmlns:mc="http://schemas.openxmlformats.org/markup-compatibility/2006" xmlns:p14="http://schemas.microsoft.com/office/powerpoint/2010/main">
-          <mc:Choice Requires="p14">
+        <mc:AlternateContent xmlns:mc="http://schemas.openxmlformats.org/markup-compatibility/2006">
+          <mc:Choice xmlns:p14="http://schemas.microsoft.com/office/powerpoint/2010/main" Requires="p14">
             <p:contentPart p14:bwMode="auto" r:id="rId184">
               <p14:nvContentPartPr>
                 <p14:cNvPr id="105" name="Ink 104">
@@ -15580,7 +17920,7 @@
               </p14:xfrm>
             </p:contentPart>
           </mc:Choice>
-          <mc:Fallback xmlns="">
+          <mc:Fallback>
             <p:pic>
               <p:nvPicPr>
                 <p:cNvPr id="105" name="Ink 104">
@@ -15611,8 +17951,8 @@
             </p:pic>
           </mc:Fallback>
         </mc:AlternateContent>
-        <mc:AlternateContent xmlns:mc="http://schemas.openxmlformats.org/markup-compatibility/2006" xmlns:p14="http://schemas.microsoft.com/office/powerpoint/2010/main">
-          <mc:Choice Requires="p14">
+        <mc:AlternateContent xmlns:mc="http://schemas.openxmlformats.org/markup-compatibility/2006">
+          <mc:Choice xmlns:p14="http://schemas.microsoft.com/office/powerpoint/2010/main" Requires="p14">
             <p:contentPart p14:bwMode="auto" r:id="rId186">
               <p14:nvContentPartPr>
                 <p14:cNvPr id="106" name="Ink 105">
@@ -15631,7 +17971,7 @@
               </p14:xfrm>
             </p:contentPart>
           </mc:Choice>
-          <mc:Fallback xmlns="">
+          <mc:Fallback>
             <p:pic>
               <p:nvPicPr>
                 <p:cNvPr id="106" name="Ink 105">
@@ -15662,8 +18002,8 @@
             </p:pic>
           </mc:Fallback>
         </mc:AlternateContent>
-        <mc:AlternateContent xmlns:mc="http://schemas.openxmlformats.org/markup-compatibility/2006" xmlns:p14="http://schemas.microsoft.com/office/powerpoint/2010/main">
-          <mc:Choice Requires="p14">
+        <mc:AlternateContent xmlns:mc="http://schemas.openxmlformats.org/markup-compatibility/2006">
+          <mc:Choice xmlns:p14="http://schemas.microsoft.com/office/powerpoint/2010/main" Requires="p14">
             <p:contentPart p14:bwMode="auto" r:id="rId188">
               <p14:nvContentPartPr>
                 <p14:cNvPr id="107" name="Ink 106">
@@ -15682,7 +18022,7 @@
               </p14:xfrm>
             </p:contentPart>
           </mc:Choice>
-          <mc:Fallback xmlns="">
+          <mc:Fallback>
             <p:pic>
               <p:nvPicPr>
                 <p:cNvPr id="107" name="Ink 106">
@@ -15713,8 +18053,8 @@
             </p:pic>
           </mc:Fallback>
         </mc:AlternateContent>
-        <mc:AlternateContent xmlns:mc="http://schemas.openxmlformats.org/markup-compatibility/2006" xmlns:p14="http://schemas.microsoft.com/office/powerpoint/2010/main">
-          <mc:Choice Requires="p14">
+        <mc:AlternateContent xmlns:mc="http://schemas.openxmlformats.org/markup-compatibility/2006">
+          <mc:Choice xmlns:p14="http://schemas.microsoft.com/office/powerpoint/2010/main" Requires="p14">
             <p:contentPart p14:bwMode="auto" r:id="rId190">
               <p14:nvContentPartPr>
                 <p14:cNvPr id="108" name="Ink 107">
@@ -15733,7 +18073,7 @@
               </p14:xfrm>
             </p:contentPart>
           </mc:Choice>
-          <mc:Fallback xmlns="">
+          <mc:Fallback>
             <p:pic>
               <p:nvPicPr>
                 <p:cNvPr id="108" name="Ink 107">
@@ -15764,8 +18104,8 @@
             </p:pic>
           </mc:Fallback>
         </mc:AlternateContent>
-        <mc:AlternateContent xmlns:mc="http://schemas.openxmlformats.org/markup-compatibility/2006" xmlns:p14="http://schemas.microsoft.com/office/powerpoint/2010/main">
-          <mc:Choice Requires="p14">
+        <mc:AlternateContent xmlns:mc="http://schemas.openxmlformats.org/markup-compatibility/2006">
+          <mc:Choice xmlns:p14="http://schemas.microsoft.com/office/powerpoint/2010/main" Requires="p14">
             <p:contentPart p14:bwMode="auto" r:id="rId192">
               <p14:nvContentPartPr>
                 <p14:cNvPr id="109" name="Ink 108">
@@ -15784,7 +18124,7 @@
               </p14:xfrm>
             </p:contentPart>
           </mc:Choice>
-          <mc:Fallback xmlns="">
+          <mc:Fallback>
             <p:pic>
               <p:nvPicPr>
                 <p:cNvPr id="109" name="Ink 108">
@@ -15815,8 +18155,8 @@
             </p:pic>
           </mc:Fallback>
         </mc:AlternateContent>
-        <mc:AlternateContent xmlns:mc="http://schemas.openxmlformats.org/markup-compatibility/2006" xmlns:p14="http://schemas.microsoft.com/office/powerpoint/2010/main">
-          <mc:Choice Requires="p14">
+        <mc:AlternateContent xmlns:mc="http://schemas.openxmlformats.org/markup-compatibility/2006">
+          <mc:Choice xmlns:p14="http://schemas.microsoft.com/office/powerpoint/2010/main" Requires="p14">
             <p:contentPart p14:bwMode="auto" r:id="rId194">
               <p14:nvContentPartPr>
                 <p14:cNvPr id="110" name="Ink 109">
@@ -15835,7 +18175,7 @@
               </p14:xfrm>
             </p:contentPart>
           </mc:Choice>
-          <mc:Fallback xmlns="">
+          <mc:Fallback>
             <p:pic>
               <p:nvPicPr>
                 <p:cNvPr id="110" name="Ink 109">
@@ -15887,8 +18227,8 @@
             <a:chExt cx="1453320" cy="565200"/>
           </a:xfrm>
         </p:grpSpPr>
-        <mc:AlternateContent xmlns:mc="http://schemas.openxmlformats.org/markup-compatibility/2006" xmlns:p14="http://schemas.microsoft.com/office/powerpoint/2010/main">
-          <mc:Choice Requires="p14">
+        <mc:AlternateContent xmlns:mc="http://schemas.openxmlformats.org/markup-compatibility/2006">
+          <mc:Choice xmlns:p14="http://schemas.microsoft.com/office/powerpoint/2010/main" Requires="p14">
             <p:contentPart p14:bwMode="auto" r:id="rId196">
               <p14:nvContentPartPr>
                 <p14:cNvPr id="141" name="Ink 140">
@@ -15907,7 +18247,7 @@
               </p14:xfrm>
             </p:contentPart>
           </mc:Choice>
-          <mc:Fallback xmlns="">
+          <mc:Fallback>
             <p:pic>
               <p:nvPicPr>
                 <p:cNvPr id="141" name="Ink 140">
@@ -15938,8 +18278,8 @@
             </p:pic>
           </mc:Fallback>
         </mc:AlternateContent>
-        <mc:AlternateContent xmlns:mc="http://schemas.openxmlformats.org/markup-compatibility/2006" xmlns:p14="http://schemas.microsoft.com/office/powerpoint/2010/main">
-          <mc:Choice Requires="p14">
+        <mc:AlternateContent xmlns:mc="http://schemas.openxmlformats.org/markup-compatibility/2006">
+          <mc:Choice xmlns:p14="http://schemas.microsoft.com/office/powerpoint/2010/main" Requires="p14">
             <p:contentPart p14:bwMode="auto" r:id="rId198">
               <p14:nvContentPartPr>
                 <p14:cNvPr id="142" name="Ink 141">
@@ -15958,7 +18298,7 @@
               </p14:xfrm>
             </p:contentPart>
           </mc:Choice>
-          <mc:Fallback xmlns="">
+          <mc:Fallback>
             <p:pic>
               <p:nvPicPr>
                 <p:cNvPr id="142" name="Ink 141">
@@ -15989,8 +18329,8 @@
             </p:pic>
           </mc:Fallback>
         </mc:AlternateContent>
-        <mc:AlternateContent xmlns:mc="http://schemas.openxmlformats.org/markup-compatibility/2006" xmlns:p14="http://schemas.microsoft.com/office/powerpoint/2010/main">
-          <mc:Choice Requires="p14">
+        <mc:AlternateContent xmlns:mc="http://schemas.openxmlformats.org/markup-compatibility/2006">
+          <mc:Choice xmlns:p14="http://schemas.microsoft.com/office/powerpoint/2010/main" Requires="p14">
             <p:contentPart p14:bwMode="auto" r:id="rId200">
               <p14:nvContentPartPr>
                 <p14:cNvPr id="143" name="Ink 142">
@@ -16009,7 +18349,7 @@
               </p14:xfrm>
             </p:contentPart>
           </mc:Choice>
-          <mc:Fallback xmlns="">
+          <mc:Fallback>
             <p:pic>
               <p:nvPicPr>
                 <p:cNvPr id="143" name="Ink 142">
@@ -16040,8 +18380,8 @@
             </p:pic>
           </mc:Fallback>
         </mc:AlternateContent>
-        <mc:AlternateContent xmlns:mc="http://schemas.openxmlformats.org/markup-compatibility/2006" xmlns:p14="http://schemas.microsoft.com/office/powerpoint/2010/main">
-          <mc:Choice Requires="p14">
+        <mc:AlternateContent xmlns:mc="http://schemas.openxmlformats.org/markup-compatibility/2006">
+          <mc:Choice xmlns:p14="http://schemas.microsoft.com/office/powerpoint/2010/main" Requires="p14">
             <p:contentPart p14:bwMode="auto" r:id="rId202">
               <p14:nvContentPartPr>
                 <p14:cNvPr id="144" name="Ink 143">
@@ -16060,7 +18400,7 @@
               </p14:xfrm>
             </p:contentPart>
           </mc:Choice>
-          <mc:Fallback xmlns="">
+          <mc:Fallback>
             <p:pic>
               <p:nvPicPr>
                 <p:cNvPr id="144" name="Ink 143">
@@ -16112,8 +18452,8 @@
             <a:chExt cx="2088720" cy="398160"/>
           </a:xfrm>
         </p:grpSpPr>
-        <mc:AlternateContent xmlns:mc="http://schemas.openxmlformats.org/markup-compatibility/2006" xmlns:p14="http://schemas.microsoft.com/office/powerpoint/2010/main">
-          <mc:Choice Requires="p14">
+        <mc:AlternateContent xmlns:mc="http://schemas.openxmlformats.org/markup-compatibility/2006">
+          <mc:Choice xmlns:p14="http://schemas.microsoft.com/office/powerpoint/2010/main" Requires="p14">
             <p:contentPart p14:bwMode="auto" r:id="rId204">
               <p14:nvContentPartPr>
                 <p14:cNvPr id="145" name="Ink 144">
@@ -16132,7 +18472,7 @@
               </p14:xfrm>
             </p:contentPart>
           </mc:Choice>
-          <mc:Fallback xmlns="">
+          <mc:Fallback>
             <p:pic>
               <p:nvPicPr>
                 <p:cNvPr id="145" name="Ink 144">
@@ -16163,8 +18503,8 @@
             </p:pic>
           </mc:Fallback>
         </mc:AlternateContent>
-        <mc:AlternateContent xmlns:mc="http://schemas.openxmlformats.org/markup-compatibility/2006" xmlns:p14="http://schemas.microsoft.com/office/powerpoint/2010/main">
-          <mc:Choice Requires="p14">
+        <mc:AlternateContent xmlns:mc="http://schemas.openxmlformats.org/markup-compatibility/2006">
+          <mc:Choice xmlns:p14="http://schemas.microsoft.com/office/powerpoint/2010/main" Requires="p14">
             <p:contentPart p14:bwMode="auto" r:id="rId206">
               <p14:nvContentPartPr>
                 <p14:cNvPr id="146" name="Ink 145">
@@ -16183,7 +18523,7 @@
               </p14:xfrm>
             </p:contentPart>
           </mc:Choice>
-          <mc:Fallback xmlns="">
+          <mc:Fallback>
             <p:pic>
               <p:nvPicPr>
                 <p:cNvPr id="146" name="Ink 145">
@@ -16214,8 +18554,8 @@
             </p:pic>
           </mc:Fallback>
         </mc:AlternateContent>
-        <mc:AlternateContent xmlns:mc="http://schemas.openxmlformats.org/markup-compatibility/2006" xmlns:p14="http://schemas.microsoft.com/office/powerpoint/2010/main">
-          <mc:Choice Requires="p14">
+        <mc:AlternateContent xmlns:mc="http://schemas.openxmlformats.org/markup-compatibility/2006">
+          <mc:Choice xmlns:p14="http://schemas.microsoft.com/office/powerpoint/2010/main" Requires="p14">
             <p:contentPart p14:bwMode="auto" r:id="rId208">
               <p14:nvContentPartPr>
                 <p14:cNvPr id="147" name="Ink 146">
@@ -16234,7 +18574,7 @@
               </p14:xfrm>
             </p:contentPart>
           </mc:Choice>
-          <mc:Fallback xmlns="">
+          <mc:Fallback>
             <p:pic>
               <p:nvPicPr>
                 <p:cNvPr id="147" name="Ink 146">
@@ -16265,8 +18605,8 @@
             </p:pic>
           </mc:Fallback>
         </mc:AlternateContent>
-        <mc:AlternateContent xmlns:mc="http://schemas.openxmlformats.org/markup-compatibility/2006" xmlns:p14="http://schemas.microsoft.com/office/powerpoint/2010/main">
-          <mc:Choice Requires="p14">
+        <mc:AlternateContent xmlns:mc="http://schemas.openxmlformats.org/markup-compatibility/2006">
+          <mc:Choice xmlns:p14="http://schemas.microsoft.com/office/powerpoint/2010/main" Requires="p14">
             <p:contentPart p14:bwMode="auto" r:id="rId210">
               <p14:nvContentPartPr>
                 <p14:cNvPr id="148" name="Ink 147">
@@ -16285,7 +18625,7 @@
               </p14:xfrm>
             </p:contentPart>
           </mc:Choice>
-          <mc:Fallback xmlns="">
+          <mc:Fallback>
             <p:pic>
               <p:nvPicPr>
                 <p:cNvPr id="148" name="Ink 147">
@@ -16316,8 +18656,8 @@
             </p:pic>
           </mc:Fallback>
         </mc:AlternateContent>
-        <mc:AlternateContent xmlns:mc="http://schemas.openxmlformats.org/markup-compatibility/2006" xmlns:p14="http://schemas.microsoft.com/office/powerpoint/2010/main">
-          <mc:Choice Requires="p14">
+        <mc:AlternateContent xmlns:mc="http://schemas.openxmlformats.org/markup-compatibility/2006">
+          <mc:Choice xmlns:p14="http://schemas.microsoft.com/office/powerpoint/2010/main" Requires="p14">
             <p:contentPart p14:bwMode="auto" r:id="rId212">
               <p14:nvContentPartPr>
                 <p14:cNvPr id="149" name="Ink 148">
@@ -16336,7 +18676,7 @@
               </p14:xfrm>
             </p:contentPart>
           </mc:Choice>
-          <mc:Fallback xmlns="">
+          <mc:Fallback>
             <p:pic>
               <p:nvPicPr>
                 <p:cNvPr id="149" name="Ink 148">
@@ -16367,8 +18707,8 @@
             </p:pic>
           </mc:Fallback>
         </mc:AlternateContent>
-        <mc:AlternateContent xmlns:mc="http://schemas.openxmlformats.org/markup-compatibility/2006" xmlns:p14="http://schemas.microsoft.com/office/powerpoint/2010/main">
-          <mc:Choice Requires="p14">
+        <mc:AlternateContent xmlns:mc="http://schemas.openxmlformats.org/markup-compatibility/2006">
+          <mc:Choice xmlns:p14="http://schemas.microsoft.com/office/powerpoint/2010/main" Requires="p14">
             <p:contentPart p14:bwMode="auto" r:id="rId214">
               <p14:nvContentPartPr>
                 <p14:cNvPr id="150" name="Ink 149">
@@ -16387,7 +18727,7 @@
               </p14:xfrm>
             </p:contentPart>
           </mc:Choice>
-          <mc:Fallback xmlns="">
+          <mc:Fallback>
             <p:pic>
               <p:nvPicPr>
                 <p:cNvPr id="150" name="Ink 149">
@@ -16418,8 +18758,8 @@
             </p:pic>
           </mc:Fallback>
         </mc:AlternateContent>
-        <mc:AlternateContent xmlns:mc="http://schemas.openxmlformats.org/markup-compatibility/2006" xmlns:p14="http://schemas.microsoft.com/office/powerpoint/2010/main">
-          <mc:Choice Requires="p14">
+        <mc:AlternateContent xmlns:mc="http://schemas.openxmlformats.org/markup-compatibility/2006">
+          <mc:Choice xmlns:p14="http://schemas.microsoft.com/office/powerpoint/2010/main" Requires="p14">
             <p:contentPart p14:bwMode="auto" r:id="rId216">
               <p14:nvContentPartPr>
                 <p14:cNvPr id="151" name="Ink 150">
@@ -16438,7 +18778,7 @@
               </p14:xfrm>
             </p:contentPart>
           </mc:Choice>
-          <mc:Fallback xmlns="">
+          <mc:Fallback>
             <p:pic>
               <p:nvPicPr>
                 <p:cNvPr id="151" name="Ink 150">
@@ -16469,8 +18809,8 @@
             </p:pic>
           </mc:Fallback>
         </mc:AlternateContent>
-        <mc:AlternateContent xmlns:mc="http://schemas.openxmlformats.org/markup-compatibility/2006" xmlns:p14="http://schemas.microsoft.com/office/powerpoint/2010/main">
-          <mc:Choice Requires="p14">
+        <mc:AlternateContent xmlns:mc="http://schemas.openxmlformats.org/markup-compatibility/2006">
+          <mc:Choice xmlns:p14="http://schemas.microsoft.com/office/powerpoint/2010/main" Requires="p14">
             <p:contentPart p14:bwMode="auto" r:id="rId218">
               <p14:nvContentPartPr>
                 <p14:cNvPr id="152" name="Ink 151">
@@ -16489,7 +18829,7 @@
               </p14:xfrm>
             </p:contentPart>
           </mc:Choice>
-          <mc:Fallback xmlns="">
+          <mc:Fallback>
             <p:pic>
               <p:nvPicPr>
                 <p:cNvPr id="152" name="Ink 151">
@@ -16541,8 +18881,8 @@
             <a:chExt cx="3824280" cy="1225440"/>
           </a:xfrm>
         </p:grpSpPr>
-        <mc:AlternateContent xmlns:mc="http://schemas.openxmlformats.org/markup-compatibility/2006" xmlns:p14="http://schemas.microsoft.com/office/powerpoint/2010/main">
-          <mc:Choice Requires="p14">
+        <mc:AlternateContent xmlns:mc="http://schemas.openxmlformats.org/markup-compatibility/2006">
+          <mc:Choice xmlns:p14="http://schemas.microsoft.com/office/powerpoint/2010/main" Requires="p14">
             <p:contentPart p14:bwMode="auto" r:id="rId219">
               <p14:nvContentPartPr>
                 <p14:cNvPr id="112" name="Ink 111">
@@ -16561,7 +18901,7 @@
               </p14:xfrm>
             </p:contentPart>
           </mc:Choice>
-          <mc:Fallback xmlns="">
+          <mc:Fallback>
             <p:pic>
               <p:nvPicPr>
                 <p:cNvPr id="112" name="Ink 111">
@@ -16592,8 +18932,8 @@
             </p:pic>
           </mc:Fallback>
         </mc:AlternateContent>
-        <mc:AlternateContent xmlns:mc="http://schemas.openxmlformats.org/markup-compatibility/2006" xmlns:p14="http://schemas.microsoft.com/office/powerpoint/2010/main">
-          <mc:Choice Requires="p14">
+        <mc:AlternateContent xmlns:mc="http://schemas.openxmlformats.org/markup-compatibility/2006">
+          <mc:Choice xmlns:p14="http://schemas.microsoft.com/office/powerpoint/2010/main" Requires="p14">
             <p:contentPart p14:bwMode="auto" r:id="rId221">
               <p14:nvContentPartPr>
                 <p14:cNvPr id="113" name="Ink 112">
@@ -16612,7 +18952,7 @@
               </p14:xfrm>
             </p:contentPart>
           </mc:Choice>
-          <mc:Fallback xmlns="">
+          <mc:Fallback>
             <p:pic>
               <p:nvPicPr>
                 <p:cNvPr id="113" name="Ink 112">
@@ -16643,8 +18983,8 @@
             </p:pic>
           </mc:Fallback>
         </mc:AlternateContent>
-        <mc:AlternateContent xmlns:mc="http://schemas.openxmlformats.org/markup-compatibility/2006" xmlns:p14="http://schemas.microsoft.com/office/powerpoint/2010/main">
-          <mc:Choice Requires="p14">
+        <mc:AlternateContent xmlns:mc="http://schemas.openxmlformats.org/markup-compatibility/2006">
+          <mc:Choice xmlns:p14="http://schemas.microsoft.com/office/powerpoint/2010/main" Requires="p14">
             <p:contentPart p14:bwMode="auto" r:id="rId223">
               <p14:nvContentPartPr>
                 <p14:cNvPr id="114" name="Ink 113">
@@ -16663,7 +19003,7 @@
               </p14:xfrm>
             </p:contentPart>
           </mc:Choice>
-          <mc:Fallback xmlns="">
+          <mc:Fallback>
             <p:pic>
               <p:nvPicPr>
                 <p:cNvPr id="114" name="Ink 113">
@@ -16694,8 +19034,8 @@
             </p:pic>
           </mc:Fallback>
         </mc:AlternateContent>
-        <mc:AlternateContent xmlns:mc="http://schemas.openxmlformats.org/markup-compatibility/2006" xmlns:p14="http://schemas.microsoft.com/office/powerpoint/2010/main">
-          <mc:Choice Requires="p14">
+        <mc:AlternateContent xmlns:mc="http://schemas.openxmlformats.org/markup-compatibility/2006">
+          <mc:Choice xmlns:p14="http://schemas.microsoft.com/office/powerpoint/2010/main" Requires="p14">
             <p:contentPart p14:bwMode="auto" r:id="rId225">
               <p14:nvContentPartPr>
                 <p14:cNvPr id="115" name="Ink 114">
@@ -16714,7 +19054,7 @@
               </p14:xfrm>
             </p:contentPart>
           </mc:Choice>
-          <mc:Fallback xmlns="">
+          <mc:Fallback>
             <p:pic>
               <p:nvPicPr>
                 <p:cNvPr id="115" name="Ink 114">
@@ -16745,8 +19085,8 @@
             </p:pic>
           </mc:Fallback>
         </mc:AlternateContent>
-        <mc:AlternateContent xmlns:mc="http://schemas.openxmlformats.org/markup-compatibility/2006" xmlns:p14="http://schemas.microsoft.com/office/powerpoint/2010/main">
-          <mc:Choice Requires="p14">
+        <mc:AlternateContent xmlns:mc="http://schemas.openxmlformats.org/markup-compatibility/2006">
+          <mc:Choice xmlns:p14="http://schemas.microsoft.com/office/powerpoint/2010/main" Requires="p14">
             <p:contentPart p14:bwMode="auto" r:id="rId227">
               <p14:nvContentPartPr>
                 <p14:cNvPr id="116" name="Ink 115">
@@ -16765,7 +19105,7 @@
               </p14:xfrm>
             </p:contentPart>
           </mc:Choice>
-          <mc:Fallback xmlns="">
+          <mc:Fallback>
             <p:pic>
               <p:nvPicPr>
                 <p:cNvPr id="116" name="Ink 115">
@@ -16796,8 +19136,8 @@
             </p:pic>
           </mc:Fallback>
         </mc:AlternateContent>
-        <mc:AlternateContent xmlns:mc="http://schemas.openxmlformats.org/markup-compatibility/2006" xmlns:p14="http://schemas.microsoft.com/office/powerpoint/2010/main">
-          <mc:Choice Requires="p14">
+        <mc:AlternateContent xmlns:mc="http://schemas.openxmlformats.org/markup-compatibility/2006">
+          <mc:Choice xmlns:p14="http://schemas.microsoft.com/office/powerpoint/2010/main" Requires="p14">
             <p:contentPart p14:bwMode="auto" r:id="rId229">
               <p14:nvContentPartPr>
                 <p14:cNvPr id="117" name="Ink 116">
@@ -16816,7 +19156,7 @@
               </p14:xfrm>
             </p:contentPart>
           </mc:Choice>
-          <mc:Fallback xmlns="">
+          <mc:Fallback>
             <p:pic>
               <p:nvPicPr>
                 <p:cNvPr id="117" name="Ink 116">
@@ -16847,8 +19187,8 @@
             </p:pic>
           </mc:Fallback>
         </mc:AlternateContent>
-        <mc:AlternateContent xmlns:mc="http://schemas.openxmlformats.org/markup-compatibility/2006" xmlns:p14="http://schemas.microsoft.com/office/powerpoint/2010/main">
-          <mc:Choice Requires="p14">
+        <mc:AlternateContent xmlns:mc="http://schemas.openxmlformats.org/markup-compatibility/2006">
+          <mc:Choice xmlns:p14="http://schemas.microsoft.com/office/powerpoint/2010/main" Requires="p14">
             <p:contentPart p14:bwMode="auto" r:id="rId231">
               <p14:nvContentPartPr>
                 <p14:cNvPr id="118" name="Ink 117">
@@ -16867,7 +19207,7 @@
               </p14:xfrm>
             </p:contentPart>
           </mc:Choice>
-          <mc:Fallback xmlns="">
+          <mc:Fallback>
             <p:pic>
               <p:nvPicPr>
                 <p:cNvPr id="118" name="Ink 117">
@@ -16898,8 +19238,8 @@
             </p:pic>
           </mc:Fallback>
         </mc:AlternateContent>
-        <mc:AlternateContent xmlns:mc="http://schemas.openxmlformats.org/markup-compatibility/2006" xmlns:p14="http://schemas.microsoft.com/office/powerpoint/2010/main">
-          <mc:Choice Requires="p14">
+        <mc:AlternateContent xmlns:mc="http://schemas.openxmlformats.org/markup-compatibility/2006">
+          <mc:Choice xmlns:p14="http://schemas.microsoft.com/office/powerpoint/2010/main" Requires="p14">
             <p:contentPart p14:bwMode="auto" r:id="rId233">
               <p14:nvContentPartPr>
                 <p14:cNvPr id="119" name="Ink 118">
@@ -16918,7 +19258,7 @@
               </p14:xfrm>
             </p:contentPart>
           </mc:Choice>
-          <mc:Fallback xmlns="">
+          <mc:Fallback>
             <p:pic>
               <p:nvPicPr>
                 <p:cNvPr id="119" name="Ink 118">
@@ -16949,8 +19289,8 @@
             </p:pic>
           </mc:Fallback>
         </mc:AlternateContent>
-        <mc:AlternateContent xmlns:mc="http://schemas.openxmlformats.org/markup-compatibility/2006" xmlns:p14="http://schemas.microsoft.com/office/powerpoint/2010/main">
-          <mc:Choice Requires="p14">
+        <mc:AlternateContent xmlns:mc="http://schemas.openxmlformats.org/markup-compatibility/2006">
+          <mc:Choice xmlns:p14="http://schemas.microsoft.com/office/powerpoint/2010/main" Requires="p14">
             <p:contentPart p14:bwMode="auto" r:id="rId235">
               <p14:nvContentPartPr>
                 <p14:cNvPr id="120" name="Ink 119">
@@ -16969,7 +19309,7 @@
               </p14:xfrm>
             </p:contentPart>
           </mc:Choice>
-          <mc:Fallback xmlns="">
+          <mc:Fallback>
             <p:pic>
               <p:nvPicPr>
                 <p:cNvPr id="120" name="Ink 119">
@@ -17000,8 +19340,8 @@
             </p:pic>
           </mc:Fallback>
         </mc:AlternateContent>
-        <mc:AlternateContent xmlns:mc="http://schemas.openxmlformats.org/markup-compatibility/2006" xmlns:p14="http://schemas.microsoft.com/office/powerpoint/2010/main">
-          <mc:Choice Requires="p14">
+        <mc:AlternateContent xmlns:mc="http://schemas.openxmlformats.org/markup-compatibility/2006">
+          <mc:Choice xmlns:p14="http://schemas.microsoft.com/office/powerpoint/2010/main" Requires="p14">
             <p:contentPart p14:bwMode="auto" r:id="rId237">
               <p14:nvContentPartPr>
                 <p14:cNvPr id="121" name="Ink 120">
@@ -17020,7 +19360,7 @@
               </p14:xfrm>
             </p:contentPart>
           </mc:Choice>
-          <mc:Fallback xmlns="">
+          <mc:Fallback>
             <p:pic>
               <p:nvPicPr>
                 <p:cNvPr id="121" name="Ink 120">
@@ -17051,8 +19391,8 @@
             </p:pic>
           </mc:Fallback>
         </mc:AlternateContent>
-        <mc:AlternateContent xmlns:mc="http://schemas.openxmlformats.org/markup-compatibility/2006" xmlns:p14="http://schemas.microsoft.com/office/powerpoint/2010/main">
-          <mc:Choice Requires="p14">
+        <mc:AlternateContent xmlns:mc="http://schemas.openxmlformats.org/markup-compatibility/2006">
+          <mc:Choice xmlns:p14="http://schemas.microsoft.com/office/powerpoint/2010/main" Requires="p14">
             <p:contentPart p14:bwMode="auto" r:id="rId239">
               <p14:nvContentPartPr>
                 <p14:cNvPr id="123" name="Ink 122">
@@ -17071,7 +19411,7 @@
               </p14:xfrm>
             </p:contentPart>
           </mc:Choice>
-          <mc:Fallback xmlns="">
+          <mc:Fallback>
             <p:pic>
               <p:nvPicPr>
                 <p:cNvPr id="123" name="Ink 122">
@@ -17102,8 +19442,8 @@
             </p:pic>
           </mc:Fallback>
         </mc:AlternateContent>
-        <mc:AlternateContent xmlns:mc="http://schemas.openxmlformats.org/markup-compatibility/2006" xmlns:p14="http://schemas.microsoft.com/office/powerpoint/2010/main">
-          <mc:Choice Requires="p14">
+        <mc:AlternateContent xmlns:mc="http://schemas.openxmlformats.org/markup-compatibility/2006">
+          <mc:Choice xmlns:p14="http://schemas.microsoft.com/office/powerpoint/2010/main" Requires="p14">
             <p:contentPart p14:bwMode="auto" r:id="rId241">
               <p14:nvContentPartPr>
                 <p14:cNvPr id="124" name="Ink 123">
@@ -17122,7 +19462,7 @@
               </p14:xfrm>
             </p:contentPart>
           </mc:Choice>
-          <mc:Fallback xmlns="">
+          <mc:Fallback>
             <p:pic>
               <p:nvPicPr>
                 <p:cNvPr id="124" name="Ink 123">
@@ -17153,8 +19493,8 @@
             </p:pic>
           </mc:Fallback>
         </mc:AlternateContent>
-        <mc:AlternateContent xmlns:mc="http://schemas.openxmlformats.org/markup-compatibility/2006" xmlns:p14="http://schemas.microsoft.com/office/powerpoint/2010/main">
-          <mc:Choice Requires="p14">
+        <mc:AlternateContent xmlns:mc="http://schemas.openxmlformats.org/markup-compatibility/2006">
+          <mc:Choice xmlns:p14="http://schemas.microsoft.com/office/powerpoint/2010/main" Requires="p14">
             <p:contentPart p14:bwMode="auto" r:id="rId243">
               <p14:nvContentPartPr>
                 <p14:cNvPr id="125" name="Ink 124">
@@ -17173,7 +19513,7 @@
               </p14:xfrm>
             </p:contentPart>
           </mc:Choice>
-          <mc:Fallback xmlns="">
+          <mc:Fallback>
             <p:pic>
               <p:nvPicPr>
                 <p:cNvPr id="125" name="Ink 124">
@@ -17204,8 +19544,8 @@
             </p:pic>
           </mc:Fallback>
         </mc:AlternateContent>
-        <mc:AlternateContent xmlns:mc="http://schemas.openxmlformats.org/markup-compatibility/2006" xmlns:p14="http://schemas.microsoft.com/office/powerpoint/2010/main">
-          <mc:Choice Requires="p14">
+        <mc:AlternateContent xmlns:mc="http://schemas.openxmlformats.org/markup-compatibility/2006">
+          <mc:Choice xmlns:p14="http://schemas.microsoft.com/office/powerpoint/2010/main" Requires="p14">
             <p:contentPart p14:bwMode="auto" r:id="rId245">
               <p14:nvContentPartPr>
                 <p14:cNvPr id="126" name="Ink 125">
@@ -17224,7 +19564,7 @@
               </p14:xfrm>
             </p:contentPart>
           </mc:Choice>
-          <mc:Fallback xmlns="">
+          <mc:Fallback>
             <p:pic>
               <p:nvPicPr>
                 <p:cNvPr id="126" name="Ink 125">
@@ -17255,8 +19595,8 @@
             </p:pic>
           </mc:Fallback>
         </mc:AlternateContent>
-        <mc:AlternateContent xmlns:mc="http://schemas.openxmlformats.org/markup-compatibility/2006" xmlns:p14="http://schemas.microsoft.com/office/powerpoint/2010/main">
-          <mc:Choice Requires="p14">
+        <mc:AlternateContent xmlns:mc="http://schemas.openxmlformats.org/markup-compatibility/2006">
+          <mc:Choice xmlns:p14="http://schemas.microsoft.com/office/powerpoint/2010/main" Requires="p14">
             <p:contentPart p14:bwMode="auto" r:id="rId247">
               <p14:nvContentPartPr>
                 <p14:cNvPr id="128" name="Ink 127">
@@ -17275,7 +19615,7 @@
               </p14:xfrm>
             </p:contentPart>
           </mc:Choice>
-          <mc:Fallback xmlns="">
+          <mc:Fallback>
             <p:pic>
               <p:nvPicPr>
                 <p:cNvPr id="128" name="Ink 127">
@@ -17306,8 +19646,8 @@
             </p:pic>
           </mc:Fallback>
         </mc:AlternateContent>
-        <mc:AlternateContent xmlns:mc="http://schemas.openxmlformats.org/markup-compatibility/2006" xmlns:p14="http://schemas.microsoft.com/office/powerpoint/2010/main">
-          <mc:Choice Requires="p14">
+        <mc:AlternateContent xmlns:mc="http://schemas.openxmlformats.org/markup-compatibility/2006">
+          <mc:Choice xmlns:p14="http://schemas.microsoft.com/office/powerpoint/2010/main" Requires="p14">
             <p:contentPart p14:bwMode="auto" r:id="rId249">
               <p14:nvContentPartPr>
                 <p14:cNvPr id="129" name="Ink 128">
@@ -17326,7 +19666,7 @@
               </p14:xfrm>
             </p:contentPart>
           </mc:Choice>
-          <mc:Fallback xmlns="">
+          <mc:Fallback>
             <p:pic>
               <p:nvPicPr>
                 <p:cNvPr id="129" name="Ink 128">
@@ -17357,8 +19697,8 @@
             </p:pic>
           </mc:Fallback>
         </mc:AlternateContent>
-        <mc:AlternateContent xmlns:mc="http://schemas.openxmlformats.org/markup-compatibility/2006" xmlns:p14="http://schemas.microsoft.com/office/powerpoint/2010/main">
-          <mc:Choice Requires="p14">
+        <mc:AlternateContent xmlns:mc="http://schemas.openxmlformats.org/markup-compatibility/2006">
+          <mc:Choice xmlns:p14="http://schemas.microsoft.com/office/powerpoint/2010/main" Requires="p14">
             <p:contentPart p14:bwMode="auto" r:id="rId251">
               <p14:nvContentPartPr>
                 <p14:cNvPr id="131" name="Ink 130">
@@ -17377,7 +19717,7 @@
               </p14:xfrm>
             </p:contentPart>
           </mc:Choice>
-          <mc:Fallback xmlns="">
+          <mc:Fallback>
             <p:pic>
               <p:nvPicPr>
                 <p:cNvPr id="131" name="Ink 130">
@@ -17408,8 +19748,8 @@
             </p:pic>
           </mc:Fallback>
         </mc:AlternateContent>
-        <mc:AlternateContent xmlns:mc="http://schemas.openxmlformats.org/markup-compatibility/2006" xmlns:p14="http://schemas.microsoft.com/office/powerpoint/2010/main">
-          <mc:Choice Requires="p14">
+        <mc:AlternateContent xmlns:mc="http://schemas.openxmlformats.org/markup-compatibility/2006">
+          <mc:Choice xmlns:p14="http://schemas.microsoft.com/office/powerpoint/2010/main" Requires="p14">
             <p:contentPart p14:bwMode="auto" r:id="rId253">
               <p14:nvContentPartPr>
                 <p14:cNvPr id="132" name="Ink 131">
@@ -17428,7 +19768,7 @@
               </p14:xfrm>
             </p:contentPart>
           </mc:Choice>
-          <mc:Fallback xmlns="">
+          <mc:Fallback>
             <p:pic>
               <p:nvPicPr>
                 <p:cNvPr id="132" name="Ink 131">
@@ -17459,8 +19799,8 @@
             </p:pic>
           </mc:Fallback>
         </mc:AlternateContent>
-        <mc:AlternateContent xmlns:mc="http://schemas.openxmlformats.org/markup-compatibility/2006" xmlns:p14="http://schemas.microsoft.com/office/powerpoint/2010/main">
-          <mc:Choice Requires="p14">
+        <mc:AlternateContent xmlns:mc="http://schemas.openxmlformats.org/markup-compatibility/2006">
+          <mc:Choice xmlns:p14="http://schemas.microsoft.com/office/powerpoint/2010/main" Requires="p14">
             <p:contentPart p14:bwMode="auto" r:id="rId255">
               <p14:nvContentPartPr>
                 <p14:cNvPr id="133" name="Ink 132">
@@ -17479,7 +19819,7 @@
               </p14:xfrm>
             </p:contentPart>
           </mc:Choice>
-          <mc:Fallback xmlns="">
+          <mc:Fallback>
             <p:pic>
               <p:nvPicPr>
                 <p:cNvPr id="133" name="Ink 132">
@@ -17510,8 +19850,8 @@
             </p:pic>
           </mc:Fallback>
         </mc:AlternateContent>
-        <mc:AlternateContent xmlns:mc="http://schemas.openxmlformats.org/markup-compatibility/2006" xmlns:p14="http://schemas.microsoft.com/office/powerpoint/2010/main">
-          <mc:Choice Requires="p14">
+        <mc:AlternateContent xmlns:mc="http://schemas.openxmlformats.org/markup-compatibility/2006">
+          <mc:Choice xmlns:p14="http://schemas.microsoft.com/office/powerpoint/2010/main" Requires="p14">
             <p:contentPart p14:bwMode="auto" r:id="rId257">
               <p14:nvContentPartPr>
                 <p14:cNvPr id="134" name="Ink 133">
@@ -17530,7 +19870,7 @@
               </p14:xfrm>
             </p:contentPart>
           </mc:Choice>
-          <mc:Fallback xmlns="">
+          <mc:Fallback>
             <p:pic>
               <p:nvPicPr>
                 <p:cNvPr id="134" name="Ink 133">
@@ -17561,8 +19901,8 @@
             </p:pic>
           </mc:Fallback>
         </mc:AlternateContent>
-        <mc:AlternateContent xmlns:mc="http://schemas.openxmlformats.org/markup-compatibility/2006" xmlns:p14="http://schemas.microsoft.com/office/powerpoint/2010/main">
-          <mc:Choice Requires="p14">
+        <mc:AlternateContent xmlns:mc="http://schemas.openxmlformats.org/markup-compatibility/2006">
+          <mc:Choice xmlns:p14="http://schemas.microsoft.com/office/powerpoint/2010/main" Requires="p14">
             <p:contentPart p14:bwMode="auto" r:id="rId259">
               <p14:nvContentPartPr>
                 <p14:cNvPr id="135" name="Ink 134">
@@ -17581,7 +19921,7 @@
               </p14:xfrm>
             </p:contentPart>
           </mc:Choice>
-          <mc:Fallback xmlns="">
+          <mc:Fallback>
             <p:pic>
               <p:nvPicPr>
                 <p:cNvPr id="135" name="Ink 134">
@@ -17612,8 +19952,8 @@
             </p:pic>
           </mc:Fallback>
         </mc:AlternateContent>
-        <mc:AlternateContent xmlns:mc="http://schemas.openxmlformats.org/markup-compatibility/2006" xmlns:p14="http://schemas.microsoft.com/office/powerpoint/2010/main">
-          <mc:Choice Requires="p14">
+        <mc:AlternateContent xmlns:mc="http://schemas.openxmlformats.org/markup-compatibility/2006">
+          <mc:Choice xmlns:p14="http://schemas.microsoft.com/office/powerpoint/2010/main" Requires="p14">
             <p:contentPart p14:bwMode="auto" r:id="rId261">
               <p14:nvContentPartPr>
                 <p14:cNvPr id="136" name="Ink 135">
@@ -17632,7 +19972,7 @@
               </p14:xfrm>
             </p:contentPart>
           </mc:Choice>
-          <mc:Fallback xmlns="">
+          <mc:Fallback>
             <p:pic>
               <p:nvPicPr>
                 <p:cNvPr id="136" name="Ink 135">
@@ -17663,8 +20003,8 @@
             </p:pic>
           </mc:Fallback>
         </mc:AlternateContent>
-        <mc:AlternateContent xmlns:mc="http://schemas.openxmlformats.org/markup-compatibility/2006" xmlns:p14="http://schemas.microsoft.com/office/powerpoint/2010/main">
-          <mc:Choice Requires="p14">
+        <mc:AlternateContent xmlns:mc="http://schemas.openxmlformats.org/markup-compatibility/2006">
+          <mc:Choice xmlns:p14="http://schemas.microsoft.com/office/powerpoint/2010/main" Requires="p14">
             <p:contentPart p14:bwMode="auto" r:id="rId263">
               <p14:nvContentPartPr>
                 <p14:cNvPr id="137" name="Ink 136">
@@ -17683,7 +20023,7 @@
               </p14:xfrm>
             </p:contentPart>
           </mc:Choice>
-          <mc:Fallback xmlns="">
+          <mc:Fallback>
             <p:pic>
               <p:nvPicPr>
                 <p:cNvPr id="137" name="Ink 136">
@@ -17714,8 +20054,8 @@
             </p:pic>
           </mc:Fallback>
         </mc:AlternateContent>
-        <mc:AlternateContent xmlns:mc="http://schemas.openxmlformats.org/markup-compatibility/2006" xmlns:p14="http://schemas.microsoft.com/office/powerpoint/2010/main">
-          <mc:Choice Requires="p14">
+        <mc:AlternateContent xmlns:mc="http://schemas.openxmlformats.org/markup-compatibility/2006">
+          <mc:Choice xmlns:p14="http://schemas.microsoft.com/office/powerpoint/2010/main" Requires="p14">
             <p:contentPart p14:bwMode="auto" r:id="rId265">
               <p14:nvContentPartPr>
                 <p14:cNvPr id="138" name="Ink 137">
@@ -17734,7 +20074,7 @@
               </p14:xfrm>
             </p:contentPart>
           </mc:Choice>
-          <mc:Fallback xmlns="">
+          <mc:Fallback>
             <p:pic>
               <p:nvPicPr>
                 <p:cNvPr id="138" name="Ink 137">
@@ -17765,8 +20105,8 @@
             </p:pic>
           </mc:Fallback>
         </mc:AlternateContent>
-        <mc:AlternateContent xmlns:mc="http://schemas.openxmlformats.org/markup-compatibility/2006" xmlns:p14="http://schemas.microsoft.com/office/powerpoint/2010/main">
-          <mc:Choice Requires="p14">
+        <mc:AlternateContent xmlns:mc="http://schemas.openxmlformats.org/markup-compatibility/2006">
+          <mc:Choice xmlns:p14="http://schemas.microsoft.com/office/powerpoint/2010/main" Requires="p14">
             <p:contentPart p14:bwMode="auto" r:id="rId267">
               <p14:nvContentPartPr>
                 <p14:cNvPr id="139" name="Ink 138">
@@ -17785,7 +20125,7 @@
               </p14:xfrm>
             </p:contentPart>
           </mc:Choice>
-          <mc:Fallback xmlns="">
+          <mc:Fallback>
             <p:pic>
               <p:nvPicPr>
                 <p:cNvPr id="139" name="Ink 138">
@@ -17816,8 +20156,8 @@
             </p:pic>
           </mc:Fallback>
         </mc:AlternateContent>
-        <mc:AlternateContent xmlns:mc="http://schemas.openxmlformats.org/markup-compatibility/2006" xmlns:p14="http://schemas.microsoft.com/office/powerpoint/2010/main">
-          <mc:Choice Requires="p14">
+        <mc:AlternateContent xmlns:mc="http://schemas.openxmlformats.org/markup-compatibility/2006">
+          <mc:Choice xmlns:p14="http://schemas.microsoft.com/office/powerpoint/2010/main" Requires="p14">
             <p:contentPart p14:bwMode="auto" r:id="rId269">
               <p14:nvContentPartPr>
                 <p14:cNvPr id="155" name="Ink 154">
@@ -17836,7 +20176,7 @@
               </p14:xfrm>
             </p:contentPart>
           </mc:Choice>
-          <mc:Fallback xmlns="">
+          <mc:Fallback>
             <p:pic>
               <p:nvPicPr>
                 <p:cNvPr id="155" name="Ink 154">
@@ -18181,8 +20521,8 @@
           </a:p>
         </p:txBody>
       </p:sp>
-      <mc:AlternateContent xmlns:mc="http://schemas.openxmlformats.org/markup-compatibility/2006" xmlns:p14="http://schemas.microsoft.com/office/powerpoint/2010/main">
-        <mc:Choice Requires="p14">
+      <mc:AlternateContent xmlns:mc="http://schemas.openxmlformats.org/markup-compatibility/2006">
+        <mc:Choice xmlns:p14="http://schemas.microsoft.com/office/powerpoint/2010/main" Requires="p14">
           <p:contentPart p14:bwMode="auto" r:id="rId2">
             <p14:nvContentPartPr>
               <p14:cNvPr id="33" name="Ink 32">
@@ -18201,7 +20541,7 @@
             </p14:xfrm>
           </p:contentPart>
         </mc:Choice>
-        <mc:Fallback xmlns="">
+        <mc:Fallback>
           <p:pic>
             <p:nvPicPr>
               <p:cNvPr id="33" name="Ink 32">
@@ -18252,8 +20592,8 @@
             <a:chExt cx="3703320" cy="1802160"/>
           </a:xfrm>
         </p:grpSpPr>
-        <mc:AlternateContent xmlns:mc="http://schemas.openxmlformats.org/markup-compatibility/2006" xmlns:p14="http://schemas.microsoft.com/office/powerpoint/2010/main">
-          <mc:Choice Requires="p14">
+        <mc:AlternateContent xmlns:mc="http://schemas.openxmlformats.org/markup-compatibility/2006">
+          <mc:Choice xmlns:p14="http://schemas.microsoft.com/office/powerpoint/2010/main" Requires="p14">
             <p:contentPart p14:bwMode="auto" r:id="rId4">
               <p14:nvContentPartPr>
                 <p14:cNvPr id="4" name="Ink 3">
@@ -18272,7 +20612,7 @@
               </p14:xfrm>
             </p:contentPart>
           </mc:Choice>
-          <mc:Fallback xmlns="">
+          <mc:Fallback>
             <p:pic>
               <p:nvPicPr>
                 <p:cNvPr id="4" name="Ink 3">
@@ -18303,8 +20643,8 @@
             </p:pic>
           </mc:Fallback>
         </mc:AlternateContent>
-        <mc:AlternateContent xmlns:mc="http://schemas.openxmlformats.org/markup-compatibility/2006" xmlns:p14="http://schemas.microsoft.com/office/powerpoint/2010/main">
-          <mc:Choice Requires="p14">
+        <mc:AlternateContent xmlns:mc="http://schemas.openxmlformats.org/markup-compatibility/2006">
+          <mc:Choice xmlns:p14="http://schemas.microsoft.com/office/powerpoint/2010/main" Requires="p14">
             <p:contentPart p14:bwMode="auto" r:id="rId6">
               <p14:nvContentPartPr>
                 <p14:cNvPr id="5" name="Ink 4">
@@ -18323,7 +20663,7 @@
               </p14:xfrm>
             </p:contentPart>
           </mc:Choice>
-          <mc:Fallback xmlns="">
+          <mc:Fallback>
             <p:pic>
               <p:nvPicPr>
                 <p:cNvPr id="5" name="Ink 4">
@@ -18354,8 +20694,8 @@
             </p:pic>
           </mc:Fallback>
         </mc:AlternateContent>
-        <mc:AlternateContent xmlns:mc="http://schemas.openxmlformats.org/markup-compatibility/2006" xmlns:p14="http://schemas.microsoft.com/office/powerpoint/2010/main">
-          <mc:Choice Requires="p14">
+        <mc:AlternateContent xmlns:mc="http://schemas.openxmlformats.org/markup-compatibility/2006">
+          <mc:Choice xmlns:p14="http://schemas.microsoft.com/office/powerpoint/2010/main" Requires="p14">
             <p:contentPart p14:bwMode="auto" r:id="rId8">
               <p14:nvContentPartPr>
                 <p14:cNvPr id="6" name="Ink 5">
@@ -18374,7 +20714,7 @@
               </p14:xfrm>
             </p:contentPart>
           </mc:Choice>
-          <mc:Fallback xmlns="">
+          <mc:Fallback>
             <p:pic>
               <p:nvPicPr>
                 <p:cNvPr id="6" name="Ink 5">
@@ -18405,8 +20745,8 @@
             </p:pic>
           </mc:Fallback>
         </mc:AlternateContent>
-        <mc:AlternateContent xmlns:mc="http://schemas.openxmlformats.org/markup-compatibility/2006" xmlns:p14="http://schemas.microsoft.com/office/powerpoint/2010/main">
-          <mc:Choice Requires="p14">
+        <mc:AlternateContent xmlns:mc="http://schemas.openxmlformats.org/markup-compatibility/2006">
+          <mc:Choice xmlns:p14="http://schemas.microsoft.com/office/powerpoint/2010/main" Requires="p14">
             <p:contentPart p14:bwMode="auto" r:id="rId10">
               <p14:nvContentPartPr>
                 <p14:cNvPr id="7" name="Ink 6">
@@ -18425,7 +20765,7 @@
               </p14:xfrm>
             </p:contentPart>
           </mc:Choice>
-          <mc:Fallback xmlns="">
+          <mc:Fallback>
             <p:pic>
               <p:nvPicPr>
                 <p:cNvPr id="7" name="Ink 6">
@@ -18456,8 +20796,8 @@
             </p:pic>
           </mc:Fallback>
         </mc:AlternateContent>
-        <mc:AlternateContent xmlns:mc="http://schemas.openxmlformats.org/markup-compatibility/2006" xmlns:p14="http://schemas.microsoft.com/office/powerpoint/2010/main">
-          <mc:Choice Requires="p14">
+        <mc:AlternateContent xmlns:mc="http://schemas.openxmlformats.org/markup-compatibility/2006">
+          <mc:Choice xmlns:p14="http://schemas.microsoft.com/office/powerpoint/2010/main" Requires="p14">
             <p:contentPart p14:bwMode="auto" r:id="rId12">
               <p14:nvContentPartPr>
                 <p14:cNvPr id="8" name="Ink 7">
@@ -18476,7 +20816,7 @@
               </p14:xfrm>
             </p:contentPart>
           </mc:Choice>
-          <mc:Fallback xmlns="">
+          <mc:Fallback>
             <p:pic>
               <p:nvPicPr>
                 <p:cNvPr id="8" name="Ink 7">
@@ -18507,8 +20847,8 @@
             </p:pic>
           </mc:Fallback>
         </mc:AlternateContent>
-        <mc:AlternateContent xmlns:mc="http://schemas.openxmlformats.org/markup-compatibility/2006" xmlns:p14="http://schemas.microsoft.com/office/powerpoint/2010/main">
-          <mc:Choice Requires="p14">
+        <mc:AlternateContent xmlns:mc="http://schemas.openxmlformats.org/markup-compatibility/2006">
+          <mc:Choice xmlns:p14="http://schemas.microsoft.com/office/powerpoint/2010/main" Requires="p14">
             <p:contentPart p14:bwMode="auto" r:id="rId14">
               <p14:nvContentPartPr>
                 <p14:cNvPr id="9" name="Ink 8">
@@ -18527,7 +20867,7 @@
               </p14:xfrm>
             </p:contentPart>
           </mc:Choice>
-          <mc:Fallback xmlns="">
+          <mc:Fallback>
             <p:pic>
               <p:nvPicPr>
                 <p:cNvPr id="9" name="Ink 8">
@@ -18558,8 +20898,8 @@
             </p:pic>
           </mc:Fallback>
         </mc:AlternateContent>
-        <mc:AlternateContent xmlns:mc="http://schemas.openxmlformats.org/markup-compatibility/2006" xmlns:p14="http://schemas.microsoft.com/office/powerpoint/2010/main">
-          <mc:Choice Requires="p14">
+        <mc:AlternateContent xmlns:mc="http://schemas.openxmlformats.org/markup-compatibility/2006">
+          <mc:Choice xmlns:p14="http://schemas.microsoft.com/office/powerpoint/2010/main" Requires="p14">
             <p:contentPart p14:bwMode="auto" r:id="rId16">
               <p14:nvContentPartPr>
                 <p14:cNvPr id="10" name="Ink 9">
@@ -18578,7 +20918,7 @@
               </p14:xfrm>
             </p:contentPart>
           </mc:Choice>
-          <mc:Fallback xmlns="">
+          <mc:Fallback>
             <p:pic>
               <p:nvPicPr>
                 <p:cNvPr id="10" name="Ink 9">
@@ -18609,8 +20949,8 @@
             </p:pic>
           </mc:Fallback>
         </mc:AlternateContent>
-        <mc:AlternateContent xmlns:mc="http://schemas.openxmlformats.org/markup-compatibility/2006" xmlns:p14="http://schemas.microsoft.com/office/powerpoint/2010/main">
-          <mc:Choice Requires="p14">
+        <mc:AlternateContent xmlns:mc="http://schemas.openxmlformats.org/markup-compatibility/2006">
+          <mc:Choice xmlns:p14="http://schemas.microsoft.com/office/powerpoint/2010/main" Requires="p14">
             <p:contentPart p14:bwMode="auto" r:id="rId18">
               <p14:nvContentPartPr>
                 <p14:cNvPr id="11" name="Ink 10">
@@ -18629,7 +20969,7 @@
               </p14:xfrm>
             </p:contentPart>
           </mc:Choice>
-          <mc:Fallback xmlns="">
+          <mc:Fallback>
             <p:pic>
               <p:nvPicPr>
                 <p:cNvPr id="11" name="Ink 10">
@@ -18660,8 +21000,8 @@
             </p:pic>
           </mc:Fallback>
         </mc:AlternateContent>
-        <mc:AlternateContent xmlns:mc="http://schemas.openxmlformats.org/markup-compatibility/2006" xmlns:p14="http://schemas.microsoft.com/office/powerpoint/2010/main">
-          <mc:Choice Requires="p14">
+        <mc:AlternateContent xmlns:mc="http://schemas.openxmlformats.org/markup-compatibility/2006">
+          <mc:Choice xmlns:p14="http://schemas.microsoft.com/office/powerpoint/2010/main" Requires="p14">
             <p:contentPart p14:bwMode="auto" r:id="rId20">
               <p14:nvContentPartPr>
                 <p14:cNvPr id="12" name="Ink 11">
@@ -18680,7 +21020,7 @@
               </p14:xfrm>
             </p:contentPart>
           </mc:Choice>
-          <mc:Fallback xmlns="">
+          <mc:Fallback>
             <p:pic>
               <p:nvPicPr>
                 <p:cNvPr id="12" name="Ink 11">
@@ -18711,8 +21051,8 @@
             </p:pic>
           </mc:Fallback>
         </mc:AlternateContent>
-        <mc:AlternateContent xmlns:mc="http://schemas.openxmlformats.org/markup-compatibility/2006" xmlns:p14="http://schemas.microsoft.com/office/powerpoint/2010/main">
-          <mc:Choice Requires="p14">
+        <mc:AlternateContent xmlns:mc="http://schemas.openxmlformats.org/markup-compatibility/2006">
+          <mc:Choice xmlns:p14="http://schemas.microsoft.com/office/powerpoint/2010/main" Requires="p14">
             <p:contentPart p14:bwMode="auto" r:id="rId22">
               <p14:nvContentPartPr>
                 <p14:cNvPr id="13" name="Ink 12">
@@ -18731,7 +21071,7 @@
               </p14:xfrm>
             </p:contentPart>
           </mc:Choice>
-          <mc:Fallback xmlns="">
+          <mc:Fallback>
             <p:pic>
               <p:nvPicPr>
                 <p:cNvPr id="13" name="Ink 12">
@@ -18762,8 +21102,8 @@
             </p:pic>
           </mc:Fallback>
         </mc:AlternateContent>
-        <mc:AlternateContent xmlns:mc="http://schemas.openxmlformats.org/markup-compatibility/2006" xmlns:p14="http://schemas.microsoft.com/office/powerpoint/2010/main">
-          <mc:Choice Requires="p14">
+        <mc:AlternateContent xmlns:mc="http://schemas.openxmlformats.org/markup-compatibility/2006">
+          <mc:Choice xmlns:p14="http://schemas.microsoft.com/office/powerpoint/2010/main" Requires="p14">
             <p:contentPart p14:bwMode="auto" r:id="rId24">
               <p14:nvContentPartPr>
                 <p14:cNvPr id="14" name="Ink 13">
@@ -18782,7 +21122,7 @@
               </p14:xfrm>
             </p:contentPart>
           </mc:Choice>
-          <mc:Fallback xmlns="">
+          <mc:Fallback>
             <p:pic>
               <p:nvPicPr>
                 <p:cNvPr id="14" name="Ink 13">
@@ -18813,8 +21153,8 @@
             </p:pic>
           </mc:Fallback>
         </mc:AlternateContent>
-        <mc:AlternateContent xmlns:mc="http://schemas.openxmlformats.org/markup-compatibility/2006" xmlns:p14="http://schemas.microsoft.com/office/powerpoint/2010/main">
-          <mc:Choice Requires="p14">
+        <mc:AlternateContent xmlns:mc="http://schemas.openxmlformats.org/markup-compatibility/2006">
+          <mc:Choice xmlns:p14="http://schemas.microsoft.com/office/powerpoint/2010/main" Requires="p14">
             <p:contentPart p14:bwMode="auto" r:id="rId26">
               <p14:nvContentPartPr>
                 <p14:cNvPr id="15" name="Ink 14">
@@ -18833,7 +21173,7 @@
               </p14:xfrm>
             </p:contentPart>
           </mc:Choice>
-          <mc:Fallback xmlns="">
+          <mc:Fallback>
             <p:pic>
               <p:nvPicPr>
                 <p:cNvPr id="15" name="Ink 14">
@@ -18864,8 +21204,8 @@
             </p:pic>
           </mc:Fallback>
         </mc:AlternateContent>
-        <mc:AlternateContent xmlns:mc="http://schemas.openxmlformats.org/markup-compatibility/2006" xmlns:p14="http://schemas.microsoft.com/office/powerpoint/2010/main">
-          <mc:Choice Requires="p14">
+        <mc:AlternateContent xmlns:mc="http://schemas.openxmlformats.org/markup-compatibility/2006">
+          <mc:Choice xmlns:p14="http://schemas.microsoft.com/office/powerpoint/2010/main" Requires="p14">
             <p:contentPart p14:bwMode="auto" r:id="rId28">
               <p14:nvContentPartPr>
                 <p14:cNvPr id="16" name="Ink 15">
@@ -18884,7 +21224,7 @@
               </p14:xfrm>
             </p:contentPart>
           </mc:Choice>
-          <mc:Fallback xmlns="">
+          <mc:Fallback>
             <p:pic>
               <p:nvPicPr>
                 <p:cNvPr id="16" name="Ink 15">
@@ -18915,8 +21255,8 @@
             </p:pic>
           </mc:Fallback>
         </mc:AlternateContent>
-        <mc:AlternateContent xmlns:mc="http://schemas.openxmlformats.org/markup-compatibility/2006" xmlns:p14="http://schemas.microsoft.com/office/powerpoint/2010/main">
-          <mc:Choice Requires="p14">
+        <mc:AlternateContent xmlns:mc="http://schemas.openxmlformats.org/markup-compatibility/2006">
+          <mc:Choice xmlns:p14="http://schemas.microsoft.com/office/powerpoint/2010/main" Requires="p14">
             <p:contentPart p14:bwMode="auto" r:id="rId30">
               <p14:nvContentPartPr>
                 <p14:cNvPr id="17" name="Ink 16">
@@ -18935,7 +21275,7 @@
               </p14:xfrm>
             </p:contentPart>
           </mc:Choice>
-          <mc:Fallback xmlns="">
+          <mc:Fallback>
             <p:pic>
               <p:nvPicPr>
                 <p:cNvPr id="17" name="Ink 16">
@@ -18966,8 +21306,8 @@
             </p:pic>
           </mc:Fallback>
         </mc:AlternateContent>
-        <mc:AlternateContent xmlns:mc="http://schemas.openxmlformats.org/markup-compatibility/2006" xmlns:p14="http://schemas.microsoft.com/office/powerpoint/2010/main">
-          <mc:Choice Requires="p14">
+        <mc:AlternateContent xmlns:mc="http://schemas.openxmlformats.org/markup-compatibility/2006">
+          <mc:Choice xmlns:p14="http://schemas.microsoft.com/office/powerpoint/2010/main" Requires="p14">
             <p:contentPart p14:bwMode="auto" r:id="rId32">
               <p14:nvContentPartPr>
                 <p14:cNvPr id="19" name="Ink 18">
@@ -18986,7 +21326,7 @@
               </p14:xfrm>
             </p:contentPart>
           </mc:Choice>
-          <mc:Fallback xmlns="">
+          <mc:Fallback>
             <p:pic>
               <p:nvPicPr>
                 <p:cNvPr id="19" name="Ink 18">
@@ -19017,8 +21357,8 @@
             </p:pic>
           </mc:Fallback>
         </mc:AlternateContent>
-        <mc:AlternateContent xmlns:mc="http://schemas.openxmlformats.org/markup-compatibility/2006" xmlns:p14="http://schemas.microsoft.com/office/powerpoint/2010/main">
-          <mc:Choice Requires="p14">
+        <mc:AlternateContent xmlns:mc="http://schemas.openxmlformats.org/markup-compatibility/2006">
+          <mc:Choice xmlns:p14="http://schemas.microsoft.com/office/powerpoint/2010/main" Requires="p14">
             <p:contentPart p14:bwMode="auto" r:id="rId34">
               <p14:nvContentPartPr>
                 <p14:cNvPr id="20" name="Ink 19">
@@ -19037,7 +21377,7 @@
               </p14:xfrm>
             </p:contentPart>
           </mc:Choice>
-          <mc:Fallback xmlns="">
+          <mc:Fallback>
             <p:pic>
               <p:nvPicPr>
                 <p:cNvPr id="20" name="Ink 19">
@@ -19068,8 +21408,8 @@
             </p:pic>
           </mc:Fallback>
         </mc:AlternateContent>
-        <mc:AlternateContent xmlns:mc="http://schemas.openxmlformats.org/markup-compatibility/2006" xmlns:p14="http://schemas.microsoft.com/office/powerpoint/2010/main">
-          <mc:Choice Requires="p14">
+        <mc:AlternateContent xmlns:mc="http://schemas.openxmlformats.org/markup-compatibility/2006">
+          <mc:Choice xmlns:p14="http://schemas.microsoft.com/office/powerpoint/2010/main" Requires="p14">
             <p:contentPart p14:bwMode="auto" r:id="rId36">
               <p14:nvContentPartPr>
                 <p14:cNvPr id="22" name="Ink 21">
@@ -19088,7 +21428,7 @@
               </p14:xfrm>
             </p:contentPart>
           </mc:Choice>
-          <mc:Fallback xmlns="">
+          <mc:Fallback>
             <p:pic>
               <p:nvPicPr>
                 <p:cNvPr id="22" name="Ink 21">
@@ -19119,8 +21459,8 @@
             </p:pic>
           </mc:Fallback>
         </mc:AlternateContent>
-        <mc:AlternateContent xmlns:mc="http://schemas.openxmlformats.org/markup-compatibility/2006" xmlns:p14="http://schemas.microsoft.com/office/powerpoint/2010/main">
-          <mc:Choice Requires="p14">
+        <mc:AlternateContent xmlns:mc="http://schemas.openxmlformats.org/markup-compatibility/2006">
+          <mc:Choice xmlns:p14="http://schemas.microsoft.com/office/powerpoint/2010/main" Requires="p14">
             <p:contentPart p14:bwMode="auto" r:id="rId38">
               <p14:nvContentPartPr>
                 <p14:cNvPr id="23" name="Ink 22">
@@ -19139,7 +21479,7 @@
               </p14:xfrm>
             </p:contentPart>
           </mc:Choice>
-          <mc:Fallback xmlns="">
+          <mc:Fallback>
             <p:pic>
               <p:nvPicPr>
                 <p:cNvPr id="23" name="Ink 22">
@@ -19170,8 +21510,8 @@
             </p:pic>
           </mc:Fallback>
         </mc:AlternateContent>
-        <mc:AlternateContent xmlns:mc="http://schemas.openxmlformats.org/markup-compatibility/2006" xmlns:p14="http://schemas.microsoft.com/office/powerpoint/2010/main">
-          <mc:Choice Requires="p14">
+        <mc:AlternateContent xmlns:mc="http://schemas.openxmlformats.org/markup-compatibility/2006">
+          <mc:Choice xmlns:p14="http://schemas.microsoft.com/office/powerpoint/2010/main" Requires="p14">
             <p:contentPart p14:bwMode="auto" r:id="rId40">
               <p14:nvContentPartPr>
                 <p14:cNvPr id="24" name="Ink 23">
@@ -19190,7 +21530,7 @@
               </p14:xfrm>
             </p:contentPart>
           </mc:Choice>
-          <mc:Fallback xmlns="">
+          <mc:Fallback>
             <p:pic>
               <p:nvPicPr>
                 <p:cNvPr id="24" name="Ink 23">
@@ -19221,8 +21561,8 @@
             </p:pic>
           </mc:Fallback>
         </mc:AlternateContent>
-        <mc:AlternateContent xmlns:mc="http://schemas.openxmlformats.org/markup-compatibility/2006" xmlns:p14="http://schemas.microsoft.com/office/powerpoint/2010/main">
-          <mc:Choice Requires="p14">
+        <mc:AlternateContent xmlns:mc="http://schemas.openxmlformats.org/markup-compatibility/2006">
+          <mc:Choice xmlns:p14="http://schemas.microsoft.com/office/powerpoint/2010/main" Requires="p14">
             <p:contentPart p14:bwMode="auto" r:id="rId42">
               <p14:nvContentPartPr>
                 <p14:cNvPr id="25" name="Ink 24">
@@ -19241,7 +21581,7 @@
               </p14:xfrm>
             </p:contentPart>
           </mc:Choice>
-          <mc:Fallback xmlns="">
+          <mc:Fallback>
             <p:pic>
               <p:nvPicPr>
                 <p:cNvPr id="25" name="Ink 24">
@@ -19272,8 +21612,8 @@
             </p:pic>
           </mc:Fallback>
         </mc:AlternateContent>
-        <mc:AlternateContent xmlns:mc="http://schemas.openxmlformats.org/markup-compatibility/2006" xmlns:p14="http://schemas.microsoft.com/office/powerpoint/2010/main">
-          <mc:Choice Requires="p14">
+        <mc:AlternateContent xmlns:mc="http://schemas.openxmlformats.org/markup-compatibility/2006">
+          <mc:Choice xmlns:p14="http://schemas.microsoft.com/office/powerpoint/2010/main" Requires="p14">
             <p:contentPart p14:bwMode="auto" r:id="rId44">
               <p14:nvContentPartPr>
                 <p14:cNvPr id="26" name="Ink 25">
@@ -19292,7 +21632,7 @@
               </p14:xfrm>
             </p:contentPart>
           </mc:Choice>
-          <mc:Fallback xmlns="">
+          <mc:Fallback>
             <p:pic>
               <p:nvPicPr>
                 <p:cNvPr id="26" name="Ink 25">
@@ -19323,8 +21663,8 @@
             </p:pic>
           </mc:Fallback>
         </mc:AlternateContent>
-        <mc:AlternateContent xmlns:mc="http://schemas.openxmlformats.org/markup-compatibility/2006" xmlns:p14="http://schemas.microsoft.com/office/powerpoint/2010/main">
-          <mc:Choice Requires="p14">
+        <mc:AlternateContent xmlns:mc="http://schemas.openxmlformats.org/markup-compatibility/2006">
+          <mc:Choice xmlns:p14="http://schemas.microsoft.com/office/powerpoint/2010/main" Requires="p14">
             <p:contentPart p14:bwMode="auto" r:id="rId46">
               <p14:nvContentPartPr>
                 <p14:cNvPr id="27" name="Ink 26">
@@ -19343,7 +21683,7 @@
               </p14:xfrm>
             </p:contentPart>
           </mc:Choice>
-          <mc:Fallback xmlns="">
+          <mc:Fallback>
             <p:pic>
               <p:nvPicPr>
                 <p:cNvPr id="27" name="Ink 26">
@@ -19374,8 +21714,8 @@
             </p:pic>
           </mc:Fallback>
         </mc:AlternateContent>
-        <mc:AlternateContent xmlns:mc="http://schemas.openxmlformats.org/markup-compatibility/2006" xmlns:p14="http://schemas.microsoft.com/office/powerpoint/2010/main">
-          <mc:Choice Requires="p14">
+        <mc:AlternateContent xmlns:mc="http://schemas.openxmlformats.org/markup-compatibility/2006">
+          <mc:Choice xmlns:p14="http://schemas.microsoft.com/office/powerpoint/2010/main" Requires="p14">
             <p:contentPart p14:bwMode="auto" r:id="rId48">
               <p14:nvContentPartPr>
                 <p14:cNvPr id="28" name="Ink 27">
@@ -19394,7 +21734,7 @@
               </p14:xfrm>
             </p:contentPart>
           </mc:Choice>
-          <mc:Fallback xmlns="">
+          <mc:Fallback>
             <p:pic>
               <p:nvPicPr>
                 <p:cNvPr id="28" name="Ink 27">
@@ -19425,8 +21765,8 @@
             </p:pic>
           </mc:Fallback>
         </mc:AlternateContent>
-        <mc:AlternateContent xmlns:mc="http://schemas.openxmlformats.org/markup-compatibility/2006" xmlns:p14="http://schemas.microsoft.com/office/powerpoint/2010/main">
-          <mc:Choice Requires="p14">
+        <mc:AlternateContent xmlns:mc="http://schemas.openxmlformats.org/markup-compatibility/2006">
+          <mc:Choice xmlns:p14="http://schemas.microsoft.com/office/powerpoint/2010/main" Requires="p14">
             <p:contentPart p14:bwMode="auto" r:id="rId50">
               <p14:nvContentPartPr>
                 <p14:cNvPr id="29" name="Ink 28">
@@ -19445,7 +21785,7 @@
               </p14:xfrm>
             </p:contentPart>
           </mc:Choice>
-          <mc:Fallback xmlns="">
+          <mc:Fallback>
             <p:pic>
               <p:nvPicPr>
                 <p:cNvPr id="29" name="Ink 28">
@@ -19476,8 +21816,8 @@
             </p:pic>
           </mc:Fallback>
         </mc:AlternateContent>
-        <mc:AlternateContent xmlns:mc="http://schemas.openxmlformats.org/markup-compatibility/2006" xmlns:p14="http://schemas.microsoft.com/office/powerpoint/2010/main">
-          <mc:Choice Requires="p14">
+        <mc:AlternateContent xmlns:mc="http://schemas.openxmlformats.org/markup-compatibility/2006">
+          <mc:Choice xmlns:p14="http://schemas.microsoft.com/office/powerpoint/2010/main" Requires="p14">
             <p:contentPart p14:bwMode="auto" r:id="rId52">
               <p14:nvContentPartPr>
                 <p14:cNvPr id="30" name="Ink 29">
@@ -19496,7 +21836,7 @@
               </p14:xfrm>
             </p:contentPart>
           </mc:Choice>
-          <mc:Fallback xmlns="">
+          <mc:Fallback>
             <p:pic>
               <p:nvPicPr>
                 <p:cNvPr id="30" name="Ink 29">
@@ -19527,8 +21867,8 @@
             </p:pic>
           </mc:Fallback>
         </mc:AlternateContent>
-        <mc:AlternateContent xmlns:mc="http://schemas.openxmlformats.org/markup-compatibility/2006" xmlns:p14="http://schemas.microsoft.com/office/powerpoint/2010/main">
-          <mc:Choice Requires="p14">
+        <mc:AlternateContent xmlns:mc="http://schemas.openxmlformats.org/markup-compatibility/2006">
+          <mc:Choice xmlns:p14="http://schemas.microsoft.com/office/powerpoint/2010/main" Requires="p14">
             <p:contentPart p14:bwMode="auto" r:id="rId54">
               <p14:nvContentPartPr>
                 <p14:cNvPr id="35" name="Ink 34">
@@ -19547,7 +21887,7 @@
               </p14:xfrm>
             </p:contentPart>
           </mc:Choice>
-          <mc:Fallback xmlns="">
+          <mc:Fallback>
             <p:pic>
               <p:nvPicPr>
                 <p:cNvPr id="35" name="Ink 34">
@@ -19578,8 +21918,8 @@
             </p:pic>
           </mc:Fallback>
         </mc:AlternateContent>
-        <mc:AlternateContent xmlns:mc="http://schemas.openxmlformats.org/markup-compatibility/2006" xmlns:p14="http://schemas.microsoft.com/office/powerpoint/2010/main">
-          <mc:Choice Requires="p14">
+        <mc:AlternateContent xmlns:mc="http://schemas.openxmlformats.org/markup-compatibility/2006">
+          <mc:Choice xmlns:p14="http://schemas.microsoft.com/office/powerpoint/2010/main" Requires="p14">
             <p:contentPart p14:bwMode="auto" r:id="rId56">
               <p14:nvContentPartPr>
                 <p14:cNvPr id="36" name="Ink 35">
@@ -19598,7 +21938,7 @@
               </p14:xfrm>
             </p:contentPart>
           </mc:Choice>
-          <mc:Fallback xmlns="">
+          <mc:Fallback>
             <p:pic>
               <p:nvPicPr>
                 <p:cNvPr id="36" name="Ink 35">
@@ -19629,8 +21969,8 @@
             </p:pic>
           </mc:Fallback>
         </mc:AlternateContent>
-        <mc:AlternateContent xmlns:mc="http://schemas.openxmlformats.org/markup-compatibility/2006" xmlns:p14="http://schemas.microsoft.com/office/powerpoint/2010/main">
-          <mc:Choice Requires="p14">
+        <mc:AlternateContent xmlns:mc="http://schemas.openxmlformats.org/markup-compatibility/2006">
+          <mc:Choice xmlns:p14="http://schemas.microsoft.com/office/powerpoint/2010/main" Requires="p14">
             <p:contentPart p14:bwMode="auto" r:id="rId58">
               <p14:nvContentPartPr>
                 <p14:cNvPr id="37" name="Ink 36">
@@ -19649,7 +21989,7 @@
               </p14:xfrm>
             </p:contentPart>
           </mc:Choice>
-          <mc:Fallback xmlns="">
+          <mc:Fallback>
             <p:pic>
               <p:nvPicPr>
                 <p:cNvPr id="37" name="Ink 36">
@@ -19681,108 +22021,6 @@
           </mc:Fallback>
         </mc:AlternateContent>
       </p:grpSp>
-      <mc:AlternateContent xmlns:mc="http://schemas.openxmlformats.org/markup-compatibility/2006">
-        <mc:Choice xmlns:p14="http://schemas.microsoft.com/office/powerpoint/2010/main" Requires="p14">
-          <p:contentPart p14:bwMode="auto" r:id="rId60">
-            <p14:nvContentPartPr>
-              <p14:cNvPr id="54" name="Ink 53">
-                <a:extLst>
-                  <a:ext uri="{FF2B5EF4-FFF2-40B4-BE49-F238E27FC236}">
-                    <a16:creationId xmlns:a16="http://schemas.microsoft.com/office/drawing/2014/main" id="{BAD76E79-AF34-C5D6-86BD-1072F70B2DC0}"/>
-                  </a:ext>
-                </a:extLst>
-              </p14:cNvPr>
-              <p14:cNvContentPartPr/>
-              <p14:nvPr/>
-            </p14:nvContentPartPr>
-            <p14:xfrm>
-              <a:off x="969340" y="5360121"/>
-              <a:ext cx="378000" cy="122400"/>
-            </p14:xfrm>
-          </p:contentPart>
-        </mc:Choice>
-        <mc:Fallback>
-          <p:pic>
-            <p:nvPicPr>
-              <p:cNvPr id="54" name="Ink 53">
-                <a:extLst>
-                  <a:ext uri="{FF2B5EF4-FFF2-40B4-BE49-F238E27FC236}">
-                    <a16:creationId xmlns:a16="http://schemas.microsoft.com/office/drawing/2014/main" id="{BAD76E79-AF34-C5D6-86BD-1072F70B2DC0}"/>
-                  </a:ext>
-                </a:extLst>
-              </p:cNvPr>
-              <p:cNvPicPr/>
-              <p:nvPr/>
-            </p:nvPicPr>
-            <p:blipFill>
-              <a:blip r:embed="rId61"/>
-              <a:stretch>
-                <a:fillRect/>
-              </a:stretch>
-            </p:blipFill>
-            <p:spPr>
-              <a:xfrm>
-                <a:off x="963220" y="5354001"/>
-                <a:ext cx="390240" cy="134640"/>
-              </a:xfrm>
-              <a:prstGeom prst="rect">
-                <a:avLst/>
-              </a:prstGeom>
-            </p:spPr>
-          </p:pic>
-        </mc:Fallback>
-      </mc:AlternateContent>
-      <mc:AlternateContent xmlns:mc="http://schemas.openxmlformats.org/markup-compatibility/2006">
-        <mc:Choice xmlns:p14="http://schemas.microsoft.com/office/powerpoint/2010/main" Requires="p14">
-          <p:contentPart p14:bwMode="auto" r:id="rId62">
-            <p14:nvContentPartPr>
-              <p14:cNvPr id="55" name="Ink 54">
-                <a:extLst>
-                  <a:ext uri="{FF2B5EF4-FFF2-40B4-BE49-F238E27FC236}">
-                    <a16:creationId xmlns:a16="http://schemas.microsoft.com/office/drawing/2014/main" id="{2EB98487-E357-DCAA-2BAB-F4A30BEB55EA}"/>
-                  </a:ext>
-                </a:extLst>
-              </p14:cNvPr>
-              <p14:cNvContentPartPr/>
-              <p14:nvPr/>
-            </p14:nvContentPartPr>
-            <p14:xfrm>
-              <a:off x="1639660" y="6171561"/>
-              <a:ext cx="533880" cy="173520"/>
-            </p14:xfrm>
-          </p:contentPart>
-        </mc:Choice>
-        <mc:Fallback>
-          <p:pic>
-            <p:nvPicPr>
-              <p:cNvPr id="55" name="Ink 54">
-                <a:extLst>
-                  <a:ext uri="{FF2B5EF4-FFF2-40B4-BE49-F238E27FC236}">
-                    <a16:creationId xmlns:a16="http://schemas.microsoft.com/office/drawing/2014/main" id="{2EB98487-E357-DCAA-2BAB-F4A30BEB55EA}"/>
-                  </a:ext>
-                </a:extLst>
-              </p:cNvPr>
-              <p:cNvPicPr/>
-              <p:nvPr/>
-            </p:nvPicPr>
-            <p:blipFill>
-              <a:blip r:embed="rId63"/>
-              <a:stretch>
-                <a:fillRect/>
-              </a:stretch>
-            </p:blipFill>
-            <p:spPr>
-              <a:xfrm>
-                <a:off x="1633540" y="6165441"/>
-                <a:ext cx="546120" cy="185760"/>
-              </a:xfrm>
-              <a:prstGeom prst="rect">
-                <a:avLst/>
-              </a:prstGeom>
-            </p:spPr>
-          </p:pic>
-        </mc:Fallback>
-      </mc:AlternateContent>
     </p:spTree>
     <p:extLst>
       <p:ext uri="{BB962C8B-B14F-4D97-AF65-F5344CB8AC3E}">
